--- a/主恩典.pptx
+++ b/主恩典.pptx
@@ -9,7 +9,7 @@
     <p:sldId id="257" r:id="rId3"/>
     <p:sldId id="258" r:id="rId4"/>
   </p:sldIdLst>
-  <p:sldSz cx="9144000" cy="6858000" type="screen4x3"/>
+  <p:sldSz cx="9144000" cy="5143500" type="screen16x9"/>
   <p:notesSz cx="6858000" cy="9144000"/>
   <p:defaultTextStyle>
     <a:defPPr>
@@ -138,8 +138,8 @@
         </p:nvSpPr>
         <p:spPr>
           <a:xfrm>
-            <a:off x="685800" y="2130425"/>
-            <a:ext cx="7772400" cy="1470025"/>
+            <a:off x="685800" y="1597819"/>
+            <a:ext cx="7772400" cy="1102519"/>
           </a:xfrm>
         </p:spPr>
         <p:txBody>
@@ -166,8 +166,8 @@
         </p:nvSpPr>
         <p:spPr>
           <a:xfrm>
-            <a:off x="1371600" y="3886200"/>
-            <a:ext cx="6400800" cy="1752600"/>
+            <a:off x="1371600" y="2914650"/>
+            <a:ext cx="6400800" cy="1314450"/>
           </a:xfrm>
         </p:spPr>
         <p:txBody>
@@ -291,7 +291,7 @@
             <a:fld id="{DE59D944-54CB-47B0-9464-FA766A8DDC46}" type="datetimeFigureOut">
               <a:rPr lang="zh-TW" altLang="en-US" smtClean="0"/>
               <a:pPr/>
-              <a:t>2018/1/20</a:t>
+              <a:t>2019/9/7</a:t>
             </a:fld>
             <a:endParaRPr lang="zh-TW" altLang="en-US"/>
           </a:p>
@@ -458,7 +458,7 @@
             <a:fld id="{DE59D944-54CB-47B0-9464-FA766A8DDC46}" type="datetimeFigureOut">
               <a:rPr lang="zh-TW" altLang="en-US" smtClean="0"/>
               <a:pPr/>
-              <a:t>2018/1/20</a:t>
+              <a:t>2019/9/7</a:t>
             </a:fld>
             <a:endParaRPr lang="zh-TW" altLang="en-US"/>
           </a:p>
@@ -544,8 +544,8 @@
         </p:nvSpPr>
         <p:spPr>
           <a:xfrm>
-            <a:off x="6629400" y="274638"/>
-            <a:ext cx="2057400" cy="5851525"/>
+            <a:off x="6629400" y="205979"/>
+            <a:ext cx="2057400" cy="4388644"/>
           </a:xfrm>
         </p:spPr>
         <p:txBody>
@@ -572,8 +572,8 @@
         </p:nvSpPr>
         <p:spPr>
           <a:xfrm>
-            <a:off x="457200" y="274638"/>
-            <a:ext cx="6019800" cy="5851525"/>
+            <a:off x="457200" y="205979"/>
+            <a:ext cx="6019800" cy="4388644"/>
           </a:xfrm>
         </p:spPr>
         <p:txBody>
@@ -635,7 +635,7 @@
             <a:fld id="{DE59D944-54CB-47B0-9464-FA766A8DDC46}" type="datetimeFigureOut">
               <a:rPr lang="zh-TW" altLang="en-US" smtClean="0"/>
               <a:pPr/>
-              <a:t>2018/1/20</a:t>
+              <a:t>2019/9/7</a:t>
             </a:fld>
             <a:endParaRPr lang="zh-TW" altLang="en-US"/>
           </a:p>
@@ -802,7 +802,7 @@
             <a:fld id="{DE59D944-54CB-47B0-9464-FA766A8DDC46}" type="datetimeFigureOut">
               <a:rPr lang="zh-TW" altLang="en-US" smtClean="0"/>
               <a:pPr/>
-              <a:t>2018/1/20</a:t>
+              <a:t>2019/9/7</a:t>
             </a:fld>
             <a:endParaRPr lang="zh-TW" altLang="en-US"/>
           </a:p>
@@ -888,8 +888,8 @@
         </p:nvSpPr>
         <p:spPr>
           <a:xfrm>
-            <a:off x="722313" y="4406900"/>
-            <a:ext cx="7772400" cy="1362075"/>
+            <a:off x="722313" y="3305176"/>
+            <a:ext cx="7772400" cy="1021556"/>
           </a:xfrm>
         </p:spPr>
         <p:txBody>
@@ -920,8 +920,8 @@
         </p:nvSpPr>
         <p:spPr>
           <a:xfrm>
-            <a:off x="722313" y="2906713"/>
-            <a:ext cx="7772400" cy="1500187"/>
+            <a:off x="722313" y="2180035"/>
+            <a:ext cx="7772400" cy="1125140"/>
           </a:xfrm>
         </p:spPr>
         <p:txBody>
@@ -1045,7 +1045,7 @@
             <a:fld id="{DE59D944-54CB-47B0-9464-FA766A8DDC46}" type="datetimeFigureOut">
               <a:rPr lang="zh-TW" altLang="en-US" smtClean="0"/>
               <a:pPr/>
-              <a:t>2018/1/20</a:t>
+              <a:t>2019/9/7</a:t>
             </a:fld>
             <a:endParaRPr lang="zh-TW" altLang="en-US"/>
           </a:p>
@@ -1154,8 +1154,8 @@
         </p:nvSpPr>
         <p:spPr>
           <a:xfrm>
-            <a:off x="457200" y="1600200"/>
-            <a:ext cx="4038600" cy="4525963"/>
+            <a:off x="457200" y="1200151"/>
+            <a:ext cx="4038600" cy="3394472"/>
           </a:xfrm>
         </p:spPr>
         <p:txBody>
@@ -1239,8 +1239,8 @@
         </p:nvSpPr>
         <p:spPr>
           <a:xfrm>
-            <a:off x="4648200" y="1600200"/>
-            <a:ext cx="4038600" cy="4525963"/>
+            <a:off x="4648200" y="1200151"/>
+            <a:ext cx="4038600" cy="3394472"/>
           </a:xfrm>
         </p:spPr>
         <p:txBody>
@@ -1330,7 +1330,7 @@
             <a:fld id="{DE59D944-54CB-47B0-9464-FA766A8DDC46}" type="datetimeFigureOut">
               <a:rPr lang="zh-TW" altLang="en-US" smtClean="0"/>
               <a:pPr/>
-              <a:t>2018/1/20</a:t>
+              <a:t>2019/9/7</a:t>
             </a:fld>
             <a:endParaRPr lang="zh-TW" altLang="en-US"/>
           </a:p>
@@ -1443,8 +1443,8 @@
         </p:nvSpPr>
         <p:spPr>
           <a:xfrm>
-            <a:off x="457200" y="1535113"/>
-            <a:ext cx="4040188" cy="639762"/>
+            <a:off x="457200" y="1151335"/>
+            <a:ext cx="4040188" cy="479822"/>
           </a:xfrm>
         </p:spPr>
         <p:txBody>
@@ -1508,8 +1508,8 @@
         </p:nvSpPr>
         <p:spPr>
           <a:xfrm>
-            <a:off x="457200" y="2174875"/>
-            <a:ext cx="4040188" cy="3951288"/>
+            <a:off x="457200" y="1631156"/>
+            <a:ext cx="4040188" cy="2963466"/>
           </a:xfrm>
         </p:spPr>
         <p:txBody>
@@ -1593,8 +1593,8 @@
         </p:nvSpPr>
         <p:spPr>
           <a:xfrm>
-            <a:off x="4645025" y="1535113"/>
-            <a:ext cx="4041775" cy="639762"/>
+            <a:off x="4645026" y="1151335"/>
+            <a:ext cx="4041775" cy="479822"/>
           </a:xfrm>
         </p:spPr>
         <p:txBody>
@@ -1658,8 +1658,8 @@
         </p:nvSpPr>
         <p:spPr>
           <a:xfrm>
-            <a:off x="4645025" y="2174875"/>
-            <a:ext cx="4041775" cy="3951288"/>
+            <a:off x="4645026" y="1631156"/>
+            <a:ext cx="4041775" cy="2963466"/>
           </a:xfrm>
         </p:spPr>
         <p:txBody>
@@ -1749,7 +1749,7 @@
             <a:fld id="{DE59D944-54CB-47B0-9464-FA766A8DDC46}" type="datetimeFigureOut">
               <a:rPr lang="zh-TW" altLang="en-US" smtClean="0"/>
               <a:pPr/>
-              <a:t>2018/1/20</a:t>
+              <a:t>2019/9/7</a:t>
             </a:fld>
             <a:endParaRPr lang="zh-TW" altLang="en-US"/>
           </a:p>
@@ -1864,7 +1864,7 @@
             <a:fld id="{DE59D944-54CB-47B0-9464-FA766A8DDC46}" type="datetimeFigureOut">
               <a:rPr lang="zh-TW" altLang="en-US" smtClean="0"/>
               <a:pPr/>
-              <a:t>2018/1/20</a:t>
+              <a:t>2019/9/7</a:t>
             </a:fld>
             <a:endParaRPr lang="zh-TW" altLang="en-US"/>
           </a:p>
@@ -1956,7 +1956,7 @@
             <a:fld id="{DE59D944-54CB-47B0-9464-FA766A8DDC46}" type="datetimeFigureOut">
               <a:rPr lang="zh-TW" altLang="en-US" smtClean="0"/>
               <a:pPr/>
-              <a:t>2018/1/20</a:t>
+              <a:t>2019/9/7</a:t>
             </a:fld>
             <a:endParaRPr lang="zh-TW" altLang="en-US"/>
           </a:p>
@@ -2042,8 +2042,8 @@
         </p:nvSpPr>
         <p:spPr>
           <a:xfrm>
-            <a:off x="457200" y="273050"/>
-            <a:ext cx="3008313" cy="1162050"/>
+            <a:off x="457201" y="204787"/>
+            <a:ext cx="3008313" cy="871538"/>
           </a:xfrm>
         </p:spPr>
         <p:txBody>
@@ -2074,8 +2074,8 @@
         </p:nvSpPr>
         <p:spPr>
           <a:xfrm>
-            <a:off x="3575050" y="273050"/>
-            <a:ext cx="5111750" cy="5853113"/>
+            <a:off x="3575050" y="204788"/>
+            <a:ext cx="5111750" cy="4389835"/>
           </a:xfrm>
         </p:spPr>
         <p:txBody>
@@ -2159,8 +2159,8 @@
         </p:nvSpPr>
         <p:spPr>
           <a:xfrm>
-            <a:off x="457200" y="1435100"/>
-            <a:ext cx="3008313" cy="4691063"/>
+            <a:off x="457201" y="1076326"/>
+            <a:ext cx="3008313" cy="3518297"/>
           </a:xfrm>
         </p:spPr>
         <p:txBody>
@@ -2230,7 +2230,7 @@
             <a:fld id="{DE59D944-54CB-47B0-9464-FA766A8DDC46}" type="datetimeFigureOut">
               <a:rPr lang="zh-TW" altLang="en-US" smtClean="0"/>
               <a:pPr/>
-              <a:t>2018/1/20</a:t>
+              <a:t>2019/9/7</a:t>
             </a:fld>
             <a:endParaRPr lang="zh-TW" altLang="en-US"/>
           </a:p>
@@ -2316,8 +2316,8 @@
         </p:nvSpPr>
         <p:spPr>
           <a:xfrm>
-            <a:off x="1792288" y="4800600"/>
-            <a:ext cx="5486400" cy="566738"/>
+            <a:off x="1792288" y="3600450"/>
+            <a:ext cx="5486400" cy="425054"/>
           </a:xfrm>
         </p:spPr>
         <p:txBody>
@@ -2348,8 +2348,8 @@
         </p:nvSpPr>
         <p:spPr>
           <a:xfrm>
-            <a:off x="1792288" y="612775"/>
-            <a:ext cx="5486400" cy="4114800"/>
+            <a:off x="1792288" y="459581"/>
+            <a:ext cx="5486400" cy="3086100"/>
           </a:xfrm>
         </p:spPr>
         <p:txBody>
@@ -2413,8 +2413,8 @@
         </p:nvSpPr>
         <p:spPr>
           <a:xfrm>
-            <a:off x="1792288" y="5367338"/>
-            <a:ext cx="5486400" cy="804862"/>
+            <a:off x="1792288" y="4025503"/>
+            <a:ext cx="5486400" cy="603647"/>
           </a:xfrm>
         </p:spPr>
         <p:txBody>
@@ -2484,7 +2484,7 @@
             <a:fld id="{DE59D944-54CB-47B0-9464-FA766A8DDC46}" type="datetimeFigureOut">
               <a:rPr lang="zh-TW" altLang="en-US" smtClean="0"/>
               <a:pPr/>
-              <a:t>2018/1/20</a:t>
+              <a:t>2019/9/7</a:t>
             </a:fld>
             <a:endParaRPr lang="zh-TW" altLang="en-US"/>
           </a:p>
@@ -2580,8 +2580,8 @@
         </p:nvSpPr>
         <p:spPr>
           <a:xfrm>
-            <a:off x="457200" y="274638"/>
-            <a:ext cx="8229600" cy="1143000"/>
+            <a:off x="457200" y="205979"/>
+            <a:ext cx="8229600" cy="857250"/>
           </a:xfrm>
           <a:prstGeom prst="rect">
             <a:avLst/>
@@ -2613,8 +2613,8 @@
         </p:nvSpPr>
         <p:spPr>
           <a:xfrm>
-            <a:off x="457200" y="1600200"/>
-            <a:ext cx="8229600" cy="4525963"/>
+            <a:off x="457200" y="1200151"/>
+            <a:ext cx="8229600" cy="3394472"/>
           </a:xfrm>
           <a:prstGeom prst="rect">
             <a:avLst/>
@@ -2675,8 +2675,8 @@
         </p:nvSpPr>
         <p:spPr>
           <a:xfrm>
-            <a:off x="457200" y="6356350"/>
-            <a:ext cx="2133600" cy="365125"/>
+            <a:off x="457200" y="4767263"/>
+            <a:ext cx="2133600" cy="273844"/>
           </a:xfrm>
           <a:prstGeom prst="rect">
             <a:avLst/>
@@ -2699,7 +2699,7 @@
             <a:fld id="{DE59D944-54CB-47B0-9464-FA766A8DDC46}" type="datetimeFigureOut">
               <a:rPr lang="zh-TW" altLang="en-US" smtClean="0"/>
               <a:pPr/>
-              <a:t>2018/1/20</a:t>
+              <a:t>2019/9/7</a:t>
             </a:fld>
             <a:endParaRPr lang="zh-TW" altLang="en-US"/>
           </a:p>
@@ -2717,8 +2717,8 @@
         </p:nvSpPr>
         <p:spPr>
           <a:xfrm>
-            <a:off x="3124200" y="6356350"/>
-            <a:ext cx="2895600" cy="365125"/>
+            <a:off x="3124200" y="4767263"/>
+            <a:ext cx="2895600" cy="273844"/>
           </a:xfrm>
           <a:prstGeom prst="rect">
             <a:avLst/>
@@ -2754,8 +2754,8 @@
         </p:nvSpPr>
         <p:spPr>
           <a:xfrm>
-            <a:off x="6553200" y="6356350"/>
-            <a:ext cx="2133600" cy="365125"/>
+            <a:off x="6553200" y="4767263"/>
+            <a:ext cx="2133600" cy="273844"/>
           </a:xfrm>
           <a:prstGeom prst="rect">
             <a:avLst/>
@@ -3082,11 +3082,13 @@
         </p:nvSpPr>
         <p:spPr/>
         <p:txBody>
-          <a:bodyPr/>
-          <a:lstStyle/>
-          <a:p>
-            <a:r>
-              <a:rPr lang="zh-TW" altLang="en-US" b="1" dirty="0" smtClean="0">
+          <a:bodyPr>
+            <a:normAutofit/>
+          </a:bodyPr>
+          <a:lstStyle/>
+          <a:p>
+            <a:r>
+              <a:rPr lang="zh-TW" altLang="en-US" sz="4000" b="1" dirty="0" smtClean="0">
                 <a:solidFill>
                   <a:srgbClr val="000066"/>
                 </a:solidFill>
@@ -3095,7 +3097,7 @@
               </a:rPr>
               <a:t>主恩典</a:t>
             </a:r>
-            <a:endParaRPr lang="zh-TW" altLang="en-US" b="1" dirty="0">
+            <a:endParaRPr lang="zh-TW" altLang="en-US" sz="4000" b="1" dirty="0">
               <a:solidFill>
                 <a:srgbClr val="000066"/>
               </a:solidFill>
@@ -3118,7 +3120,7 @@
         <p:spPr/>
         <p:txBody>
           <a:bodyPr>
-            <a:normAutofit/>
+            <a:noAutofit/>
           </a:bodyPr>
           <a:lstStyle/>
           <a:p>
@@ -3126,7 +3128,7 @@
               <a:buNone/>
             </a:pPr>
             <a:r>
-              <a:rPr lang="zh-TW" altLang="en-US" sz="5400" b="1" dirty="0">
+              <a:rPr lang="zh-TW" altLang="en-US" sz="4800" b="1" dirty="0">
                 <a:solidFill>
                   <a:srgbClr val="000066"/>
                 </a:solidFill>
@@ -3136,7 +3138,7 @@
               <a:t>主恩典何等</a:t>
             </a:r>
             <a:r>
-              <a:rPr lang="zh-TW" altLang="en-US" sz="5400" b="1" dirty="0" smtClean="0">
+              <a:rPr lang="zh-TW" altLang="en-US" sz="4800" b="1" dirty="0" smtClean="0">
                 <a:solidFill>
                   <a:srgbClr val="000066"/>
                 </a:solidFill>
@@ -3145,7 +3147,7 @@
               </a:rPr>
               <a:t>美好</a:t>
             </a:r>
-            <a:endParaRPr lang="en-US" altLang="zh-TW" sz="5400" b="1" dirty="0" smtClean="0">
+            <a:endParaRPr lang="en-US" altLang="zh-TW" sz="4800" b="1" dirty="0" smtClean="0">
               <a:solidFill>
                 <a:srgbClr val="000066"/>
               </a:solidFill>
@@ -3158,7 +3160,7 @@
               <a:buNone/>
             </a:pPr>
             <a:r>
-              <a:rPr lang="zh-TW" altLang="en-US" sz="5400" b="1" dirty="0" smtClean="0">
+              <a:rPr lang="zh-TW" altLang="en-US" sz="4800" b="1" dirty="0" smtClean="0">
                 <a:solidFill>
                   <a:srgbClr val="000066"/>
                 </a:solidFill>
@@ -3168,7 +3170,7 @@
               <a:t>比</a:t>
             </a:r>
             <a:r>
-              <a:rPr lang="zh-TW" altLang="en-US" sz="5400" b="1" dirty="0">
+              <a:rPr lang="zh-TW" altLang="en-US" sz="4800" b="1" dirty="0">
                 <a:solidFill>
                   <a:srgbClr val="000066"/>
                 </a:solidFill>
@@ -3178,7 +3180,7 @@
               <a:t>海深也比山</a:t>
             </a:r>
             <a:r>
-              <a:rPr lang="zh-TW" altLang="en-US" sz="5400" b="1" dirty="0" smtClean="0">
+              <a:rPr lang="zh-TW" altLang="en-US" sz="4800" b="1" dirty="0" smtClean="0">
                 <a:solidFill>
                   <a:srgbClr val="000066"/>
                 </a:solidFill>
@@ -3187,7 +3189,7 @@
               </a:rPr>
               <a:t>高</a:t>
             </a:r>
-            <a:endParaRPr lang="en-US" altLang="zh-TW" sz="5400" b="1" dirty="0">
+            <a:endParaRPr lang="en-US" altLang="zh-TW" sz="4800" b="1" dirty="0">
               <a:solidFill>
                 <a:srgbClr val="000066"/>
               </a:solidFill>
@@ -3200,7 +3202,7 @@
               <a:buNone/>
             </a:pPr>
             <a:r>
-              <a:rPr lang="zh-TW" altLang="en-US" sz="5400" b="1" dirty="0" smtClean="0">
+              <a:rPr lang="zh-TW" altLang="en-US" sz="4800" b="1" dirty="0" smtClean="0">
                 <a:solidFill>
                   <a:srgbClr val="000066"/>
                 </a:solidFill>
@@ -3210,7 +3212,7 @@
               <a:t>過去</a:t>
             </a:r>
             <a:r>
-              <a:rPr lang="zh-TW" altLang="en-US" sz="5400" b="1" dirty="0">
+              <a:rPr lang="zh-TW" altLang="en-US" sz="4800" b="1" dirty="0">
                 <a:solidFill>
                   <a:srgbClr val="000066"/>
                 </a:solidFill>
@@ -3220,7 +3222,7 @@
               <a:t>現在和</a:t>
             </a:r>
             <a:r>
-              <a:rPr lang="zh-TW" altLang="en-US" sz="5400" b="1" dirty="0" smtClean="0">
+              <a:rPr lang="zh-TW" altLang="en-US" sz="4800" b="1" dirty="0" smtClean="0">
                 <a:solidFill>
                   <a:srgbClr val="000066"/>
                 </a:solidFill>
@@ -3229,7 +3231,7 @@
               </a:rPr>
               <a:t>未來</a:t>
             </a:r>
-            <a:endParaRPr lang="en-US" altLang="zh-TW" sz="5400" b="1" dirty="0" smtClean="0">
+            <a:endParaRPr lang="en-US" altLang="zh-TW" sz="4800" b="1" dirty="0" smtClean="0">
               <a:solidFill>
                 <a:srgbClr val="000066"/>
               </a:solidFill>
@@ -3242,7 +3244,7 @@
               <a:buNone/>
             </a:pPr>
             <a:r>
-              <a:rPr lang="zh-TW" altLang="en-US" sz="5400" b="1" dirty="0" smtClean="0">
+              <a:rPr lang="zh-TW" altLang="en-US" sz="4800" b="1" dirty="0" smtClean="0">
                 <a:solidFill>
                   <a:srgbClr val="000066"/>
                 </a:solidFill>
@@ -3252,7 +3254,7 @@
               <a:t>主</a:t>
             </a:r>
             <a:r>
-              <a:rPr lang="zh-TW" altLang="en-US" sz="5400" b="1" dirty="0">
+              <a:rPr lang="zh-TW" altLang="en-US" sz="4800" b="1" dirty="0">
                 <a:solidFill>
                   <a:srgbClr val="000066"/>
                 </a:solidFill>
@@ -3301,11 +3303,13 @@
         </p:nvSpPr>
         <p:spPr/>
         <p:txBody>
-          <a:bodyPr/>
-          <a:lstStyle/>
-          <a:p>
-            <a:r>
-              <a:rPr lang="zh-TW" altLang="en-US" b="1" dirty="0" smtClean="0">
+          <a:bodyPr>
+            <a:normAutofit/>
+          </a:bodyPr>
+          <a:lstStyle/>
+          <a:p>
+            <a:r>
+              <a:rPr lang="zh-TW" altLang="en-US" sz="4000" b="1" dirty="0">
                 <a:solidFill>
                   <a:srgbClr val="000066"/>
                 </a:solidFill>
@@ -3314,7 +3318,7 @@
               </a:rPr>
               <a:t>主恩典</a:t>
             </a:r>
-            <a:endParaRPr lang="zh-TW" altLang="en-US" b="1" dirty="0">
+            <a:endParaRPr lang="zh-TW" altLang="en-US" sz="4000" b="1" dirty="0">
               <a:solidFill>
                 <a:srgbClr val="000066"/>
               </a:solidFill>
@@ -3337,7 +3341,7 @@
         <p:spPr/>
         <p:txBody>
           <a:bodyPr>
-            <a:normAutofit/>
+            <a:noAutofit/>
           </a:bodyPr>
           <a:lstStyle/>
           <a:p>
@@ -3345,7 +3349,7 @@
               <a:buNone/>
             </a:pPr>
             <a:r>
-              <a:rPr lang="zh-TW" altLang="en-US" sz="5400" b="1" dirty="0">
+              <a:rPr lang="zh-TW" altLang="en-US" sz="4800" b="1" dirty="0">
                 <a:solidFill>
                   <a:srgbClr val="000066"/>
                 </a:solidFill>
@@ -3355,7 +3359,7 @@
               <a:t>主的恩典</a:t>
             </a:r>
             <a:r>
-              <a:rPr lang="zh-TW" altLang="en-US" sz="5400" b="1" dirty="0" smtClean="0">
+              <a:rPr lang="zh-TW" altLang="en-US" sz="4800" b="1" dirty="0">
                 <a:solidFill>
                   <a:srgbClr val="000066"/>
                 </a:solidFill>
@@ -3364,7 +3368,7 @@
               </a:rPr>
               <a:t>大大小小</a:t>
             </a:r>
-            <a:endParaRPr lang="en-US" altLang="zh-TW" sz="5400" b="1" dirty="0" smtClean="0">
+            <a:endParaRPr lang="en-US" altLang="zh-TW" sz="4800" b="1" dirty="0">
               <a:solidFill>
                 <a:srgbClr val="000066"/>
               </a:solidFill>
@@ -3377,7 +3381,7 @@
               <a:buNone/>
             </a:pPr>
             <a:r>
-              <a:rPr lang="zh-TW" altLang="en-US" sz="5400" b="1" dirty="0" smtClean="0">
+              <a:rPr lang="zh-TW" altLang="en-US" sz="4800" b="1" dirty="0">
                 <a:solidFill>
                   <a:srgbClr val="000066"/>
                 </a:solidFill>
@@ -3387,7 +3391,7 @@
               <a:t>主</a:t>
             </a:r>
             <a:r>
-              <a:rPr lang="zh-TW" altLang="en-US" sz="5400" b="1" dirty="0">
+              <a:rPr lang="zh-TW" altLang="en-US" sz="4800" b="1" dirty="0">
                 <a:solidFill>
                   <a:srgbClr val="000066"/>
                 </a:solidFill>
@@ -3397,7 +3401,7 @@
               <a:t>的恩典</a:t>
             </a:r>
             <a:r>
-              <a:rPr lang="zh-TW" altLang="en-US" sz="5400" b="1" dirty="0" smtClean="0">
+              <a:rPr lang="zh-TW" altLang="en-US" sz="4800" b="1" dirty="0">
                 <a:solidFill>
                   <a:srgbClr val="000066"/>
                 </a:solidFill>
@@ -3406,7 +3410,7 @@
               </a:rPr>
               <a:t>從頭到腳</a:t>
             </a:r>
-            <a:endParaRPr lang="en-US" altLang="zh-TW" sz="5400" b="1" dirty="0">
+            <a:endParaRPr lang="en-US" altLang="zh-TW" sz="4800" b="1" dirty="0">
               <a:solidFill>
                 <a:srgbClr val="000066"/>
               </a:solidFill>
@@ -3419,7 +3423,7 @@
               <a:buNone/>
             </a:pPr>
             <a:r>
-              <a:rPr lang="zh-TW" altLang="en-US" sz="5400" b="1" dirty="0" smtClean="0">
+              <a:rPr lang="zh-TW" altLang="en-US" sz="4800" b="1" dirty="0">
                 <a:solidFill>
                   <a:srgbClr val="000066"/>
                 </a:solidFill>
@@ -3429,7 +3433,7 @@
               <a:t>白</a:t>
             </a:r>
             <a:r>
-              <a:rPr lang="zh-TW" altLang="en-US" sz="5400" b="1" dirty="0">
+              <a:rPr lang="zh-TW" altLang="en-US" sz="4800" b="1" dirty="0">
                 <a:solidFill>
                   <a:srgbClr val="000066"/>
                 </a:solidFill>
@@ -3439,7 +3443,7 @@
               <a:t>白得來不能</a:t>
             </a:r>
             <a:r>
-              <a:rPr lang="zh-TW" altLang="en-US" sz="5400" b="1" dirty="0" smtClean="0">
+              <a:rPr lang="zh-TW" altLang="en-US" sz="4800" b="1" dirty="0">
                 <a:solidFill>
                   <a:srgbClr val="000066"/>
                 </a:solidFill>
@@ -3448,7 +3452,7 @@
               </a:rPr>
               <a:t>忘掉</a:t>
             </a:r>
-            <a:endParaRPr lang="en-US" altLang="zh-TW" sz="5400" b="1" dirty="0" smtClean="0">
+            <a:endParaRPr lang="en-US" altLang="zh-TW" sz="4800" b="1" dirty="0">
               <a:solidFill>
                 <a:srgbClr val="000066"/>
               </a:solidFill>
@@ -3461,7 +3465,7 @@
               <a:buNone/>
             </a:pPr>
             <a:r>
-              <a:rPr lang="zh-TW" altLang="en-US" sz="5400" b="1" dirty="0" smtClean="0">
+              <a:rPr lang="zh-TW" altLang="en-US" sz="4800" b="1" dirty="0">
                 <a:solidFill>
                   <a:srgbClr val="000066"/>
                 </a:solidFill>
@@ -3471,7 +3475,7 @@
               <a:t>感謝</a:t>
             </a:r>
             <a:r>
-              <a:rPr lang="zh-TW" altLang="en-US" sz="5400" b="1" dirty="0">
+              <a:rPr lang="zh-TW" altLang="en-US" sz="4800" b="1" dirty="0">
                 <a:solidFill>
                   <a:srgbClr val="000066"/>
                 </a:solidFill>
@@ -3520,11 +3524,13 @@
         </p:nvSpPr>
         <p:spPr/>
         <p:txBody>
-          <a:bodyPr/>
-          <a:lstStyle/>
-          <a:p>
-            <a:r>
-              <a:rPr lang="zh-TW" altLang="en-US" b="1" dirty="0" smtClean="0">
+          <a:bodyPr>
+            <a:normAutofit/>
+          </a:bodyPr>
+          <a:lstStyle/>
+          <a:p>
+            <a:r>
+              <a:rPr lang="zh-TW" altLang="en-US" sz="4000" b="1" dirty="0">
                 <a:solidFill>
                   <a:srgbClr val="000066"/>
                 </a:solidFill>
@@ -3533,7 +3539,7 @@
               </a:rPr>
               <a:t>主恩典</a:t>
             </a:r>
-            <a:endParaRPr lang="zh-TW" altLang="en-US" b="1" dirty="0">
+            <a:endParaRPr lang="zh-TW" altLang="en-US" sz="4000" b="1" dirty="0">
               <a:solidFill>
                 <a:srgbClr val="000066"/>
               </a:solidFill>
@@ -3555,8 +3561,8 @@
         </p:nvSpPr>
         <p:spPr>
           <a:xfrm>
-            <a:off x="0" y="1600200"/>
-            <a:ext cx="9144000" cy="5257800"/>
+            <a:off x="0" y="1200150"/>
+            <a:ext cx="9144000" cy="3943350"/>
           </a:xfrm>
         </p:spPr>
         <p:txBody>
@@ -3569,7 +3575,7 @@
               <a:buNone/>
             </a:pPr>
             <a:r>
-              <a:rPr lang="zh-TW" altLang="en-US" sz="5400" b="1" dirty="0" smtClean="0">
+              <a:rPr lang="zh-TW" altLang="en-US" sz="4800" b="1" dirty="0">
                 <a:solidFill>
                   <a:srgbClr val="000066"/>
                 </a:solidFill>
@@ -3579,7 +3585,7 @@
               <a:t>啦  啦  啦  啦  啦</a:t>
             </a:r>
             <a:r>
-              <a:rPr lang="en-US" altLang="zh-TW" sz="5400" b="1" dirty="0">
+              <a:rPr lang="en-US" altLang="zh-TW" sz="4800" b="1" dirty="0">
                 <a:solidFill>
                   <a:srgbClr val="000066"/>
                 </a:solidFill>
@@ -3589,7 +3595,7 @@
               <a:t> </a:t>
             </a:r>
             <a:r>
-              <a:rPr lang="en-US" altLang="zh-TW" sz="5400" b="1" dirty="0" smtClean="0">
+              <a:rPr lang="en-US" altLang="zh-TW" sz="4800" b="1" dirty="0">
                 <a:solidFill>
                   <a:srgbClr val="000066"/>
                 </a:solidFill>
@@ -3599,7 +3605,7 @@
               <a:t> </a:t>
             </a:r>
             <a:r>
-              <a:rPr lang="zh-TW" altLang="en-US" sz="5400" b="1" dirty="0" smtClean="0">
+              <a:rPr lang="zh-TW" altLang="en-US" sz="4800" b="1" dirty="0">
                 <a:solidFill>
                   <a:srgbClr val="000066"/>
                 </a:solidFill>
@@ -3609,7 +3615,7 @@
               <a:t>我</a:t>
             </a:r>
             <a:r>
-              <a:rPr lang="zh-TW" altLang="en-US" sz="5400" b="1" dirty="0">
+              <a:rPr lang="zh-TW" altLang="en-US" sz="4800" b="1" dirty="0">
                 <a:solidFill>
                   <a:srgbClr val="000066"/>
                 </a:solidFill>
@@ -3619,7 +3625,7 @@
               <a:t>要</a:t>
             </a:r>
             <a:r>
-              <a:rPr lang="zh-TW" altLang="en-US" sz="5400" b="1" dirty="0" smtClean="0">
+              <a:rPr lang="zh-TW" altLang="en-US" sz="4800" b="1" dirty="0">
                 <a:solidFill>
                   <a:srgbClr val="000066"/>
                 </a:solidFill>
@@ -3628,7 +3634,7 @@
               </a:rPr>
               <a:t>讚美</a:t>
             </a:r>
-            <a:endParaRPr lang="en-US" altLang="zh-TW" sz="5400" b="1" dirty="0" smtClean="0">
+            <a:endParaRPr lang="en-US" altLang="zh-TW" sz="4800" b="1" dirty="0">
               <a:solidFill>
                 <a:srgbClr val="000066"/>
               </a:solidFill>
@@ -3641,7 +3647,7 @@
               <a:buNone/>
             </a:pPr>
             <a:r>
-              <a:rPr lang="zh-TW" altLang="en-US" sz="5400" b="1" dirty="0" smtClean="0">
+              <a:rPr lang="zh-TW" altLang="en-US" sz="4800" b="1" dirty="0">
                 <a:solidFill>
                   <a:srgbClr val="000066"/>
                 </a:solidFill>
@@ -3651,7 +3657,7 @@
               <a:t>啦</a:t>
             </a:r>
             <a:r>
-              <a:rPr lang="zh-TW" altLang="en-US" sz="5400" b="1" dirty="0">
+              <a:rPr lang="zh-TW" altLang="en-US" sz="4800" b="1" dirty="0">
                 <a:solidFill>
                   <a:srgbClr val="000066"/>
                 </a:solidFill>
@@ -3661,7 +3667,7 @@
               <a:t>啦啦啦</a:t>
             </a:r>
             <a:r>
-              <a:rPr lang="zh-TW" altLang="en-US" sz="5400" b="1" dirty="0" smtClean="0">
+              <a:rPr lang="zh-TW" altLang="en-US" sz="4800" b="1" dirty="0">
                 <a:solidFill>
                   <a:srgbClr val="000066"/>
                 </a:solidFill>
@@ -3671,7 +3677,7 @@
               <a:t>啦  我</a:t>
             </a:r>
             <a:r>
-              <a:rPr lang="zh-TW" altLang="en-US" sz="5400" b="1" dirty="0">
+              <a:rPr lang="zh-TW" altLang="en-US" sz="4800" b="1" dirty="0">
                 <a:solidFill>
                   <a:srgbClr val="000066"/>
                 </a:solidFill>
@@ -3681,7 +3687,7 @@
               <a:t>還要</a:t>
             </a:r>
             <a:r>
-              <a:rPr lang="zh-TW" altLang="en-US" sz="5400" b="1" dirty="0" smtClean="0">
+              <a:rPr lang="zh-TW" altLang="en-US" sz="4800" b="1" dirty="0">
                 <a:solidFill>
                   <a:srgbClr val="000066"/>
                 </a:solidFill>
@@ -3690,7 +3696,7 @@
               </a:rPr>
               <a:t>讚美</a:t>
             </a:r>
-            <a:endParaRPr lang="en-US" altLang="zh-TW" sz="5400" b="1" dirty="0">
+            <a:endParaRPr lang="en-US" altLang="zh-TW" sz="4800" b="1" dirty="0">
               <a:solidFill>
                 <a:srgbClr val="000066"/>
               </a:solidFill>
@@ -3703,7 +3709,7 @@
               <a:buNone/>
             </a:pPr>
             <a:r>
-              <a:rPr lang="zh-TW" altLang="en-US" sz="5400" b="1" dirty="0" smtClean="0">
+              <a:rPr lang="zh-TW" altLang="en-US" sz="4800" b="1" dirty="0">
                 <a:solidFill>
                   <a:srgbClr val="000066"/>
                 </a:solidFill>
@@ -3712,7 +3718,7 @@
               </a:rPr>
               <a:t>啦  啦  啦  啦  啦</a:t>
             </a:r>
-            <a:endParaRPr lang="en-US" altLang="zh-TW" sz="5400" b="1" dirty="0" smtClean="0">
+            <a:endParaRPr lang="en-US" altLang="zh-TW" sz="4800" b="1" dirty="0">
               <a:solidFill>
                 <a:srgbClr val="000066"/>
               </a:solidFill>
@@ -3725,7 +3731,7 @@
               <a:buNone/>
             </a:pPr>
             <a:r>
-              <a:rPr lang="zh-TW" altLang="en-US" sz="5400" b="1" dirty="0" smtClean="0">
+              <a:rPr lang="zh-TW" altLang="en-US" sz="4800" b="1" dirty="0">
                 <a:solidFill>
                   <a:srgbClr val="000066"/>
                 </a:solidFill>
@@ -3735,7 +3741,7 @@
               <a:t>我</a:t>
             </a:r>
             <a:r>
-              <a:rPr lang="zh-TW" altLang="en-US" sz="5400" b="1" dirty="0">
+              <a:rPr lang="zh-TW" altLang="en-US" sz="4800" b="1" dirty="0">
                 <a:solidFill>
                   <a:srgbClr val="000066"/>
                 </a:solidFill>
@@ -3745,7 +3751,7 @@
               <a:t>一生</a:t>
             </a:r>
             <a:r>
-              <a:rPr lang="zh-TW" altLang="en-US" sz="5400" b="1" dirty="0" smtClean="0">
+              <a:rPr lang="zh-TW" altLang="en-US" sz="4800" b="1" dirty="0">
                 <a:solidFill>
                   <a:srgbClr val="000066"/>
                 </a:solidFill>
@@ -3755,7 +3761,7 @@
               <a:t>讚美  一生</a:t>
             </a:r>
             <a:r>
-              <a:rPr lang="zh-TW" altLang="en-US" sz="5400" b="1" dirty="0">
+              <a:rPr lang="zh-TW" altLang="en-US" sz="4800" b="1" dirty="0">
                 <a:solidFill>
                   <a:srgbClr val="000066"/>
                 </a:solidFill>

--- a/主恩典.pptx
+++ b/主恩典.pptx
@@ -1,13 +1,13 @@
 
 <file path=ppt/presentation.xml><?xml version="1.0" encoding="utf-8"?>
-<p:presentation xmlns:a="http://schemas.openxmlformats.org/drawingml/2006/main" xmlns:r="http://schemas.openxmlformats.org/officeDocument/2006/relationships" xmlns:p="http://schemas.openxmlformats.org/presentationml/2006/main" saveSubsetFonts="1">
+<p:presentation xmlns:a="http://schemas.openxmlformats.org/drawingml/2006/main" xmlns:r="http://schemas.openxmlformats.org/officeDocument/2006/relationships" xmlns:p="http://schemas.openxmlformats.org/presentationml/2006/main">
   <p:sldMasterIdLst>
-    <p:sldMasterId id="2147483684" r:id="rId1"/>
+    <p:sldMasterId id="2147483648" r:id="rId1"/>
   </p:sldMasterIdLst>
   <p:sldIdLst>
-    <p:sldId id="256" r:id="rId2"/>
-    <p:sldId id="257" r:id="rId3"/>
-    <p:sldId id="258" r:id="rId4"/>
+    <p:sldId id="256" r:id="rId3"/>
+    <p:sldId id="257" r:id="rId4"/>
+    <p:sldId id="258" r:id="rId5"/>
   </p:sldIdLst>
   <p:sldSz cx="9144000" cy="5143500" type="screen16x9"/>
   <p:notesSz cx="6858000" cy="9144000"/>
@@ -290,8 +290,6 @@
           <a:p>
             <a:fld id="{DE59D944-54CB-47B0-9464-FA766A8DDC46}" type="datetimeFigureOut">
               <a:rPr lang="zh-TW" altLang="en-US" smtClean="0"/>
-              <a:pPr/>
-              <a:t>2019/9/7</a:t>
             </a:fld>
             <a:endParaRPr lang="zh-TW" altLang="en-US"/>
           </a:p>
@@ -333,8 +331,6 @@
           <a:p>
             <a:fld id="{66948218-C322-45BE-9FDC-C54B13FA0279}" type="slidenum">
               <a:rPr lang="zh-TW" altLang="en-US" smtClean="0"/>
-              <a:pPr/>
-              <a:t>‹#›</a:t>
             </a:fld>
             <a:endParaRPr lang="zh-TW" altLang="en-US"/>
           </a:p>
@@ -408,6 +404,7 @@
               <a:rPr lang="zh-TW" altLang="en-US" smtClean="0"/>
               <a:t>按一下以編輯母片文字樣式</a:t>
             </a:r>
+            <a:endParaRPr lang="zh-TW" altLang="en-US" smtClean="0"/>
           </a:p>
           <a:p>
             <a:pPr lvl="1"/>
@@ -415,6 +412,7 @@
               <a:rPr lang="zh-TW" altLang="en-US" smtClean="0"/>
               <a:t>第二層</a:t>
             </a:r>
+            <a:endParaRPr lang="zh-TW" altLang="en-US" smtClean="0"/>
           </a:p>
           <a:p>
             <a:pPr lvl="2"/>
@@ -422,6 +420,7 @@
               <a:rPr lang="zh-TW" altLang="en-US" smtClean="0"/>
               <a:t>第三層</a:t>
             </a:r>
+            <a:endParaRPr lang="zh-TW" altLang="en-US" smtClean="0"/>
           </a:p>
           <a:p>
             <a:pPr lvl="3"/>
@@ -429,6 +428,7 @@
               <a:rPr lang="zh-TW" altLang="en-US" smtClean="0"/>
               <a:t>第四層</a:t>
             </a:r>
+            <a:endParaRPr lang="zh-TW" altLang="en-US" smtClean="0"/>
           </a:p>
           <a:p>
             <a:pPr lvl="4"/>
@@ -457,8 +457,6 @@
           <a:p>
             <a:fld id="{DE59D944-54CB-47B0-9464-FA766A8DDC46}" type="datetimeFigureOut">
               <a:rPr lang="zh-TW" altLang="en-US" smtClean="0"/>
-              <a:pPr/>
-              <a:t>2019/9/7</a:t>
             </a:fld>
             <a:endParaRPr lang="zh-TW" altLang="en-US"/>
           </a:p>
@@ -500,8 +498,6 @@
           <a:p>
             <a:fld id="{66948218-C322-45BE-9FDC-C54B13FA0279}" type="slidenum">
               <a:rPr lang="zh-TW" altLang="en-US" smtClean="0"/>
-              <a:pPr/>
-              <a:t>‹#›</a:t>
             </a:fld>
             <a:endParaRPr lang="zh-TW" altLang="en-US"/>
           </a:p>
@@ -585,6 +581,7 @@
               <a:rPr lang="zh-TW" altLang="en-US" smtClean="0"/>
               <a:t>按一下以編輯母片文字樣式</a:t>
             </a:r>
+            <a:endParaRPr lang="zh-TW" altLang="en-US" smtClean="0"/>
           </a:p>
           <a:p>
             <a:pPr lvl="1"/>
@@ -592,6 +589,7 @@
               <a:rPr lang="zh-TW" altLang="en-US" smtClean="0"/>
               <a:t>第二層</a:t>
             </a:r>
+            <a:endParaRPr lang="zh-TW" altLang="en-US" smtClean="0"/>
           </a:p>
           <a:p>
             <a:pPr lvl="2"/>
@@ -599,6 +597,7 @@
               <a:rPr lang="zh-TW" altLang="en-US" smtClean="0"/>
               <a:t>第三層</a:t>
             </a:r>
+            <a:endParaRPr lang="zh-TW" altLang="en-US" smtClean="0"/>
           </a:p>
           <a:p>
             <a:pPr lvl="3"/>
@@ -606,6 +605,7 @@
               <a:rPr lang="zh-TW" altLang="en-US" smtClean="0"/>
               <a:t>第四層</a:t>
             </a:r>
+            <a:endParaRPr lang="zh-TW" altLang="en-US" smtClean="0"/>
           </a:p>
           <a:p>
             <a:pPr lvl="4"/>
@@ -634,8 +634,6 @@
           <a:p>
             <a:fld id="{DE59D944-54CB-47B0-9464-FA766A8DDC46}" type="datetimeFigureOut">
               <a:rPr lang="zh-TW" altLang="en-US" smtClean="0"/>
-              <a:pPr/>
-              <a:t>2019/9/7</a:t>
             </a:fld>
             <a:endParaRPr lang="zh-TW" altLang="en-US"/>
           </a:p>
@@ -677,8 +675,6 @@
           <a:p>
             <a:fld id="{66948218-C322-45BE-9FDC-C54B13FA0279}" type="slidenum">
               <a:rPr lang="zh-TW" altLang="en-US" smtClean="0"/>
-              <a:pPr/>
-              <a:t>‹#›</a:t>
             </a:fld>
             <a:endParaRPr lang="zh-TW" altLang="en-US"/>
           </a:p>
@@ -752,6 +748,7 @@
               <a:rPr lang="zh-TW" altLang="en-US" smtClean="0"/>
               <a:t>按一下以編輯母片文字樣式</a:t>
             </a:r>
+            <a:endParaRPr lang="zh-TW" altLang="en-US" smtClean="0"/>
           </a:p>
           <a:p>
             <a:pPr lvl="1"/>
@@ -759,6 +756,7 @@
               <a:rPr lang="zh-TW" altLang="en-US" smtClean="0"/>
               <a:t>第二層</a:t>
             </a:r>
+            <a:endParaRPr lang="zh-TW" altLang="en-US" smtClean="0"/>
           </a:p>
           <a:p>
             <a:pPr lvl="2"/>
@@ -766,6 +764,7 @@
               <a:rPr lang="zh-TW" altLang="en-US" smtClean="0"/>
               <a:t>第三層</a:t>
             </a:r>
+            <a:endParaRPr lang="zh-TW" altLang="en-US" smtClean="0"/>
           </a:p>
           <a:p>
             <a:pPr lvl="3"/>
@@ -773,6 +772,7 @@
               <a:rPr lang="zh-TW" altLang="en-US" smtClean="0"/>
               <a:t>第四層</a:t>
             </a:r>
+            <a:endParaRPr lang="zh-TW" altLang="en-US" smtClean="0"/>
           </a:p>
           <a:p>
             <a:pPr lvl="4"/>
@@ -801,8 +801,6 @@
           <a:p>
             <a:fld id="{DE59D944-54CB-47B0-9464-FA766A8DDC46}" type="datetimeFigureOut">
               <a:rPr lang="zh-TW" altLang="en-US" smtClean="0"/>
-              <a:pPr/>
-              <a:t>2019/9/7</a:t>
             </a:fld>
             <a:endParaRPr lang="zh-TW" altLang="en-US"/>
           </a:p>
@@ -844,8 +842,6 @@
           <a:p>
             <a:fld id="{66948218-C322-45BE-9FDC-C54B13FA0279}" type="slidenum">
               <a:rPr lang="zh-TW" altLang="en-US" smtClean="0"/>
-              <a:pPr/>
-              <a:t>‹#›</a:t>
             </a:fld>
             <a:endParaRPr lang="zh-TW" altLang="en-US"/>
           </a:p>
@@ -1024,6 +1020,7 @@
               <a:rPr lang="zh-TW" altLang="en-US" smtClean="0"/>
               <a:t>按一下以編輯母片文字樣式</a:t>
             </a:r>
+            <a:endParaRPr lang="zh-TW" altLang="en-US" smtClean="0"/>
           </a:p>
         </p:txBody>
       </p:sp>
@@ -1044,8 +1041,6 @@
           <a:p>
             <a:fld id="{DE59D944-54CB-47B0-9464-FA766A8DDC46}" type="datetimeFigureOut">
               <a:rPr lang="zh-TW" altLang="en-US" smtClean="0"/>
-              <a:pPr/>
-              <a:t>2019/9/7</a:t>
             </a:fld>
             <a:endParaRPr lang="zh-TW" altLang="en-US"/>
           </a:p>
@@ -1087,8 +1082,6 @@
           <a:p>
             <a:fld id="{66948218-C322-45BE-9FDC-C54B13FA0279}" type="slidenum">
               <a:rPr lang="zh-TW" altLang="en-US" smtClean="0"/>
-              <a:pPr/>
-              <a:t>‹#›</a:t>
             </a:fld>
             <a:endParaRPr lang="zh-TW" altLang="en-US"/>
           </a:p>
@@ -1195,6 +1188,7 @@
               <a:rPr lang="zh-TW" altLang="en-US" smtClean="0"/>
               <a:t>按一下以編輯母片文字樣式</a:t>
             </a:r>
+            <a:endParaRPr lang="zh-TW" altLang="en-US" smtClean="0"/>
           </a:p>
           <a:p>
             <a:pPr lvl="1"/>
@@ -1202,6 +1196,7 @@
               <a:rPr lang="zh-TW" altLang="en-US" smtClean="0"/>
               <a:t>第二層</a:t>
             </a:r>
+            <a:endParaRPr lang="zh-TW" altLang="en-US" smtClean="0"/>
           </a:p>
           <a:p>
             <a:pPr lvl="2"/>
@@ -1209,6 +1204,7 @@
               <a:rPr lang="zh-TW" altLang="en-US" smtClean="0"/>
               <a:t>第三層</a:t>
             </a:r>
+            <a:endParaRPr lang="zh-TW" altLang="en-US" smtClean="0"/>
           </a:p>
           <a:p>
             <a:pPr lvl="3"/>
@@ -1216,6 +1212,7 @@
               <a:rPr lang="zh-TW" altLang="en-US" smtClean="0"/>
               <a:t>第四層</a:t>
             </a:r>
+            <a:endParaRPr lang="zh-TW" altLang="en-US" smtClean="0"/>
           </a:p>
           <a:p>
             <a:pPr lvl="4"/>
@@ -1280,6 +1277,7 @@
               <a:rPr lang="zh-TW" altLang="en-US" smtClean="0"/>
               <a:t>按一下以編輯母片文字樣式</a:t>
             </a:r>
+            <a:endParaRPr lang="zh-TW" altLang="en-US" smtClean="0"/>
           </a:p>
           <a:p>
             <a:pPr lvl="1"/>
@@ -1287,6 +1285,7 @@
               <a:rPr lang="zh-TW" altLang="en-US" smtClean="0"/>
               <a:t>第二層</a:t>
             </a:r>
+            <a:endParaRPr lang="zh-TW" altLang="en-US" smtClean="0"/>
           </a:p>
           <a:p>
             <a:pPr lvl="2"/>
@@ -1294,6 +1293,7 @@
               <a:rPr lang="zh-TW" altLang="en-US" smtClean="0"/>
               <a:t>第三層</a:t>
             </a:r>
+            <a:endParaRPr lang="zh-TW" altLang="en-US" smtClean="0"/>
           </a:p>
           <a:p>
             <a:pPr lvl="3"/>
@@ -1301,6 +1301,7 @@
               <a:rPr lang="zh-TW" altLang="en-US" smtClean="0"/>
               <a:t>第四層</a:t>
             </a:r>
+            <a:endParaRPr lang="zh-TW" altLang="en-US" smtClean="0"/>
           </a:p>
           <a:p>
             <a:pPr lvl="4"/>
@@ -1329,8 +1330,6 @@
           <a:p>
             <a:fld id="{DE59D944-54CB-47B0-9464-FA766A8DDC46}" type="datetimeFigureOut">
               <a:rPr lang="zh-TW" altLang="en-US" smtClean="0"/>
-              <a:pPr/>
-              <a:t>2019/9/7</a:t>
             </a:fld>
             <a:endParaRPr lang="zh-TW" altLang="en-US"/>
           </a:p>
@@ -1372,8 +1371,6 @@
           <a:p>
             <a:fld id="{66948218-C322-45BE-9FDC-C54B13FA0279}" type="slidenum">
               <a:rPr lang="zh-TW" altLang="en-US" smtClean="0"/>
-              <a:pPr/>
-              <a:t>‹#›</a:t>
             </a:fld>
             <a:endParaRPr lang="zh-TW" altLang="en-US"/>
           </a:p>
@@ -1493,6 +1490,7 @@
               <a:rPr lang="zh-TW" altLang="en-US" smtClean="0"/>
               <a:t>按一下以編輯母片文字樣式</a:t>
             </a:r>
+            <a:endParaRPr lang="zh-TW" altLang="en-US" smtClean="0"/>
           </a:p>
         </p:txBody>
       </p:sp>
@@ -1549,6 +1547,7 @@
               <a:rPr lang="zh-TW" altLang="en-US" smtClean="0"/>
               <a:t>按一下以編輯母片文字樣式</a:t>
             </a:r>
+            <a:endParaRPr lang="zh-TW" altLang="en-US" smtClean="0"/>
           </a:p>
           <a:p>
             <a:pPr lvl="1"/>
@@ -1556,6 +1555,7 @@
               <a:rPr lang="zh-TW" altLang="en-US" smtClean="0"/>
               <a:t>第二層</a:t>
             </a:r>
+            <a:endParaRPr lang="zh-TW" altLang="en-US" smtClean="0"/>
           </a:p>
           <a:p>
             <a:pPr lvl="2"/>
@@ -1563,6 +1563,7 @@
               <a:rPr lang="zh-TW" altLang="en-US" smtClean="0"/>
               <a:t>第三層</a:t>
             </a:r>
+            <a:endParaRPr lang="zh-TW" altLang="en-US" smtClean="0"/>
           </a:p>
           <a:p>
             <a:pPr lvl="3"/>
@@ -1570,6 +1571,7 @@
               <a:rPr lang="zh-TW" altLang="en-US" smtClean="0"/>
               <a:t>第四層</a:t>
             </a:r>
+            <a:endParaRPr lang="zh-TW" altLang="en-US" smtClean="0"/>
           </a:p>
           <a:p>
             <a:pPr lvl="4"/>
@@ -1643,6 +1645,7 @@
               <a:rPr lang="zh-TW" altLang="en-US" smtClean="0"/>
               <a:t>按一下以編輯母片文字樣式</a:t>
             </a:r>
+            <a:endParaRPr lang="zh-TW" altLang="en-US" smtClean="0"/>
           </a:p>
         </p:txBody>
       </p:sp>
@@ -1699,6 +1702,7 @@
               <a:rPr lang="zh-TW" altLang="en-US" smtClean="0"/>
               <a:t>按一下以編輯母片文字樣式</a:t>
             </a:r>
+            <a:endParaRPr lang="zh-TW" altLang="en-US" smtClean="0"/>
           </a:p>
           <a:p>
             <a:pPr lvl="1"/>
@@ -1706,6 +1710,7 @@
               <a:rPr lang="zh-TW" altLang="en-US" smtClean="0"/>
               <a:t>第二層</a:t>
             </a:r>
+            <a:endParaRPr lang="zh-TW" altLang="en-US" smtClean="0"/>
           </a:p>
           <a:p>
             <a:pPr lvl="2"/>
@@ -1713,6 +1718,7 @@
               <a:rPr lang="zh-TW" altLang="en-US" smtClean="0"/>
               <a:t>第三層</a:t>
             </a:r>
+            <a:endParaRPr lang="zh-TW" altLang="en-US" smtClean="0"/>
           </a:p>
           <a:p>
             <a:pPr lvl="3"/>
@@ -1720,6 +1726,7 @@
               <a:rPr lang="zh-TW" altLang="en-US" smtClean="0"/>
               <a:t>第四層</a:t>
             </a:r>
+            <a:endParaRPr lang="zh-TW" altLang="en-US" smtClean="0"/>
           </a:p>
           <a:p>
             <a:pPr lvl="4"/>
@@ -1748,8 +1755,6 @@
           <a:p>
             <a:fld id="{DE59D944-54CB-47B0-9464-FA766A8DDC46}" type="datetimeFigureOut">
               <a:rPr lang="zh-TW" altLang="en-US" smtClean="0"/>
-              <a:pPr/>
-              <a:t>2019/9/7</a:t>
             </a:fld>
             <a:endParaRPr lang="zh-TW" altLang="en-US"/>
           </a:p>
@@ -1791,8 +1796,6 @@
           <a:p>
             <a:fld id="{66948218-C322-45BE-9FDC-C54B13FA0279}" type="slidenum">
               <a:rPr lang="zh-TW" altLang="en-US" smtClean="0"/>
-              <a:pPr/>
-              <a:t>‹#›</a:t>
             </a:fld>
             <a:endParaRPr lang="zh-TW" altLang="en-US"/>
           </a:p>
@@ -1863,8 +1866,6 @@
           <a:p>
             <a:fld id="{DE59D944-54CB-47B0-9464-FA766A8DDC46}" type="datetimeFigureOut">
               <a:rPr lang="zh-TW" altLang="en-US" smtClean="0"/>
-              <a:pPr/>
-              <a:t>2019/9/7</a:t>
             </a:fld>
             <a:endParaRPr lang="zh-TW" altLang="en-US"/>
           </a:p>
@@ -1906,8 +1907,6 @@
           <a:p>
             <a:fld id="{66948218-C322-45BE-9FDC-C54B13FA0279}" type="slidenum">
               <a:rPr lang="zh-TW" altLang="en-US" smtClean="0"/>
-              <a:pPr/>
-              <a:t>‹#›</a:t>
             </a:fld>
             <a:endParaRPr lang="zh-TW" altLang="en-US"/>
           </a:p>
@@ -1955,8 +1954,6 @@
           <a:p>
             <a:fld id="{DE59D944-54CB-47B0-9464-FA766A8DDC46}" type="datetimeFigureOut">
               <a:rPr lang="zh-TW" altLang="en-US" smtClean="0"/>
-              <a:pPr/>
-              <a:t>2019/9/7</a:t>
             </a:fld>
             <a:endParaRPr lang="zh-TW" altLang="en-US"/>
           </a:p>
@@ -1998,8 +1995,6 @@
           <a:p>
             <a:fld id="{66948218-C322-45BE-9FDC-C54B13FA0279}" type="slidenum">
               <a:rPr lang="zh-TW" altLang="en-US" smtClean="0"/>
-              <a:pPr/>
-              <a:t>‹#›</a:t>
             </a:fld>
             <a:endParaRPr lang="zh-TW" altLang="en-US"/>
           </a:p>
@@ -2115,6 +2110,7 @@
               <a:rPr lang="zh-TW" altLang="en-US" smtClean="0"/>
               <a:t>按一下以編輯母片文字樣式</a:t>
             </a:r>
+            <a:endParaRPr lang="zh-TW" altLang="en-US" smtClean="0"/>
           </a:p>
           <a:p>
             <a:pPr lvl="1"/>
@@ -2122,6 +2118,7 @@
               <a:rPr lang="zh-TW" altLang="en-US" smtClean="0"/>
               <a:t>第二層</a:t>
             </a:r>
+            <a:endParaRPr lang="zh-TW" altLang="en-US" smtClean="0"/>
           </a:p>
           <a:p>
             <a:pPr lvl="2"/>
@@ -2129,6 +2126,7 @@
               <a:rPr lang="zh-TW" altLang="en-US" smtClean="0"/>
               <a:t>第三層</a:t>
             </a:r>
+            <a:endParaRPr lang="zh-TW" altLang="en-US" smtClean="0"/>
           </a:p>
           <a:p>
             <a:pPr lvl="3"/>
@@ -2136,6 +2134,7 @@
               <a:rPr lang="zh-TW" altLang="en-US" smtClean="0"/>
               <a:t>第四層</a:t>
             </a:r>
+            <a:endParaRPr lang="zh-TW" altLang="en-US" smtClean="0"/>
           </a:p>
           <a:p>
             <a:pPr lvl="4"/>
@@ -2209,6 +2208,7 @@
               <a:rPr lang="zh-TW" altLang="en-US" smtClean="0"/>
               <a:t>按一下以編輯母片文字樣式</a:t>
             </a:r>
+            <a:endParaRPr lang="zh-TW" altLang="en-US" smtClean="0"/>
           </a:p>
         </p:txBody>
       </p:sp>
@@ -2229,8 +2229,6 @@
           <a:p>
             <a:fld id="{DE59D944-54CB-47B0-9464-FA766A8DDC46}" type="datetimeFigureOut">
               <a:rPr lang="zh-TW" altLang="en-US" smtClean="0"/>
-              <a:pPr/>
-              <a:t>2019/9/7</a:t>
             </a:fld>
             <a:endParaRPr lang="zh-TW" altLang="en-US"/>
           </a:p>
@@ -2272,8 +2270,6 @@
           <a:p>
             <a:fld id="{66948218-C322-45BE-9FDC-C54B13FA0279}" type="slidenum">
               <a:rPr lang="zh-TW" altLang="en-US" smtClean="0"/>
-              <a:pPr/>
-              <a:t>‹#›</a:t>
             </a:fld>
             <a:endParaRPr lang="zh-TW" altLang="en-US"/>
           </a:p>
@@ -2463,6 +2459,7 @@
               <a:rPr lang="zh-TW" altLang="en-US" smtClean="0"/>
               <a:t>按一下以編輯母片文字樣式</a:t>
             </a:r>
+            <a:endParaRPr lang="zh-TW" altLang="en-US" smtClean="0"/>
           </a:p>
         </p:txBody>
       </p:sp>
@@ -2483,8 +2480,6 @@
           <a:p>
             <a:fld id="{DE59D944-54CB-47B0-9464-FA766A8DDC46}" type="datetimeFigureOut">
               <a:rPr lang="zh-TW" altLang="en-US" smtClean="0"/>
-              <a:pPr/>
-              <a:t>2019/9/7</a:t>
             </a:fld>
             <a:endParaRPr lang="zh-TW" altLang="en-US"/>
           </a:p>
@@ -2526,8 +2521,6 @@
           <a:p>
             <a:fld id="{66948218-C322-45BE-9FDC-C54B13FA0279}" type="slidenum">
               <a:rPr lang="zh-TW" altLang="en-US" smtClean="0"/>
-              <a:pPr/>
-              <a:t>‹#›</a:t>
             </a:fld>
             <a:endParaRPr lang="zh-TW" altLang="en-US"/>
           </a:p>
@@ -2547,7 +2540,7 @@
     <p:bg>
       <p:bgPr>
         <a:blipFill dpi="0" rotWithShape="1">
-          <a:blip r:embed="rId13"/>
+          <a:blip r:embed="rId12"/>
           <a:srcRect/>
           <a:tile tx="0" ty="0" sx="100000" sy="100000" flip="none" algn="tl"/>
         </a:blipFill>
@@ -2631,6 +2624,7 @@
               <a:rPr lang="zh-TW" altLang="en-US" smtClean="0"/>
               <a:t>按一下以編輯母片文字樣式</a:t>
             </a:r>
+            <a:endParaRPr lang="zh-TW" altLang="en-US" smtClean="0"/>
           </a:p>
           <a:p>
             <a:pPr lvl="1"/>
@@ -2638,6 +2632,7 @@
               <a:rPr lang="zh-TW" altLang="en-US" smtClean="0"/>
               <a:t>第二層</a:t>
             </a:r>
+            <a:endParaRPr lang="zh-TW" altLang="en-US" smtClean="0"/>
           </a:p>
           <a:p>
             <a:pPr lvl="2"/>
@@ -2645,6 +2640,7 @@
               <a:rPr lang="zh-TW" altLang="en-US" smtClean="0"/>
               <a:t>第三層</a:t>
             </a:r>
+            <a:endParaRPr lang="zh-TW" altLang="en-US" smtClean="0"/>
           </a:p>
           <a:p>
             <a:pPr lvl="3"/>
@@ -2652,6 +2648,7 @@
               <a:rPr lang="zh-TW" altLang="en-US" smtClean="0"/>
               <a:t>第四層</a:t>
             </a:r>
+            <a:endParaRPr lang="zh-TW" altLang="en-US" smtClean="0"/>
           </a:p>
           <a:p>
             <a:pPr lvl="4"/>
@@ -2698,8 +2695,6 @@
           <a:p>
             <a:fld id="{DE59D944-54CB-47B0-9464-FA766A8DDC46}" type="datetimeFigureOut">
               <a:rPr lang="zh-TW" altLang="en-US" smtClean="0"/>
-              <a:pPr/>
-              <a:t>2019/9/7</a:t>
             </a:fld>
             <a:endParaRPr lang="zh-TW" altLang="en-US"/>
           </a:p>
@@ -2777,8 +2772,6 @@
           <a:p>
             <a:fld id="{66948218-C322-45BE-9FDC-C54B13FA0279}" type="slidenum">
               <a:rPr lang="zh-TW" altLang="en-US" smtClean="0"/>
-              <a:pPr/>
-              <a:t>‹#›</a:t>
             </a:fld>
             <a:endParaRPr lang="zh-TW" altLang="en-US"/>
           </a:p>
@@ -2788,17 +2781,17 @@
   </p:cSld>
   <p:clrMap bg1="lt1" tx1="dk1" bg2="lt2" tx2="dk2" accent1="accent1" accent2="accent2" accent3="accent3" accent4="accent4" accent5="accent5" accent6="accent6" hlink="hlink" folHlink="folHlink"/>
   <p:sldLayoutIdLst>
-    <p:sldLayoutId id="2147483685" r:id="rId1"/>
-    <p:sldLayoutId id="2147483686" r:id="rId2"/>
-    <p:sldLayoutId id="2147483687" r:id="rId3"/>
-    <p:sldLayoutId id="2147483688" r:id="rId4"/>
-    <p:sldLayoutId id="2147483689" r:id="rId5"/>
-    <p:sldLayoutId id="2147483690" r:id="rId6"/>
-    <p:sldLayoutId id="2147483691" r:id="rId7"/>
-    <p:sldLayoutId id="2147483692" r:id="rId8"/>
-    <p:sldLayoutId id="2147483693" r:id="rId9"/>
-    <p:sldLayoutId id="2147483694" r:id="rId10"/>
-    <p:sldLayoutId id="2147483695" r:id="rId11"/>
+    <p:sldLayoutId id="2147483649" r:id="rId1"/>
+    <p:sldLayoutId id="2147483650" r:id="rId2"/>
+    <p:sldLayoutId id="2147483651" r:id="rId3"/>
+    <p:sldLayoutId id="2147483652" r:id="rId4"/>
+    <p:sldLayoutId id="2147483653" r:id="rId5"/>
+    <p:sldLayoutId id="2147483654" r:id="rId6"/>
+    <p:sldLayoutId id="2147483655" r:id="rId7"/>
+    <p:sldLayoutId id="2147483656" r:id="rId8"/>
+    <p:sldLayoutId id="2147483657" r:id="rId9"/>
+    <p:sldLayoutId id="2147483658" r:id="rId10"/>
+    <p:sldLayoutId id="2147483659" r:id="rId11"/>
   </p:sldLayoutIdLst>
   <p:txStyles>
     <p:titleStyle>
@@ -2822,7 +2815,7 @@
         <a:spcBef>
           <a:spcPct val="20000"/>
         </a:spcBef>
-        <a:buFont typeface="Arial" pitchFamily="34" charset="0"/>
+        <a:buFont typeface="Arial" panose="02080604020202020204" pitchFamily="34" charset="0"/>
         <a:buChar char="•"/>
         <a:defRPr sz="3200" kern="1200">
           <a:solidFill>
@@ -2837,7 +2830,7 @@
         <a:spcBef>
           <a:spcPct val="20000"/>
         </a:spcBef>
-        <a:buFont typeface="Arial" pitchFamily="34" charset="0"/>
+        <a:buFont typeface="Arial" panose="02080604020202020204" pitchFamily="34" charset="0"/>
         <a:buChar char="–"/>
         <a:defRPr sz="2800" kern="1200">
           <a:solidFill>
@@ -2852,7 +2845,7 @@
         <a:spcBef>
           <a:spcPct val="20000"/>
         </a:spcBef>
-        <a:buFont typeface="Arial" pitchFamily="34" charset="0"/>
+        <a:buFont typeface="Arial" panose="02080604020202020204" pitchFamily="34" charset="0"/>
         <a:buChar char="•"/>
         <a:defRPr sz="2400" kern="1200">
           <a:solidFill>
@@ -2867,7 +2860,7 @@
         <a:spcBef>
           <a:spcPct val="20000"/>
         </a:spcBef>
-        <a:buFont typeface="Arial" pitchFamily="34" charset="0"/>
+        <a:buFont typeface="Arial" panose="02080604020202020204" pitchFamily="34" charset="0"/>
         <a:buChar char="–"/>
         <a:defRPr sz="2000" kern="1200">
           <a:solidFill>
@@ -2882,7 +2875,7 @@
         <a:spcBef>
           <a:spcPct val="20000"/>
         </a:spcBef>
-        <a:buFont typeface="Arial" pitchFamily="34" charset="0"/>
+        <a:buFont typeface="Arial" panose="02080604020202020204" pitchFamily="34" charset="0"/>
         <a:buChar char="»"/>
         <a:defRPr sz="2000" kern="1200">
           <a:solidFill>
@@ -2897,7 +2890,7 @@
         <a:spcBef>
           <a:spcPct val="20000"/>
         </a:spcBef>
-        <a:buFont typeface="Arial" pitchFamily="34" charset="0"/>
+        <a:buFont typeface="Arial" panose="02080604020202020204" pitchFamily="34" charset="0"/>
         <a:buChar char="•"/>
         <a:defRPr sz="2000" kern="1200">
           <a:solidFill>
@@ -2912,7 +2905,7 @@
         <a:spcBef>
           <a:spcPct val="20000"/>
         </a:spcBef>
-        <a:buFont typeface="Arial" pitchFamily="34" charset="0"/>
+        <a:buFont typeface="Arial" panose="02080604020202020204" pitchFamily="34" charset="0"/>
         <a:buChar char="•"/>
         <a:defRPr sz="2000" kern="1200">
           <a:solidFill>
@@ -2927,7 +2920,7 @@
         <a:spcBef>
           <a:spcPct val="20000"/>
         </a:spcBef>
-        <a:buFont typeface="Arial" pitchFamily="34" charset="0"/>
+        <a:buFont typeface="Arial" panose="02080604020202020204" pitchFamily="34" charset="0"/>
         <a:buChar char="•"/>
         <a:defRPr sz="2000" kern="1200">
           <a:solidFill>
@@ -2942,7 +2935,7 @@
         <a:spcBef>
           <a:spcPct val="20000"/>
         </a:spcBef>
-        <a:buFont typeface="Arial" pitchFamily="34" charset="0"/>
+        <a:buFont typeface="Arial" panose="02080604020202020204" pitchFamily="34" charset="0"/>
         <a:buChar char="•"/>
         <a:defRPr sz="2000" kern="1200">
           <a:solidFill>
@@ -3263,6 +3256,13 @@
               </a:rPr>
               <a:t>恩豐富奇妙</a:t>
             </a:r>
+            <a:endParaRPr lang="zh-TW" altLang="en-US" sz="4800" b="1" dirty="0">
+              <a:solidFill>
+                <a:srgbClr val="000066"/>
+              </a:solidFill>
+              <a:latin typeface="微軟正黑體" pitchFamily="34" charset="-120"/>
+              <a:ea typeface="微軟正黑體" pitchFamily="34" charset="-120"/>
+            </a:endParaRPr>
           </a:p>
         </p:txBody>
       </p:sp>
@@ -3356,17 +3356,7 @@
                 <a:latin typeface="微軟正黑體" pitchFamily="34" charset="-120"/>
                 <a:ea typeface="微軟正黑體" pitchFamily="34" charset="-120"/>
               </a:rPr>
-              <a:t>主的恩典</a:t>
-            </a:r>
-            <a:r>
-              <a:rPr lang="zh-TW" altLang="en-US" sz="4800" b="1" dirty="0">
-                <a:solidFill>
-                  <a:srgbClr val="000066"/>
-                </a:solidFill>
-                <a:latin typeface="微軟正黑體" pitchFamily="34" charset="-120"/>
-                <a:ea typeface="微軟正黑體" pitchFamily="34" charset="-120"/>
-              </a:rPr>
-              <a:t>大大小小</a:t>
+              <a:t>主的恩典大大小小</a:t>
             </a:r>
             <a:endParaRPr lang="en-US" altLang="zh-TW" sz="4800" b="1" dirty="0">
               <a:solidFill>
@@ -3388,27 +3378,7 @@
                 <a:latin typeface="微軟正黑體" pitchFamily="34" charset="-120"/>
                 <a:ea typeface="微軟正黑體" pitchFamily="34" charset="-120"/>
               </a:rPr>
-              <a:t>主</a:t>
-            </a:r>
-            <a:r>
-              <a:rPr lang="zh-TW" altLang="en-US" sz="4800" b="1" dirty="0">
-                <a:solidFill>
-                  <a:srgbClr val="000066"/>
-                </a:solidFill>
-                <a:latin typeface="微軟正黑體" pitchFamily="34" charset="-120"/>
-                <a:ea typeface="微軟正黑體" pitchFamily="34" charset="-120"/>
-              </a:rPr>
-              <a:t>的恩典</a:t>
-            </a:r>
-            <a:r>
-              <a:rPr lang="zh-TW" altLang="en-US" sz="4800" b="1" dirty="0">
-                <a:solidFill>
-                  <a:srgbClr val="000066"/>
-                </a:solidFill>
-                <a:latin typeface="微軟正黑體" pitchFamily="34" charset="-120"/>
-                <a:ea typeface="微軟正黑體" pitchFamily="34" charset="-120"/>
-              </a:rPr>
-              <a:t>從頭到腳</a:t>
+              <a:t>主的恩典從頭到腳</a:t>
             </a:r>
             <a:endParaRPr lang="en-US" altLang="zh-TW" sz="4800" b="1" dirty="0">
               <a:solidFill>
@@ -3430,27 +3400,7 @@
                 <a:latin typeface="微軟正黑體" pitchFamily="34" charset="-120"/>
                 <a:ea typeface="微軟正黑體" pitchFamily="34" charset="-120"/>
               </a:rPr>
-              <a:t>白</a:t>
-            </a:r>
-            <a:r>
-              <a:rPr lang="zh-TW" altLang="en-US" sz="4800" b="1" dirty="0">
-                <a:solidFill>
-                  <a:srgbClr val="000066"/>
-                </a:solidFill>
-                <a:latin typeface="微軟正黑體" pitchFamily="34" charset="-120"/>
-                <a:ea typeface="微軟正黑體" pitchFamily="34" charset="-120"/>
-              </a:rPr>
-              <a:t>白得來不能</a:t>
-            </a:r>
-            <a:r>
-              <a:rPr lang="zh-TW" altLang="en-US" sz="4800" b="1" dirty="0">
-                <a:solidFill>
-                  <a:srgbClr val="000066"/>
-                </a:solidFill>
-                <a:latin typeface="微軟正黑體" pitchFamily="34" charset="-120"/>
-                <a:ea typeface="微軟正黑體" pitchFamily="34" charset="-120"/>
-              </a:rPr>
-              <a:t>忘掉</a:t>
+              <a:t>白白得來不能忘掉</a:t>
             </a:r>
             <a:endParaRPr lang="en-US" altLang="zh-TW" sz="4800" b="1" dirty="0">
               <a:solidFill>
@@ -3472,18 +3422,15 @@
                 <a:latin typeface="微軟正黑體" pitchFamily="34" charset="-120"/>
                 <a:ea typeface="微軟正黑體" pitchFamily="34" charset="-120"/>
               </a:rPr>
-              <a:t>感謝</a:t>
-            </a:r>
-            <a:r>
-              <a:rPr lang="zh-TW" altLang="en-US" sz="4800" b="1" dirty="0">
-                <a:solidFill>
-                  <a:srgbClr val="000066"/>
-                </a:solidFill>
-                <a:latin typeface="微軟正黑體" pitchFamily="34" charset="-120"/>
-                <a:ea typeface="微軟正黑體" pitchFamily="34" charset="-120"/>
-              </a:rPr>
-              <a:t>湧出如浪潮</a:t>
-            </a:r>
+              <a:t>感謝湧出如浪潮</a:t>
+            </a:r>
+            <a:endParaRPr lang="zh-TW" altLang="en-US" sz="4800" b="1" dirty="0">
+              <a:solidFill>
+                <a:srgbClr val="000066"/>
+              </a:solidFill>
+              <a:latin typeface="微軟正黑體" pitchFamily="34" charset="-120"/>
+              <a:ea typeface="微軟正黑體" pitchFamily="34" charset="-120"/>
+            </a:endParaRPr>
           </a:p>
         </p:txBody>
       </p:sp>
@@ -3592,47 +3539,17 @@
                 <a:latin typeface="微軟正黑體" pitchFamily="34" charset="-120"/>
                 <a:ea typeface="微軟正黑體" pitchFamily="34" charset="-120"/>
               </a:rPr>
-              <a:t> </a:t>
-            </a:r>
-            <a:r>
-              <a:rPr lang="en-US" altLang="zh-TW" sz="4800" b="1" dirty="0">
+              <a:t>  </a:t>
+            </a:r>
+            <a:r>
+              <a:rPr lang="zh-TW" altLang="en-US" sz="4800" b="1" dirty="0">
                 <a:solidFill>
                   <a:srgbClr val="000066"/>
                 </a:solidFill>
                 <a:latin typeface="微軟正黑體" pitchFamily="34" charset="-120"/>
                 <a:ea typeface="微軟正黑體" pitchFamily="34" charset="-120"/>
               </a:rPr>
-              <a:t> </a:t>
-            </a:r>
-            <a:r>
-              <a:rPr lang="zh-TW" altLang="en-US" sz="4800" b="1" dirty="0">
-                <a:solidFill>
-                  <a:srgbClr val="000066"/>
-                </a:solidFill>
-                <a:latin typeface="微軟正黑體" pitchFamily="34" charset="-120"/>
-                <a:ea typeface="微軟正黑體" pitchFamily="34" charset="-120"/>
-              </a:rPr>
-              <a:t>我</a:t>
-            </a:r>
-            <a:r>
-              <a:rPr lang="zh-TW" altLang="en-US" sz="4800" b="1" dirty="0">
-                <a:solidFill>
-                  <a:srgbClr val="000066"/>
-                </a:solidFill>
-                <a:latin typeface="微軟正黑體" pitchFamily="34" charset="-120"/>
-                <a:ea typeface="微軟正黑體" pitchFamily="34" charset="-120"/>
-              </a:rPr>
-              <a:t>要</a:t>
-            </a:r>
-            <a:r>
-              <a:rPr lang="zh-TW" altLang="en-US" sz="4800" b="1" dirty="0">
-                <a:solidFill>
-                  <a:srgbClr val="000066"/>
-                </a:solidFill>
-                <a:latin typeface="微軟正黑體" pitchFamily="34" charset="-120"/>
-                <a:ea typeface="微軟正黑體" pitchFamily="34" charset="-120"/>
-              </a:rPr>
-              <a:t>讚美</a:t>
+              <a:t>我要讚美</a:t>
             </a:r>
             <a:endParaRPr lang="en-US" altLang="zh-TW" sz="4800" b="1" dirty="0">
               <a:solidFill>
@@ -3654,47 +3571,7 @@
                 <a:latin typeface="微軟正黑體" pitchFamily="34" charset="-120"/>
                 <a:ea typeface="微軟正黑體" pitchFamily="34" charset="-120"/>
               </a:rPr>
-              <a:t>啦</a:t>
-            </a:r>
-            <a:r>
-              <a:rPr lang="zh-TW" altLang="en-US" sz="4800" b="1" dirty="0">
-                <a:solidFill>
-                  <a:srgbClr val="000066"/>
-                </a:solidFill>
-                <a:latin typeface="微軟正黑體" pitchFamily="34" charset="-120"/>
-                <a:ea typeface="微軟正黑體" pitchFamily="34" charset="-120"/>
-              </a:rPr>
-              <a:t>啦啦啦</a:t>
-            </a:r>
-            <a:r>
-              <a:rPr lang="zh-TW" altLang="en-US" sz="4800" b="1" dirty="0">
-                <a:solidFill>
-                  <a:srgbClr val="000066"/>
-                </a:solidFill>
-                <a:latin typeface="微軟正黑體" pitchFamily="34" charset="-120"/>
-                <a:ea typeface="微軟正黑體" pitchFamily="34" charset="-120"/>
-              </a:rPr>
-              <a:t>啦  我</a:t>
-            </a:r>
-            <a:r>
-              <a:rPr lang="zh-TW" altLang="en-US" sz="4800" b="1" dirty="0">
-                <a:solidFill>
-                  <a:srgbClr val="000066"/>
-                </a:solidFill>
-                <a:latin typeface="微軟正黑體" pitchFamily="34" charset="-120"/>
-                <a:ea typeface="微軟正黑體" pitchFamily="34" charset="-120"/>
-              </a:rPr>
-              <a:t>還要</a:t>
-            </a:r>
-            <a:r>
-              <a:rPr lang="zh-TW" altLang="en-US" sz="4800" b="1" dirty="0">
-                <a:solidFill>
-                  <a:srgbClr val="000066"/>
-                </a:solidFill>
-                <a:latin typeface="微軟正黑體" pitchFamily="34" charset="-120"/>
-                <a:ea typeface="微軟正黑體" pitchFamily="34" charset="-120"/>
-              </a:rPr>
-              <a:t>讚美</a:t>
+              <a:t>啦啦啦啦啦  我還要讚美</a:t>
             </a:r>
             <a:endParaRPr lang="en-US" altLang="zh-TW" sz="4800" b="1" dirty="0">
               <a:solidFill>
@@ -3738,38 +3615,15 @@
                 <a:latin typeface="微軟正黑體" pitchFamily="34" charset="-120"/>
                 <a:ea typeface="微軟正黑體" pitchFamily="34" charset="-120"/>
               </a:rPr>
-              <a:t>我</a:t>
-            </a:r>
-            <a:r>
-              <a:rPr lang="zh-TW" altLang="en-US" sz="4800" b="1" dirty="0">
-                <a:solidFill>
-                  <a:srgbClr val="000066"/>
-                </a:solidFill>
-                <a:latin typeface="微軟正黑體" pitchFamily="34" charset="-120"/>
-                <a:ea typeface="微軟正黑體" pitchFamily="34" charset="-120"/>
-              </a:rPr>
-              <a:t>一生</a:t>
-            </a:r>
-            <a:r>
-              <a:rPr lang="zh-TW" altLang="en-US" sz="4800" b="1" dirty="0">
-                <a:solidFill>
-                  <a:srgbClr val="000066"/>
-                </a:solidFill>
-                <a:latin typeface="微軟正黑體" pitchFamily="34" charset="-120"/>
-                <a:ea typeface="微軟正黑體" pitchFamily="34" charset="-120"/>
-              </a:rPr>
-              <a:t>讚美  一生</a:t>
-            </a:r>
-            <a:r>
-              <a:rPr lang="zh-TW" altLang="en-US" sz="4800" b="1" dirty="0">
-                <a:solidFill>
-                  <a:srgbClr val="000066"/>
-                </a:solidFill>
-                <a:latin typeface="微軟正黑體" pitchFamily="34" charset="-120"/>
-                <a:ea typeface="微軟正黑體" pitchFamily="34" charset="-120"/>
-              </a:rPr>
-              <a:t>要來讚美主</a:t>
-            </a:r>
+              <a:t>我一生讚美  一生要來讚美主</a:t>
+            </a:r>
+            <a:endParaRPr lang="zh-TW" altLang="en-US" sz="4800" b="1" dirty="0">
+              <a:solidFill>
+                <a:srgbClr val="000066"/>
+              </a:solidFill>
+              <a:latin typeface="微軟正黑體" pitchFamily="34" charset="-120"/>
+              <a:ea typeface="微軟正黑體" pitchFamily="34" charset="-120"/>
+            </a:endParaRPr>
           </a:p>
         </p:txBody>
       </p:sp>
@@ -4059,7 +3913,10 @@
       </a:bgFillStyleLst>
     </a:fmtScheme>
   </a:themeElements>
-  <a:objectDefaults/>
-  <a:extraClrSchemeLst/>
+  <a:extLst>
+    <a:ext uri="{05A4C25C-085E-4340-85A3-A5531E510DB2}">
+      <thm15:themeFamily xmlns:thm15="http://schemas.microsoft.com/office/thememl/2012/main" name="Office Theme" id="{62F939B6-93AF-4DB8-9C6B-D6C7DFDC589F}" vid="{4A3C46E8-61CC-4603-A589-7422A47A8E4A}"/>
+    </a:ext>
+  </a:extLst>
 </a:theme>
 </file>
--- a/主恩典.pptx
+++ b/主恩典.pptx
@@ -5,9 +5,15 @@
     <p:sldMasterId id="2147483648" r:id="rId1"/>
   </p:sldMasterIdLst>
   <p:sldIdLst>
-    <p:sldId id="256" r:id="rId3"/>
-    <p:sldId id="257" r:id="rId4"/>
-    <p:sldId id="258" r:id="rId5"/>
+    <p:sldId id="259" r:id="rId2"/>
+    <p:sldId id="260" r:id="rId3"/>
+    <p:sldId id="261" r:id="rId4"/>
+    <p:sldId id="262" r:id="rId5"/>
+    <p:sldId id="263" r:id="rId6"/>
+    <p:sldId id="264" r:id="rId7"/>
+    <p:sldId id="265" r:id="rId8"/>
+    <p:sldId id="266" r:id="rId9"/>
+    <p:sldId id="267" r:id="rId10"/>
   </p:sldIdLst>
   <p:sldSz cx="9144000" cy="5143500" type="screen16x9"/>
   <p:notesSz cx="6858000" cy="9144000"/>
@@ -106,6 +112,22 @@
       </a:defRPr>
     </a:lvl9pPr>
   </p:defaultTextStyle>
+  <p:extLst>
+    <p:ext uri="{EFAFB233-063F-42B5-8137-9DF3F51BA10A}">
+      <p15:sldGuideLst xmlns:p15="http://schemas.microsoft.com/office/powerpoint/2012/main">
+        <p15:guide id="1" orient="horz" pos="1620">
+          <p15:clr>
+            <a:srgbClr val="A4A3A4"/>
+          </p15:clr>
+        </p15:guide>
+        <p15:guide id="2" pos="2880">
+          <p15:clr>
+            <a:srgbClr val="A4A3A4"/>
+          </p15:clr>
+        </p15:guide>
+      </p15:sldGuideLst>
+    </p:ext>
+  </p:extLst>
 </p:presentation>
 </file>
 
@@ -290,6 +312,7 @@
           <a:p>
             <a:fld id="{DE59D944-54CB-47B0-9464-FA766A8DDC46}" type="datetimeFigureOut">
               <a:rPr lang="zh-TW" altLang="en-US" smtClean="0"/>
+              <a:t>2020/12/31</a:t>
             </a:fld>
             <a:endParaRPr lang="zh-TW" altLang="en-US"/>
           </a:p>
@@ -331,6 +354,7 @@
           <a:p>
             <a:fld id="{66948218-C322-45BE-9FDC-C54B13FA0279}" type="slidenum">
               <a:rPr lang="zh-TW" altLang="en-US" smtClean="0"/>
+              <a:t>‹#›</a:t>
             </a:fld>
             <a:endParaRPr lang="zh-TW" altLang="en-US"/>
           </a:p>
@@ -404,7 +428,6 @@
               <a:rPr lang="zh-TW" altLang="en-US" smtClean="0"/>
               <a:t>按一下以編輯母片文字樣式</a:t>
             </a:r>
-            <a:endParaRPr lang="zh-TW" altLang="en-US" smtClean="0"/>
           </a:p>
           <a:p>
             <a:pPr lvl="1"/>
@@ -412,7 +435,6 @@
               <a:rPr lang="zh-TW" altLang="en-US" smtClean="0"/>
               <a:t>第二層</a:t>
             </a:r>
-            <a:endParaRPr lang="zh-TW" altLang="en-US" smtClean="0"/>
           </a:p>
           <a:p>
             <a:pPr lvl="2"/>
@@ -420,7 +442,6 @@
               <a:rPr lang="zh-TW" altLang="en-US" smtClean="0"/>
               <a:t>第三層</a:t>
             </a:r>
-            <a:endParaRPr lang="zh-TW" altLang="en-US" smtClean="0"/>
           </a:p>
           <a:p>
             <a:pPr lvl="3"/>
@@ -428,7 +449,6 @@
               <a:rPr lang="zh-TW" altLang="en-US" smtClean="0"/>
               <a:t>第四層</a:t>
             </a:r>
-            <a:endParaRPr lang="zh-TW" altLang="en-US" smtClean="0"/>
           </a:p>
           <a:p>
             <a:pPr lvl="4"/>
@@ -457,6 +477,7 @@
           <a:p>
             <a:fld id="{DE59D944-54CB-47B0-9464-FA766A8DDC46}" type="datetimeFigureOut">
               <a:rPr lang="zh-TW" altLang="en-US" smtClean="0"/>
+              <a:t>2020/12/31</a:t>
             </a:fld>
             <a:endParaRPr lang="zh-TW" altLang="en-US"/>
           </a:p>
@@ -498,6 +519,7 @@
           <a:p>
             <a:fld id="{66948218-C322-45BE-9FDC-C54B13FA0279}" type="slidenum">
               <a:rPr lang="zh-TW" altLang="en-US" smtClean="0"/>
+              <a:t>‹#›</a:t>
             </a:fld>
             <a:endParaRPr lang="zh-TW" altLang="en-US"/>
           </a:p>
@@ -581,7 +603,6 @@
               <a:rPr lang="zh-TW" altLang="en-US" smtClean="0"/>
               <a:t>按一下以編輯母片文字樣式</a:t>
             </a:r>
-            <a:endParaRPr lang="zh-TW" altLang="en-US" smtClean="0"/>
           </a:p>
           <a:p>
             <a:pPr lvl="1"/>
@@ -589,7 +610,6 @@
               <a:rPr lang="zh-TW" altLang="en-US" smtClean="0"/>
               <a:t>第二層</a:t>
             </a:r>
-            <a:endParaRPr lang="zh-TW" altLang="en-US" smtClean="0"/>
           </a:p>
           <a:p>
             <a:pPr lvl="2"/>
@@ -597,7 +617,6 @@
               <a:rPr lang="zh-TW" altLang="en-US" smtClean="0"/>
               <a:t>第三層</a:t>
             </a:r>
-            <a:endParaRPr lang="zh-TW" altLang="en-US" smtClean="0"/>
           </a:p>
           <a:p>
             <a:pPr lvl="3"/>
@@ -605,7 +624,6 @@
               <a:rPr lang="zh-TW" altLang="en-US" smtClean="0"/>
               <a:t>第四層</a:t>
             </a:r>
-            <a:endParaRPr lang="zh-TW" altLang="en-US" smtClean="0"/>
           </a:p>
           <a:p>
             <a:pPr lvl="4"/>
@@ -634,6 +652,7 @@
           <a:p>
             <a:fld id="{DE59D944-54CB-47B0-9464-FA766A8DDC46}" type="datetimeFigureOut">
               <a:rPr lang="zh-TW" altLang="en-US" smtClean="0"/>
+              <a:t>2020/12/31</a:t>
             </a:fld>
             <a:endParaRPr lang="zh-TW" altLang="en-US"/>
           </a:p>
@@ -675,6 +694,7 @@
           <a:p>
             <a:fld id="{66948218-C322-45BE-9FDC-C54B13FA0279}" type="slidenum">
               <a:rPr lang="zh-TW" altLang="en-US" smtClean="0"/>
+              <a:t>‹#›</a:t>
             </a:fld>
             <a:endParaRPr lang="zh-TW" altLang="en-US"/>
           </a:p>
@@ -748,7 +768,6 @@
               <a:rPr lang="zh-TW" altLang="en-US" smtClean="0"/>
               <a:t>按一下以編輯母片文字樣式</a:t>
             </a:r>
-            <a:endParaRPr lang="zh-TW" altLang="en-US" smtClean="0"/>
           </a:p>
           <a:p>
             <a:pPr lvl="1"/>
@@ -756,7 +775,6 @@
               <a:rPr lang="zh-TW" altLang="en-US" smtClean="0"/>
               <a:t>第二層</a:t>
             </a:r>
-            <a:endParaRPr lang="zh-TW" altLang="en-US" smtClean="0"/>
           </a:p>
           <a:p>
             <a:pPr lvl="2"/>
@@ -764,7 +782,6 @@
               <a:rPr lang="zh-TW" altLang="en-US" smtClean="0"/>
               <a:t>第三層</a:t>
             </a:r>
-            <a:endParaRPr lang="zh-TW" altLang="en-US" smtClean="0"/>
           </a:p>
           <a:p>
             <a:pPr lvl="3"/>
@@ -772,7 +789,6 @@
               <a:rPr lang="zh-TW" altLang="en-US" smtClean="0"/>
               <a:t>第四層</a:t>
             </a:r>
-            <a:endParaRPr lang="zh-TW" altLang="en-US" smtClean="0"/>
           </a:p>
           <a:p>
             <a:pPr lvl="4"/>
@@ -801,6 +817,7 @@
           <a:p>
             <a:fld id="{DE59D944-54CB-47B0-9464-FA766A8DDC46}" type="datetimeFigureOut">
               <a:rPr lang="zh-TW" altLang="en-US" smtClean="0"/>
+              <a:t>2020/12/31</a:t>
             </a:fld>
             <a:endParaRPr lang="zh-TW" altLang="en-US"/>
           </a:p>
@@ -842,6 +859,7 @@
           <a:p>
             <a:fld id="{66948218-C322-45BE-9FDC-C54B13FA0279}" type="slidenum">
               <a:rPr lang="zh-TW" altLang="en-US" smtClean="0"/>
+              <a:t>‹#›</a:t>
             </a:fld>
             <a:endParaRPr lang="zh-TW" altLang="en-US"/>
           </a:p>
@@ -1020,7 +1038,6 @@
               <a:rPr lang="zh-TW" altLang="en-US" smtClean="0"/>
               <a:t>按一下以編輯母片文字樣式</a:t>
             </a:r>
-            <a:endParaRPr lang="zh-TW" altLang="en-US" smtClean="0"/>
           </a:p>
         </p:txBody>
       </p:sp>
@@ -1041,6 +1058,7 @@
           <a:p>
             <a:fld id="{DE59D944-54CB-47B0-9464-FA766A8DDC46}" type="datetimeFigureOut">
               <a:rPr lang="zh-TW" altLang="en-US" smtClean="0"/>
+              <a:t>2020/12/31</a:t>
             </a:fld>
             <a:endParaRPr lang="zh-TW" altLang="en-US"/>
           </a:p>
@@ -1082,6 +1100,7 @@
           <a:p>
             <a:fld id="{66948218-C322-45BE-9FDC-C54B13FA0279}" type="slidenum">
               <a:rPr lang="zh-TW" altLang="en-US" smtClean="0"/>
+              <a:t>‹#›</a:t>
             </a:fld>
             <a:endParaRPr lang="zh-TW" altLang="en-US"/>
           </a:p>
@@ -1188,7 +1207,6 @@
               <a:rPr lang="zh-TW" altLang="en-US" smtClean="0"/>
               <a:t>按一下以編輯母片文字樣式</a:t>
             </a:r>
-            <a:endParaRPr lang="zh-TW" altLang="en-US" smtClean="0"/>
           </a:p>
           <a:p>
             <a:pPr lvl="1"/>
@@ -1196,7 +1214,6 @@
               <a:rPr lang="zh-TW" altLang="en-US" smtClean="0"/>
               <a:t>第二層</a:t>
             </a:r>
-            <a:endParaRPr lang="zh-TW" altLang="en-US" smtClean="0"/>
           </a:p>
           <a:p>
             <a:pPr lvl="2"/>
@@ -1204,7 +1221,6 @@
               <a:rPr lang="zh-TW" altLang="en-US" smtClean="0"/>
               <a:t>第三層</a:t>
             </a:r>
-            <a:endParaRPr lang="zh-TW" altLang="en-US" smtClean="0"/>
           </a:p>
           <a:p>
             <a:pPr lvl="3"/>
@@ -1212,7 +1228,6 @@
               <a:rPr lang="zh-TW" altLang="en-US" smtClean="0"/>
               <a:t>第四層</a:t>
             </a:r>
-            <a:endParaRPr lang="zh-TW" altLang="en-US" smtClean="0"/>
           </a:p>
           <a:p>
             <a:pPr lvl="4"/>
@@ -1277,7 +1292,6 @@
               <a:rPr lang="zh-TW" altLang="en-US" smtClean="0"/>
               <a:t>按一下以編輯母片文字樣式</a:t>
             </a:r>
-            <a:endParaRPr lang="zh-TW" altLang="en-US" smtClean="0"/>
           </a:p>
           <a:p>
             <a:pPr lvl="1"/>
@@ -1285,7 +1299,6 @@
               <a:rPr lang="zh-TW" altLang="en-US" smtClean="0"/>
               <a:t>第二層</a:t>
             </a:r>
-            <a:endParaRPr lang="zh-TW" altLang="en-US" smtClean="0"/>
           </a:p>
           <a:p>
             <a:pPr lvl="2"/>
@@ -1293,7 +1306,6 @@
               <a:rPr lang="zh-TW" altLang="en-US" smtClean="0"/>
               <a:t>第三層</a:t>
             </a:r>
-            <a:endParaRPr lang="zh-TW" altLang="en-US" smtClean="0"/>
           </a:p>
           <a:p>
             <a:pPr lvl="3"/>
@@ -1301,7 +1313,6 @@
               <a:rPr lang="zh-TW" altLang="en-US" smtClean="0"/>
               <a:t>第四層</a:t>
             </a:r>
-            <a:endParaRPr lang="zh-TW" altLang="en-US" smtClean="0"/>
           </a:p>
           <a:p>
             <a:pPr lvl="4"/>
@@ -1330,6 +1341,7 @@
           <a:p>
             <a:fld id="{DE59D944-54CB-47B0-9464-FA766A8DDC46}" type="datetimeFigureOut">
               <a:rPr lang="zh-TW" altLang="en-US" smtClean="0"/>
+              <a:t>2020/12/31</a:t>
             </a:fld>
             <a:endParaRPr lang="zh-TW" altLang="en-US"/>
           </a:p>
@@ -1371,6 +1383,7 @@
           <a:p>
             <a:fld id="{66948218-C322-45BE-9FDC-C54B13FA0279}" type="slidenum">
               <a:rPr lang="zh-TW" altLang="en-US" smtClean="0"/>
+              <a:t>‹#›</a:t>
             </a:fld>
             <a:endParaRPr lang="zh-TW" altLang="en-US"/>
           </a:p>
@@ -1490,7 +1503,6 @@
               <a:rPr lang="zh-TW" altLang="en-US" smtClean="0"/>
               <a:t>按一下以編輯母片文字樣式</a:t>
             </a:r>
-            <a:endParaRPr lang="zh-TW" altLang="en-US" smtClean="0"/>
           </a:p>
         </p:txBody>
       </p:sp>
@@ -1547,7 +1559,6 @@
               <a:rPr lang="zh-TW" altLang="en-US" smtClean="0"/>
               <a:t>按一下以編輯母片文字樣式</a:t>
             </a:r>
-            <a:endParaRPr lang="zh-TW" altLang="en-US" smtClean="0"/>
           </a:p>
           <a:p>
             <a:pPr lvl="1"/>
@@ -1555,7 +1566,6 @@
               <a:rPr lang="zh-TW" altLang="en-US" smtClean="0"/>
               <a:t>第二層</a:t>
             </a:r>
-            <a:endParaRPr lang="zh-TW" altLang="en-US" smtClean="0"/>
           </a:p>
           <a:p>
             <a:pPr lvl="2"/>
@@ -1563,7 +1573,6 @@
               <a:rPr lang="zh-TW" altLang="en-US" smtClean="0"/>
               <a:t>第三層</a:t>
             </a:r>
-            <a:endParaRPr lang="zh-TW" altLang="en-US" smtClean="0"/>
           </a:p>
           <a:p>
             <a:pPr lvl="3"/>
@@ -1571,7 +1580,6 @@
               <a:rPr lang="zh-TW" altLang="en-US" smtClean="0"/>
               <a:t>第四層</a:t>
             </a:r>
-            <a:endParaRPr lang="zh-TW" altLang="en-US" smtClean="0"/>
           </a:p>
           <a:p>
             <a:pPr lvl="4"/>
@@ -1645,7 +1653,6 @@
               <a:rPr lang="zh-TW" altLang="en-US" smtClean="0"/>
               <a:t>按一下以編輯母片文字樣式</a:t>
             </a:r>
-            <a:endParaRPr lang="zh-TW" altLang="en-US" smtClean="0"/>
           </a:p>
         </p:txBody>
       </p:sp>
@@ -1702,7 +1709,6 @@
               <a:rPr lang="zh-TW" altLang="en-US" smtClean="0"/>
               <a:t>按一下以編輯母片文字樣式</a:t>
             </a:r>
-            <a:endParaRPr lang="zh-TW" altLang="en-US" smtClean="0"/>
           </a:p>
           <a:p>
             <a:pPr lvl="1"/>
@@ -1710,7 +1716,6 @@
               <a:rPr lang="zh-TW" altLang="en-US" smtClean="0"/>
               <a:t>第二層</a:t>
             </a:r>
-            <a:endParaRPr lang="zh-TW" altLang="en-US" smtClean="0"/>
           </a:p>
           <a:p>
             <a:pPr lvl="2"/>
@@ -1718,7 +1723,6 @@
               <a:rPr lang="zh-TW" altLang="en-US" smtClean="0"/>
               <a:t>第三層</a:t>
             </a:r>
-            <a:endParaRPr lang="zh-TW" altLang="en-US" smtClean="0"/>
           </a:p>
           <a:p>
             <a:pPr lvl="3"/>
@@ -1726,7 +1730,6 @@
               <a:rPr lang="zh-TW" altLang="en-US" smtClean="0"/>
               <a:t>第四層</a:t>
             </a:r>
-            <a:endParaRPr lang="zh-TW" altLang="en-US" smtClean="0"/>
           </a:p>
           <a:p>
             <a:pPr lvl="4"/>
@@ -1755,6 +1758,7 @@
           <a:p>
             <a:fld id="{DE59D944-54CB-47B0-9464-FA766A8DDC46}" type="datetimeFigureOut">
               <a:rPr lang="zh-TW" altLang="en-US" smtClean="0"/>
+              <a:t>2020/12/31</a:t>
             </a:fld>
             <a:endParaRPr lang="zh-TW" altLang="en-US"/>
           </a:p>
@@ -1796,6 +1800,7 @@
           <a:p>
             <a:fld id="{66948218-C322-45BE-9FDC-C54B13FA0279}" type="slidenum">
               <a:rPr lang="zh-TW" altLang="en-US" smtClean="0"/>
+              <a:t>‹#›</a:t>
             </a:fld>
             <a:endParaRPr lang="zh-TW" altLang="en-US"/>
           </a:p>
@@ -1866,6 +1871,7 @@
           <a:p>
             <a:fld id="{DE59D944-54CB-47B0-9464-FA766A8DDC46}" type="datetimeFigureOut">
               <a:rPr lang="zh-TW" altLang="en-US" smtClean="0"/>
+              <a:t>2020/12/31</a:t>
             </a:fld>
             <a:endParaRPr lang="zh-TW" altLang="en-US"/>
           </a:p>
@@ -1907,6 +1913,7 @@
           <a:p>
             <a:fld id="{66948218-C322-45BE-9FDC-C54B13FA0279}" type="slidenum">
               <a:rPr lang="zh-TW" altLang="en-US" smtClean="0"/>
+              <a:t>‹#›</a:t>
             </a:fld>
             <a:endParaRPr lang="zh-TW" altLang="en-US"/>
           </a:p>
@@ -1954,6 +1961,7 @@
           <a:p>
             <a:fld id="{DE59D944-54CB-47B0-9464-FA766A8DDC46}" type="datetimeFigureOut">
               <a:rPr lang="zh-TW" altLang="en-US" smtClean="0"/>
+              <a:t>2020/12/31</a:t>
             </a:fld>
             <a:endParaRPr lang="zh-TW" altLang="en-US"/>
           </a:p>
@@ -1995,6 +2003,7 @@
           <a:p>
             <a:fld id="{66948218-C322-45BE-9FDC-C54B13FA0279}" type="slidenum">
               <a:rPr lang="zh-TW" altLang="en-US" smtClean="0"/>
+              <a:t>‹#›</a:t>
             </a:fld>
             <a:endParaRPr lang="zh-TW" altLang="en-US"/>
           </a:p>
@@ -2110,7 +2119,6 @@
               <a:rPr lang="zh-TW" altLang="en-US" smtClean="0"/>
               <a:t>按一下以編輯母片文字樣式</a:t>
             </a:r>
-            <a:endParaRPr lang="zh-TW" altLang="en-US" smtClean="0"/>
           </a:p>
           <a:p>
             <a:pPr lvl="1"/>
@@ -2118,7 +2126,6 @@
               <a:rPr lang="zh-TW" altLang="en-US" smtClean="0"/>
               <a:t>第二層</a:t>
             </a:r>
-            <a:endParaRPr lang="zh-TW" altLang="en-US" smtClean="0"/>
           </a:p>
           <a:p>
             <a:pPr lvl="2"/>
@@ -2126,7 +2133,6 @@
               <a:rPr lang="zh-TW" altLang="en-US" smtClean="0"/>
               <a:t>第三層</a:t>
             </a:r>
-            <a:endParaRPr lang="zh-TW" altLang="en-US" smtClean="0"/>
           </a:p>
           <a:p>
             <a:pPr lvl="3"/>
@@ -2134,7 +2140,6 @@
               <a:rPr lang="zh-TW" altLang="en-US" smtClean="0"/>
               <a:t>第四層</a:t>
             </a:r>
-            <a:endParaRPr lang="zh-TW" altLang="en-US" smtClean="0"/>
           </a:p>
           <a:p>
             <a:pPr lvl="4"/>
@@ -2208,7 +2213,6 @@
               <a:rPr lang="zh-TW" altLang="en-US" smtClean="0"/>
               <a:t>按一下以編輯母片文字樣式</a:t>
             </a:r>
-            <a:endParaRPr lang="zh-TW" altLang="en-US" smtClean="0"/>
           </a:p>
         </p:txBody>
       </p:sp>
@@ -2229,6 +2233,7 @@
           <a:p>
             <a:fld id="{DE59D944-54CB-47B0-9464-FA766A8DDC46}" type="datetimeFigureOut">
               <a:rPr lang="zh-TW" altLang="en-US" smtClean="0"/>
+              <a:t>2020/12/31</a:t>
             </a:fld>
             <a:endParaRPr lang="zh-TW" altLang="en-US"/>
           </a:p>
@@ -2270,6 +2275,7 @@
           <a:p>
             <a:fld id="{66948218-C322-45BE-9FDC-C54B13FA0279}" type="slidenum">
               <a:rPr lang="zh-TW" altLang="en-US" smtClean="0"/>
+              <a:t>‹#›</a:t>
             </a:fld>
             <a:endParaRPr lang="zh-TW" altLang="en-US"/>
           </a:p>
@@ -2459,7 +2465,6 @@
               <a:rPr lang="zh-TW" altLang="en-US" smtClean="0"/>
               <a:t>按一下以編輯母片文字樣式</a:t>
             </a:r>
-            <a:endParaRPr lang="zh-TW" altLang="en-US" smtClean="0"/>
           </a:p>
         </p:txBody>
       </p:sp>
@@ -2480,6 +2485,7 @@
           <a:p>
             <a:fld id="{DE59D944-54CB-47B0-9464-FA766A8DDC46}" type="datetimeFigureOut">
               <a:rPr lang="zh-TW" altLang="en-US" smtClean="0"/>
+              <a:t>2020/12/31</a:t>
             </a:fld>
             <a:endParaRPr lang="zh-TW" altLang="en-US"/>
           </a:p>
@@ -2521,6 +2527,7 @@
           <a:p>
             <a:fld id="{66948218-C322-45BE-9FDC-C54B13FA0279}" type="slidenum">
               <a:rPr lang="zh-TW" altLang="en-US" smtClean="0"/>
+              <a:t>‹#›</a:t>
             </a:fld>
             <a:endParaRPr lang="zh-TW" altLang="en-US"/>
           </a:p>
@@ -2540,7 +2547,7 @@
     <p:bg>
       <p:bgPr>
         <a:blipFill dpi="0" rotWithShape="1">
-          <a:blip r:embed="rId12"/>
+          <a:blip r:embed="rId13"/>
           <a:srcRect/>
           <a:tile tx="0" ty="0" sx="100000" sy="100000" flip="none" algn="tl"/>
         </a:blipFill>
@@ -2624,7 +2631,6 @@
               <a:rPr lang="zh-TW" altLang="en-US" smtClean="0"/>
               <a:t>按一下以編輯母片文字樣式</a:t>
             </a:r>
-            <a:endParaRPr lang="zh-TW" altLang="en-US" smtClean="0"/>
           </a:p>
           <a:p>
             <a:pPr lvl="1"/>
@@ -2632,7 +2638,6 @@
               <a:rPr lang="zh-TW" altLang="en-US" smtClean="0"/>
               <a:t>第二層</a:t>
             </a:r>
-            <a:endParaRPr lang="zh-TW" altLang="en-US" smtClean="0"/>
           </a:p>
           <a:p>
             <a:pPr lvl="2"/>
@@ -2640,7 +2645,6 @@
               <a:rPr lang="zh-TW" altLang="en-US" smtClean="0"/>
               <a:t>第三層</a:t>
             </a:r>
-            <a:endParaRPr lang="zh-TW" altLang="en-US" smtClean="0"/>
           </a:p>
           <a:p>
             <a:pPr lvl="3"/>
@@ -2648,7 +2652,6 @@
               <a:rPr lang="zh-TW" altLang="en-US" smtClean="0"/>
               <a:t>第四層</a:t>
             </a:r>
-            <a:endParaRPr lang="zh-TW" altLang="en-US" smtClean="0"/>
           </a:p>
           <a:p>
             <a:pPr lvl="4"/>
@@ -2695,6 +2698,7 @@
           <a:p>
             <a:fld id="{DE59D944-54CB-47B0-9464-FA766A8DDC46}" type="datetimeFigureOut">
               <a:rPr lang="zh-TW" altLang="en-US" smtClean="0"/>
+              <a:t>2020/12/31</a:t>
             </a:fld>
             <a:endParaRPr lang="zh-TW" altLang="en-US"/>
           </a:p>
@@ -2772,6 +2776,7 @@
           <a:p>
             <a:fld id="{66948218-C322-45BE-9FDC-C54B13FA0279}" type="slidenum">
               <a:rPr lang="zh-TW" altLang="en-US" smtClean="0"/>
+              <a:t>‹#›</a:t>
             </a:fld>
             <a:endParaRPr lang="zh-TW" altLang="en-US"/>
           </a:p>
@@ -3073,200 +3078,61 @@
             <p:ph type="title"/>
           </p:nvPr>
         </p:nvSpPr>
-        <p:spPr/>
-        <p:txBody>
-          <a:bodyPr>
-            <a:normAutofit/>
-          </a:bodyPr>
-          <a:lstStyle/>
-          <a:p>
-            <a:r>
-              <a:rPr lang="zh-TW" altLang="en-US" sz="4000" b="1" dirty="0" smtClean="0">
-                <a:solidFill>
-                  <a:srgbClr val="000066"/>
-                </a:solidFill>
-                <a:latin typeface="微軟正黑體" pitchFamily="34" charset="-120"/>
-                <a:ea typeface="微軟正黑體" pitchFamily="34" charset="-120"/>
-              </a:rPr>
-              <a:t>主恩典</a:t>
-            </a:r>
-            <a:endParaRPr lang="zh-TW" altLang="en-US" sz="4000" b="1" dirty="0">
-              <a:solidFill>
-                <a:srgbClr val="000066"/>
-              </a:solidFill>
-              <a:latin typeface="微軟正黑體" pitchFamily="34" charset="-120"/>
-              <a:ea typeface="微軟正黑體" pitchFamily="34" charset="-120"/>
-            </a:endParaRPr>
-          </a:p>
-        </p:txBody>
-      </p:sp>
-      <p:sp>
-        <p:nvSpPr>
-          <p:cNvPr id="5" name="內容版面配置區 4"/>
-          <p:cNvSpPr>
-            <a:spLocks noGrp="1"/>
-          </p:cNvSpPr>
-          <p:nvPr>
-            <p:ph idx="1"/>
-          </p:nvPr>
-        </p:nvSpPr>
-        <p:spPr/>
+        <p:spPr>
+          <a:xfrm>
+            <a:off x="0" y="2143135"/>
+            <a:ext cx="9144000" cy="857250"/>
+          </a:xfrm>
+        </p:spPr>
         <p:txBody>
           <a:bodyPr>
             <a:noAutofit/>
           </a:bodyPr>
           <a:lstStyle/>
           <a:p>
-            <a:pPr algn="ctr">
-              <a:buNone/>
-            </a:pPr>
-            <a:r>
-              <a:rPr lang="zh-TW" altLang="en-US" sz="4800" b="1" dirty="0">
+            <a:r>
+              <a:rPr lang="zh-TW" altLang="en-US" sz="5400" b="1" i="1" dirty="0">
                 <a:solidFill>
-                  <a:srgbClr val="000066"/>
+                  <a:srgbClr val="660033"/>
                 </a:solidFill>
-                <a:latin typeface="微軟正黑體" pitchFamily="34" charset="-120"/>
-                <a:ea typeface="微軟正黑體" pitchFamily="34" charset="-120"/>
-              </a:rPr>
-              <a:t>主恩典何等</a:t>
-            </a:r>
-            <a:r>
-              <a:rPr lang="zh-TW" altLang="en-US" sz="4800" b="1" dirty="0" smtClean="0">
-                <a:solidFill>
-                  <a:srgbClr val="000066"/>
-                </a:solidFill>
-                <a:latin typeface="微軟正黑體" pitchFamily="34" charset="-120"/>
-                <a:ea typeface="微軟正黑體" pitchFamily="34" charset="-120"/>
-              </a:rPr>
-              <a:t>美好</a:t>
-            </a:r>
-            <a:endParaRPr lang="en-US" altLang="zh-TW" sz="4800" b="1" dirty="0" smtClean="0">
-              <a:solidFill>
-                <a:srgbClr val="000066"/>
-              </a:solidFill>
-              <a:latin typeface="微軟正黑體" pitchFamily="34" charset="-120"/>
-              <a:ea typeface="微軟正黑體" pitchFamily="34" charset="-120"/>
-            </a:endParaRPr>
-          </a:p>
-          <a:p>
-            <a:pPr algn="ctr">
-              <a:buNone/>
-            </a:pPr>
-            <a:r>
-              <a:rPr lang="zh-TW" altLang="en-US" sz="4800" b="1" dirty="0" smtClean="0">
-                <a:solidFill>
-                  <a:srgbClr val="000066"/>
-                </a:solidFill>
-                <a:latin typeface="微軟正黑體" pitchFamily="34" charset="-120"/>
-                <a:ea typeface="微軟正黑體" pitchFamily="34" charset="-120"/>
-              </a:rPr>
-              <a:t>比</a:t>
-            </a:r>
-            <a:r>
-              <a:rPr lang="zh-TW" altLang="en-US" sz="4800" b="1" dirty="0">
-                <a:solidFill>
-                  <a:srgbClr val="000066"/>
-                </a:solidFill>
-                <a:latin typeface="微軟正黑體" pitchFamily="34" charset="-120"/>
-                <a:ea typeface="微軟正黑體" pitchFamily="34" charset="-120"/>
-              </a:rPr>
-              <a:t>海深也比山</a:t>
-            </a:r>
-            <a:r>
-              <a:rPr lang="zh-TW" altLang="en-US" sz="4800" b="1" dirty="0" smtClean="0">
-                <a:solidFill>
-                  <a:srgbClr val="000066"/>
-                </a:solidFill>
-                <a:latin typeface="微軟正黑體" pitchFamily="34" charset="-120"/>
-                <a:ea typeface="微軟正黑體" pitchFamily="34" charset="-120"/>
-              </a:rPr>
-              <a:t>高</a:t>
-            </a:r>
-            <a:endParaRPr lang="en-US" altLang="zh-TW" sz="4800" b="1" dirty="0">
-              <a:solidFill>
-                <a:srgbClr val="000066"/>
-              </a:solidFill>
-              <a:latin typeface="微軟正黑體" pitchFamily="34" charset="-120"/>
-              <a:ea typeface="微軟正黑體" pitchFamily="34" charset="-120"/>
-            </a:endParaRPr>
-          </a:p>
-          <a:p>
-            <a:pPr algn="ctr">
-              <a:buNone/>
-            </a:pPr>
-            <a:r>
-              <a:rPr lang="zh-TW" altLang="en-US" sz="4800" b="1" dirty="0" smtClean="0">
-                <a:solidFill>
-                  <a:srgbClr val="000066"/>
-                </a:solidFill>
-                <a:latin typeface="微軟正黑體" pitchFamily="34" charset="-120"/>
-                <a:ea typeface="微軟正黑體" pitchFamily="34" charset="-120"/>
-              </a:rPr>
-              <a:t>過去</a:t>
-            </a:r>
-            <a:r>
-              <a:rPr lang="zh-TW" altLang="en-US" sz="4800" b="1" dirty="0">
-                <a:solidFill>
-                  <a:srgbClr val="000066"/>
-                </a:solidFill>
-                <a:latin typeface="微軟正黑體" pitchFamily="34" charset="-120"/>
-                <a:ea typeface="微軟正黑體" pitchFamily="34" charset="-120"/>
-              </a:rPr>
-              <a:t>現在和</a:t>
-            </a:r>
-            <a:r>
-              <a:rPr lang="zh-TW" altLang="en-US" sz="4800" b="1" dirty="0" smtClean="0">
-                <a:solidFill>
-                  <a:srgbClr val="000066"/>
-                </a:solidFill>
-                <a:latin typeface="微軟正黑體" pitchFamily="34" charset="-120"/>
-                <a:ea typeface="微軟正黑體" pitchFamily="34" charset="-120"/>
-              </a:rPr>
-              <a:t>未來</a:t>
-            </a:r>
-            <a:endParaRPr lang="en-US" altLang="zh-TW" sz="4800" b="1" dirty="0" smtClean="0">
-              <a:solidFill>
-                <a:srgbClr val="000066"/>
-              </a:solidFill>
-              <a:latin typeface="微軟正黑體" pitchFamily="34" charset="-120"/>
-              <a:ea typeface="微軟正黑體" pitchFamily="34" charset="-120"/>
-            </a:endParaRPr>
-          </a:p>
-          <a:p>
-            <a:pPr algn="ctr">
-              <a:buNone/>
-            </a:pPr>
-            <a:r>
-              <a:rPr lang="zh-TW" altLang="en-US" sz="4800" b="1" dirty="0" smtClean="0">
-                <a:solidFill>
-                  <a:srgbClr val="000066"/>
-                </a:solidFill>
+                <a:effectLst>
+                  <a:outerShdw blurRad="38100" dist="38100" dir="2700000" algn="tl">
+                    <a:srgbClr val="000000">
+                      <a:alpha val="43137"/>
+                    </a:srgbClr>
+                  </a:outerShdw>
+                </a:effectLst>
                 <a:latin typeface="微軟正黑體" pitchFamily="34" charset="-120"/>
                 <a:ea typeface="微軟正黑體" pitchFamily="34" charset="-120"/>
               </a:rPr>
               <a:t>主</a:t>
             </a:r>
             <a:r>
-              <a:rPr lang="zh-TW" altLang="en-US" sz="4800" b="1" dirty="0">
+              <a:rPr lang="zh-TW" altLang="en-US" sz="5400" b="1" i="1" dirty="0">
                 <a:solidFill>
-                  <a:srgbClr val="000066"/>
+                  <a:srgbClr val="660033"/>
                 </a:solidFill>
+                <a:effectLst>
+                  <a:outerShdw blurRad="38100" dist="38100" dir="2700000" algn="tl">
+                    <a:srgbClr val="000000">
+                      <a:alpha val="43137"/>
+                    </a:srgbClr>
+                  </a:outerShdw>
+                </a:effectLst>
                 <a:latin typeface="微軟正黑體" pitchFamily="34" charset="-120"/>
                 <a:ea typeface="微軟正黑體" pitchFamily="34" charset="-120"/>
               </a:rPr>
-              <a:t>恩豐富奇妙</a:t>
-            </a:r>
-            <a:endParaRPr lang="zh-TW" altLang="en-US" sz="4800" b="1" dirty="0">
-              <a:solidFill>
-                <a:srgbClr val="000066"/>
-              </a:solidFill>
-              <a:latin typeface="微軟正黑體" pitchFamily="34" charset="-120"/>
-              <a:ea typeface="微軟正黑體" pitchFamily="34" charset="-120"/>
-            </a:endParaRPr>
+              <a:t>恩典</a:t>
+            </a:r>
           </a:p>
         </p:txBody>
       </p:sp>
     </p:spTree>
+    <p:extLst>
+      <p:ext uri="{BB962C8B-B14F-4D97-AF65-F5344CB8AC3E}">
+        <p14:creationId xmlns:p14="http://schemas.microsoft.com/office/powerpoint/2010/main" val="1558513769"/>
+      </p:ext>
+    </p:extLst>
   </p:cSld>
   <p:clrMapOvr>
     <a:masterClrMapping/>
@@ -3293,43 +3159,6 @@
       </p:grpSpPr>
       <p:sp>
         <p:nvSpPr>
-          <p:cNvPr id="4" name="標題 3"/>
-          <p:cNvSpPr>
-            <a:spLocks noGrp="1"/>
-          </p:cNvSpPr>
-          <p:nvPr>
-            <p:ph type="title"/>
-          </p:nvPr>
-        </p:nvSpPr>
-        <p:spPr/>
-        <p:txBody>
-          <a:bodyPr>
-            <a:normAutofit/>
-          </a:bodyPr>
-          <a:lstStyle/>
-          <a:p>
-            <a:r>
-              <a:rPr lang="zh-TW" altLang="en-US" sz="4000" b="1" dirty="0">
-                <a:solidFill>
-                  <a:srgbClr val="000066"/>
-                </a:solidFill>
-                <a:latin typeface="微軟正黑體" pitchFamily="34" charset="-120"/>
-                <a:ea typeface="微軟正黑體" pitchFamily="34" charset="-120"/>
-              </a:rPr>
-              <a:t>主恩典</a:t>
-            </a:r>
-            <a:endParaRPr lang="zh-TW" altLang="en-US" sz="4000" b="1" dirty="0">
-              <a:solidFill>
-                <a:srgbClr val="000066"/>
-              </a:solidFill>
-              <a:latin typeface="微軟正黑體" pitchFamily="34" charset="-120"/>
-              <a:ea typeface="微軟正黑體" pitchFamily="34" charset="-120"/>
-            </a:endParaRPr>
-          </a:p>
-        </p:txBody>
-      </p:sp>
-      <p:sp>
-        <p:nvSpPr>
           <p:cNvPr id="5" name="內容版面配置區 4"/>
           <p:cNvSpPr>
             <a:spLocks noGrp="1"/>
@@ -3338,9 +3167,14 @@
             <p:ph idx="1"/>
           </p:nvPr>
         </p:nvSpPr>
-        <p:spPr/>
-        <p:txBody>
-          <a:bodyPr>
+        <p:spPr>
+          <a:xfrm>
+            <a:off x="0" y="1563639"/>
+            <a:ext cx="9144000" cy="1803647"/>
+          </a:xfrm>
+        </p:spPr>
+        <p:txBody>
+          <a:bodyPr anchor="ctr">
             <a:noAutofit/>
           </a:bodyPr>
           <a:lstStyle/>
@@ -3351,19 +3185,29 @@
             <a:r>
               <a:rPr lang="zh-TW" altLang="en-US" sz="4800" b="1" dirty="0">
                 <a:solidFill>
-                  <a:srgbClr val="000066"/>
+                  <a:srgbClr val="660033"/>
                 </a:solidFill>
-                <a:latin typeface="微軟正黑體" pitchFamily="34" charset="-120"/>
-                <a:ea typeface="微軟正黑體" pitchFamily="34" charset="-120"/>
+                <a:latin typeface="Microsoft JhengHei" panose="020B0604030504040204" pitchFamily="34" charset="-120"/>
+                <a:ea typeface="Microsoft JhengHei" panose="020B0604030504040204" pitchFamily="34" charset="-120"/>
               </a:rPr>
-              <a:t>主的恩典大大小小</a:t>
+              <a:t>主</a:t>
+            </a:r>
+            <a:r>
+              <a:rPr lang="zh-TW" altLang="en-US" sz="4800" b="1" dirty="0">
+                <a:solidFill>
+                  <a:srgbClr val="660033"/>
+                </a:solidFill>
+                <a:latin typeface="Microsoft JhengHei" panose="020B0604030504040204" pitchFamily="34" charset="-120"/>
+                <a:ea typeface="Microsoft JhengHei" panose="020B0604030504040204" pitchFamily="34" charset="-120"/>
+              </a:rPr>
+              <a:t>恩典何等美好</a:t>
             </a:r>
             <a:endParaRPr lang="en-US" altLang="zh-TW" sz="4800" b="1" dirty="0">
               <a:solidFill>
-                <a:srgbClr val="000066"/>
+                <a:srgbClr val="660033"/>
               </a:solidFill>
-              <a:latin typeface="微軟正黑體" pitchFamily="34" charset="-120"/>
-              <a:ea typeface="微軟正黑體" pitchFamily="34" charset="-120"/>
+              <a:latin typeface="Microsoft JhengHei" panose="020B0604030504040204" pitchFamily="34" charset="-120"/>
+              <a:ea typeface="Microsoft JhengHei" panose="020B0604030504040204" pitchFamily="34" charset="-120"/>
             </a:endParaRPr>
           </a:p>
           <a:p>
@@ -3373,68 +3217,29 @@
             <a:r>
               <a:rPr lang="zh-TW" altLang="en-US" sz="4800" b="1" dirty="0">
                 <a:solidFill>
-                  <a:srgbClr val="000066"/>
+                  <a:srgbClr val="660033"/>
                 </a:solidFill>
-                <a:latin typeface="微軟正黑體" pitchFamily="34" charset="-120"/>
-                <a:ea typeface="微軟正黑體" pitchFamily="34" charset="-120"/>
+                <a:latin typeface="Microsoft JhengHei" panose="020B0604030504040204" pitchFamily="34" charset="-120"/>
+                <a:ea typeface="Microsoft JhengHei" panose="020B0604030504040204" pitchFamily="34" charset="-120"/>
               </a:rPr>
-              <a:t>主的恩典從頭到腳</a:t>
+              <a:t>比海深也比山高</a:t>
             </a:r>
             <a:endParaRPr lang="en-US" altLang="zh-TW" sz="4800" b="1" dirty="0">
               <a:solidFill>
-                <a:srgbClr val="000066"/>
+                <a:srgbClr val="660033"/>
               </a:solidFill>
-              <a:latin typeface="微軟正黑體" pitchFamily="34" charset="-120"/>
-              <a:ea typeface="微軟正黑體" pitchFamily="34" charset="-120"/>
+              <a:latin typeface="Microsoft JhengHei" panose="020B0604030504040204" pitchFamily="34" charset="-120"/>
+              <a:ea typeface="Microsoft JhengHei" panose="020B0604030504040204" pitchFamily="34" charset="-120"/>
             </a:endParaRPr>
           </a:p>
-          <a:p>
-            <a:pPr algn="ctr">
-              <a:buNone/>
-            </a:pPr>
-            <a:r>
-              <a:rPr lang="zh-TW" altLang="en-US" sz="4800" b="1" dirty="0">
-                <a:solidFill>
-                  <a:srgbClr val="000066"/>
-                </a:solidFill>
-                <a:latin typeface="微軟正黑體" pitchFamily="34" charset="-120"/>
-                <a:ea typeface="微軟正黑體" pitchFamily="34" charset="-120"/>
-              </a:rPr>
-              <a:t>白白得來不能忘掉</a:t>
-            </a:r>
-            <a:endParaRPr lang="en-US" altLang="zh-TW" sz="4800" b="1" dirty="0">
-              <a:solidFill>
-                <a:srgbClr val="000066"/>
-              </a:solidFill>
-              <a:latin typeface="微軟正黑體" pitchFamily="34" charset="-120"/>
-              <a:ea typeface="微軟正黑體" pitchFamily="34" charset="-120"/>
-            </a:endParaRPr>
-          </a:p>
-          <a:p>
-            <a:pPr algn="ctr">
-              <a:buNone/>
-            </a:pPr>
-            <a:r>
-              <a:rPr lang="zh-TW" altLang="en-US" sz="4800" b="1" dirty="0">
-                <a:solidFill>
-                  <a:srgbClr val="000066"/>
-                </a:solidFill>
-                <a:latin typeface="微軟正黑體" pitchFamily="34" charset="-120"/>
-                <a:ea typeface="微軟正黑體" pitchFamily="34" charset="-120"/>
-              </a:rPr>
-              <a:t>感謝湧出如浪潮</a:t>
-            </a:r>
-            <a:endParaRPr lang="zh-TW" altLang="en-US" sz="4800" b="1" dirty="0">
-              <a:solidFill>
-                <a:srgbClr val="000066"/>
-              </a:solidFill>
-              <a:latin typeface="微軟正黑體" pitchFamily="34" charset="-120"/>
-              <a:ea typeface="微軟正黑體" pitchFamily="34" charset="-120"/>
-            </a:endParaRPr>
-          </a:p>
         </p:txBody>
       </p:sp>
     </p:spTree>
+    <p:extLst>
+      <p:ext uri="{BB962C8B-B14F-4D97-AF65-F5344CB8AC3E}">
+        <p14:creationId xmlns:p14="http://schemas.microsoft.com/office/powerpoint/2010/main" val="2512633688"/>
+      </p:ext>
+    </p:extLst>
   </p:cSld>
   <p:clrMapOvr>
     <a:masterClrMapping/>
@@ -3461,43 +3266,6 @@
       </p:grpSpPr>
       <p:sp>
         <p:nvSpPr>
-          <p:cNvPr id="4" name="標題 3"/>
-          <p:cNvSpPr>
-            <a:spLocks noGrp="1"/>
-          </p:cNvSpPr>
-          <p:nvPr>
-            <p:ph type="title"/>
-          </p:nvPr>
-        </p:nvSpPr>
-        <p:spPr/>
-        <p:txBody>
-          <a:bodyPr>
-            <a:normAutofit/>
-          </a:bodyPr>
-          <a:lstStyle/>
-          <a:p>
-            <a:r>
-              <a:rPr lang="zh-TW" altLang="en-US" sz="4000" b="1" dirty="0">
-                <a:solidFill>
-                  <a:srgbClr val="000066"/>
-                </a:solidFill>
-                <a:latin typeface="微軟正黑體" pitchFamily="34" charset="-120"/>
-                <a:ea typeface="微軟正黑體" pitchFamily="34" charset="-120"/>
-              </a:rPr>
-              <a:t>主恩典</a:t>
-            </a:r>
-            <a:endParaRPr lang="zh-TW" altLang="en-US" sz="4000" b="1" dirty="0">
-              <a:solidFill>
-                <a:srgbClr val="000066"/>
-              </a:solidFill>
-              <a:latin typeface="微軟正黑體" pitchFamily="34" charset="-120"/>
-              <a:ea typeface="微軟正黑體" pitchFamily="34" charset="-120"/>
-            </a:endParaRPr>
-          </a:p>
-        </p:txBody>
-      </p:sp>
-      <p:sp>
-        <p:nvSpPr>
           <p:cNvPr id="5" name="內容版面配置區 4"/>
           <p:cNvSpPr>
             <a:spLocks noGrp="1"/>
@@ -3508,13 +3276,13 @@
         </p:nvSpPr>
         <p:spPr>
           <a:xfrm>
-            <a:off x="0" y="1200150"/>
-            <a:ext cx="9144000" cy="3943350"/>
+            <a:off x="0" y="1563639"/>
+            <a:ext cx="9144000" cy="1803647"/>
           </a:xfrm>
         </p:spPr>
         <p:txBody>
-          <a:bodyPr>
-            <a:normAutofit/>
+          <a:bodyPr anchor="ctr">
+            <a:noAutofit/>
           </a:bodyPr>
           <a:lstStyle/>
           <a:p>
@@ -3524,39 +3292,503 @@
             <a:r>
               <a:rPr lang="zh-TW" altLang="en-US" sz="4800" b="1" dirty="0">
                 <a:solidFill>
-                  <a:srgbClr val="000066"/>
+                  <a:srgbClr val="660033"/>
                 </a:solidFill>
-                <a:latin typeface="微軟正黑體" pitchFamily="34" charset="-120"/>
-                <a:ea typeface="微軟正黑體" pitchFamily="34" charset="-120"/>
+                <a:latin typeface="Microsoft JhengHei" panose="020B0604030504040204" pitchFamily="34" charset="-120"/>
+                <a:ea typeface="Microsoft JhengHei" panose="020B0604030504040204" pitchFamily="34" charset="-120"/>
+              </a:rPr>
+              <a:t>過去現在和未來</a:t>
+            </a:r>
+            <a:endParaRPr lang="en-US" altLang="zh-TW" sz="4800" b="1" dirty="0">
+              <a:solidFill>
+                <a:srgbClr val="660033"/>
+              </a:solidFill>
+              <a:latin typeface="Microsoft JhengHei" panose="020B0604030504040204" pitchFamily="34" charset="-120"/>
+              <a:ea typeface="Microsoft JhengHei" panose="020B0604030504040204" pitchFamily="34" charset="-120"/>
+            </a:endParaRPr>
+          </a:p>
+          <a:p>
+            <a:pPr algn="ctr">
+              <a:buNone/>
+            </a:pPr>
+            <a:r>
+              <a:rPr lang="zh-TW" altLang="en-US" sz="4800" b="1" dirty="0">
+                <a:solidFill>
+                  <a:srgbClr val="660033"/>
+                </a:solidFill>
+                <a:latin typeface="Microsoft JhengHei" panose="020B0604030504040204" pitchFamily="34" charset="-120"/>
+                <a:ea typeface="Microsoft JhengHei" panose="020B0604030504040204" pitchFamily="34" charset="-120"/>
+              </a:rPr>
+              <a:t>主恩豐富奇妙</a:t>
+            </a:r>
+          </a:p>
+        </p:txBody>
+      </p:sp>
+    </p:spTree>
+    <p:extLst>
+      <p:ext uri="{BB962C8B-B14F-4D97-AF65-F5344CB8AC3E}">
+        <p14:creationId xmlns:p14="http://schemas.microsoft.com/office/powerpoint/2010/main" val="1826592239"/>
+      </p:ext>
+    </p:extLst>
+  </p:cSld>
+  <p:clrMapOvr>
+    <a:masterClrMapping/>
+  </p:clrMapOvr>
+</p:sld>
+</file>
+
+<file path=ppt/slides/slide4.xml><?xml version="1.0" encoding="utf-8"?>
+<p:sld xmlns:a="http://schemas.openxmlformats.org/drawingml/2006/main" xmlns:r="http://schemas.openxmlformats.org/officeDocument/2006/relationships" xmlns:p="http://schemas.openxmlformats.org/presentationml/2006/main">
+  <p:cSld>
+    <p:spTree>
+      <p:nvGrpSpPr>
+        <p:cNvPr id="1" name=""/>
+        <p:cNvGrpSpPr/>
+        <p:nvPr/>
+      </p:nvGrpSpPr>
+      <p:grpSpPr>
+        <a:xfrm>
+          <a:off x="0" y="0"/>
+          <a:ext cx="0" cy="0"/>
+          <a:chOff x="0" y="0"/>
+          <a:chExt cx="0" cy="0"/>
+        </a:xfrm>
+      </p:grpSpPr>
+      <p:sp>
+        <p:nvSpPr>
+          <p:cNvPr id="5" name="內容版面配置區 4"/>
+          <p:cNvSpPr>
+            <a:spLocks noGrp="1"/>
+          </p:cNvSpPr>
+          <p:nvPr>
+            <p:ph idx="1"/>
+          </p:nvPr>
+        </p:nvSpPr>
+        <p:spPr>
+          <a:xfrm>
+            <a:off x="0" y="1563639"/>
+            <a:ext cx="9144000" cy="1803647"/>
+          </a:xfrm>
+        </p:spPr>
+        <p:txBody>
+          <a:bodyPr anchor="ctr">
+            <a:noAutofit/>
+          </a:bodyPr>
+          <a:lstStyle/>
+          <a:p>
+            <a:pPr algn="ctr">
+              <a:buNone/>
+            </a:pPr>
+            <a:r>
+              <a:rPr lang="zh-TW" altLang="en-US" sz="4800" b="1" dirty="0">
+                <a:solidFill>
+                  <a:srgbClr val="660033"/>
+                </a:solidFill>
+                <a:latin typeface="Microsoft JhengHei" panose="020B0604030504040204" pitchFamily="34" charset="-120"/>
+                <a:ea typeface="Microsoft JhengHei" panose="020B0604030504040204" pitchFamily="34" charset="-120"/>
+              </a:rPr>
+              <a:t>主的恩典大大小小</a:t>
+            </a:r>
+            <a:endParaRPr lang="en-US" altLang="zh-TW" sz="4800" b="1" dirty="0">
+              <a:solidFill>
+                <a:srgbClr val="660033"/>
+              </a:solidFill>
+              <a:latin typeface="Microsoft JhengHei" panose="020B0604030504040204" pitchFamily="34" charset="-120"/>
+              <a:ea typeface="Microsoft JhengHei" panose="020B0604030504040204" pitchFamily="34" charset="-120"/>
+            </a:endParaRPr>
+          </a:p>
+          <a:p>
+            <a:pPr algn="ctr">
+              <a:buNone/>
+            </a:pPr>
+            <a:r>
+              <a:rPr lang="zh-TW" altLang="en-US" sz="4800" b="1" dirty="0">
+                <a:solidFill>
+                  <a:srgbClr val="660033"/>
+                </a:solidFill>
+                <a:latin typeface="Microsoft JhengHei" panose="020B0604030504040204" pitchFamily="34" charset="-120"/>
+                <a:ea typeface="Microsoft JhengHei" panose="020B0604030504040204" pitchFamily="34" charset="-120"/>
+              </a:rPr>
+              <a:t>主的恩典從頭到腳</a:t>
+            </a:r>
+            <a:endParaRPr lang="en-US" altLang="zh-TW" sz="4800" b="1" dirty="0">
+              <a:solidFill>
+                <a:srgbClr val="660033"/>
+              </a:solidFill>
+              <a:latin typeface="Microsoft JhengHei" panose="020B0604030504040204" pitchFamily="34" charset="-120"/>
+              <a:ea typeface="Microsoft JhengHei" panose="020B0604030504040204" pitchFamily="34" charset="-120"/>
+            </a:endParaRPr>
+          </a:p>
+        </p:txBody>
+      </p:sp>
+    </p:spTree>
+    <p:extLst>
+      <p:ext uri="{BB962C8B-B14F-4D97-AF65-F5344CB8AC3E}">
+        <p14:creationId xmlns:p14="http://schemas.microsoft.com/office/powerpoint/2010/main" val="60959023"/>
+      </p:ext>
+    </p:extLst>
+  </p:cSld>
+  <p:clrMapOvr>
+    <a:masterClrMapping/>
+  </p:clrMapOvr>
+</p:sld>
+</file>
+
+<file path=ppt/slides/slide5.xml><?xml version="1.0" encoding="utf-8"?>
+<p:sld xmlns:a="http://schemas.openxmlformats.org/drawingml/2006/main" xmlns:r="http://schemas.openxmlformats.org/officeDocument/2006/relationships" xmlns:p="http://schemas.openxmlformats.org/presentationml/2006/main">
+  <p:cSld>
+    <p:spTree>
+      <p:nvGrpSpPr>
+        <p:cNvPr id="1" name=""/>
+        <p:cNvGrpSpPr/>
+        <p:nvPr/>
+      </p:nvGrpSpPr>
+      <p:grpSpPr>
+        <a:xfrm>
+          <a:off x="0" y="0"/>
+          <a:ext cx="0" cy="0"/>
+          <a:chOff x="0" y="0"/>
+          <a:chExt cx="0" cy="0"/>
+        </a:xfrm>
+      </p:grpSpPr>
+      <p:sp>
+        <p:nvSpPr>
+          <p:cNvPr id="5" name="內容版面配置區 4"/>
+          <p:cNvSpPr>
+            <a:spLocks noGrp="1"/>
+          </p:cNvSpPr>
+          <p:nvPr>
+            <p:ph idx="1"/>
+          </p:nvPr>
+        </p:nvSpPr>
+        <p:spPr>
+          <a:xfrm>
+            <a:off x="0" y="1563639"/>
+            <a:ext cx="9144000" cy="1803647"/>
+          </a:xfrm>
+        </p:spPr>
+        <p:txBody>
+          <a:bodyPr anchor="ctr">
+            <a:noAutofit/>
+          </a:bodyPr>
+          <a:lstStyle/>
+          <a:p>
+            <a:pPr algn="ctr">
+              <a:buNone/>
+            </a:pPr>
+            <a:r>
+              <a:rPr lang="zh-TW" altLang="en-US" sz="4800" b="1" dirty="0">
+                <a:solidFill>
+                  <a:srgbClr val="660033"/>
+                </a:solidFill>
+                <a:latin typeface="Microsoft JhengHei" panose="020B0604030504040204" pitchFamily="34" charset="-120"/>
+                <a:ea typeface="Microsoft JhengHei" panose="020B0604030504040204" pitchFamily="34" charset="-120"/>
+              </a:rPr>
+              <a:t>白白得來不能忘掉</a:t>
+            </a:r>
+            <a:endParaRPr lang="en-US" altLang="zh-TW" sz="4800" b="1" dirty="0">
+              <a:solidFill>
+                <a:srgbClr val="660033"/>
+              </a:solidFill>
+              <a:latin typeface="Microsoft JhengHei" panose="020B0604030504040204" pitchFamily="34" charset="-120"/>
+              <a:ea typeface="Microsoft JhengHei" panose="020B0604030504040204" pitchFamily="34" charset="-120"/>
+            </a:endParaRPr>
+          </a:p>
+          <a:p>
+            <a:pPr algn="ctr">
+              <a:buNone/>
+            </a:pPr>
+            <a:r>
+              <a:rPr lang="zh-TW" altLang="en-US" sz="4800" b="1" dirty="0">
+                <a:solidFill>
+                  <a:srgbClr val="660033"/>
+                </a:solidFill>
+                <a:latin typeface="Microsoft JhengHei" panose="020B0604030504040204" pitchFamily="34" charset="-120"/>
+                <a:ea typeface="Microsoft JhengHei" panose="020B0604030504040204" pitchFamily="34" charset="-120"/>
+              </a:rPr>
+              <a:t>感謝湧出如浪潮</a:t>
+            </a:r>
+          </a:p>
+        </p:txBody>
+      </p:sp>
+    </p:spTree>
+    <p:extLst>
+      <p:ext uri="{BB962C8B-B14F-4D97-AF65-F5344CB8AC3E}">
+        <p14:creationId xmlns:p14="http://schemas.microsoft.com/office/powerpoint/2010/main" val="373147399"/>
+      </p:ext>
+    </p:extLst>
+  </p:cSld>
+  <p:clrMapOvr>
+    <a:masterClrMapping/>
+  </p:clrMapOvr>
+</p:sld>
+</file>
+
+<file path=ppt/slides/slide6.xml><?xml version="1.0" encoding="utf-8"?>
+<p:sld xmlns:a="http://schemas.openxmlformats.org/drawingml/2006/main" xmlns:r="http://schemas.openxmlformats.org/officeDocument/2006/relationships" xmlns:p="http://schemas.openxmlformats.org/presentationml/2006/main">
+  <p:cSld>
+    <p:spTree>
+      <p:nvGrpSpPr>
+        <p:cNvPr id="1" name=""/>
+        <p:cNvGrpSpPr/>
+        <p:nvPr/>
+      </p:nvGrpSpPr>
+      <p:grpSpPr>
+        <a:xfrm>
+          <a:off x="0" y="0"/>
+          <a:ext cx="0" cy="0"/>
+          <a:chOff x="0" y="0"/>
+          <a:chExt cx="0" cy="0"/>
+        </a:xfrm>
+      </p:grpSpPr>
+      <p:sp>
+        <p:nvSpPr>
+          <p:cNvPr id="5" name="內容版面配置區 4"/>
+          <p:cNvSpPr>
+            <a:spLocks noGrp="1"/>
+          </p:cNvSpPr>
+          <p:nvPr>
+            <p:ph idx="1"/>
+          </p:nvPr>
+        </p:nvSpPr>
+        <p:spPr>
+          <a:xfrm>
+            <a:off x="0" y="1563639"/>
+            <a:ext cx="9144000" cy="1803647"/>
+          </a:xfrm>
+        </p:spPr>
+        <p:txBody>
+          <a:bodyPr anchor="ctr">
+            <a:noAutofit/>
+          </a:bodyPr>
+          <a:lstStyle/>
+          <a:p>
+            <a:pPr algn="ctr">
+              <a:buNone/>
+            </a:pPr>
+            <a:r>
+              <a:rPr lang="zh-TW" altLang="en-US" sz="4800" b="1" dirty="0">
+                <a:solidFill>
+                  <a:srgbClr val="660033"/>
+                </a:solidFill>
+                <a:latin typeface="Microsoft JhengHei" panose="020B0604030504040204" pitchFamily="34" charset="-120"/>
+                <a:ea typeface="Microsoft JhengHei" panose="020B0604030504040204" pitchFamily="34" charset="-120"/>
+              </a:rPr>
+              <a:t>主的恩典大大小小</a:t>
+            </a:r>
+            <a:endParaRPr lang="en-US" altLang="zh-TW" sz="4800" b="1" dirty="0">
+              <a:solidFill>
+                <a:srgbClr val="660033"/>
+              </a:solidFill>
+              <a:latin typeface="Microsoft JhengHei" panose="020B0604030504040204" pitchFamily="34" charset="-120"/>
+              <a:ea typeface="Microsoft JhengHei" panose="020B0604030504040204" pitchFamily="34" charset="-120"/>
+            </a:endParaRPr>
+          </a:p>
+          <a:p>
+            <a:pPr algn="ctr">
+              <a:buNone/>
+            </a:pPr>
+            <a:r>
+              <a:rPr lang="zh-TW" altLang="en-US" sz="4800" b="1" dirty="0">
+                <a:solidFill>
+                  <a:srgbClr val="660033"/>
+                </a:solidFill>
+                <a:latin typeface="Microsoft JhengHei" panose="020B0604030504040204" pitchFamily="34" charset="-120"/>
+                <a:ea typeface="Microsoft JhengHei" panose="020B0604030504040204" pitchFamily="34" charset="-120"/>
+              </a:rPr>
+              <a:t>主的恩典從頭到腳</a:t>
+            </a:r>
+            <a:endParaRPr lang="en-US" altLang="zh-TW" sz="4800" b="1" dirty="0">
+              <a:solidFill>
+                <a:srgbClr val="660033"/>
+              </a:solidFill>
+              <a:latin typeface="Microsoft JhengHei" panose="020B0604030504040204" pitchFamily="34" charset="-120"/>
+              <a:ea typeface="Microsoft JhengHei" panose="020B0604030504040204" pitchFamily="34" charset="-120"/>
+            </a:endParaRPr>
+          </a:p>
+        </p:txBody>
+      </p:sp>
+    </p:spTree>
+    <p:extLst>
+      <p:ext uri="{BB962C8B-B14F-4D97-AF65-F5344CB8AC3E}">
+        <p14:creationId xmlns:p14="http://schemas.microsoft.com/office/powerpoint/2010/main" val="391463972"/>
+      </p:ext>
+    </p:extLst>
+  </p:cSld>
+  <p:clrMapOvr>
+    <a:masterClrMapping/>
+  </p:clrMapOvr>
+</p:sld>
+</file>
+
+<file path=ppt/slides/slide7.xml><?xml version="1.0" encoding="utf-8"?>
+<p:sld xmlns:a="http://schemas.openxmlformats.org/drawingml/2006/main" xmlns:r="http://schemas.openxmlformats.org/officeDocument/2006/relationships" xmlns:p="http://schemas.openxmlformats.org/presentationml/2006/main">
+  <p:cSld>
+    <p:spTree>
+      <p:nvGrpSpPr>
+        <p:cNvPr id="1" name=""/>
+        <p:cNvGrpSpPr/>
+        <p:nvPr/>
+      </p:nvGrpSpPr>
+      <p:grpSpPr>
+        <a:xfrm>
+          <a:off x="0" y="0"/>
+          <a:ext cx="0" cy="0"/>
+          <a:chOff x="0" y="0"/>
+          <a:chExt cx="0" cy="0"/>
+        </a:xfrm>
+      </p:grpSpPr>
+      <p:sp>
+        <p:nvSpPr>
+          <p:cNvPr id="5" name="內容版面配置區 4"/>
+          <p:cNvSpPr>
+            <a:spLocks noGrp="1"/>
+          </p:cNvSpPr>
+          <p:nvPr>
+            <p:ph idx="1"/>
+          </p:nvPr>
+        </p:nvSpPr>
+        <p:spPr>
+          <a:xfrm>
+            <a:off x="0" y="1563639"/>
+            <a:ext cx="9144000" cy="1803647"/>
+          </a:xfrm>
+        </p:spPr>
+        <p:txBody>
+          <a:bodyPr anchor="ctr">
+            <a:noAutofit/>
+          </a:bodyPr>
+          <a:lstStyle/>
+          <a:p>
+            <a:pPr algn="ctr">
+              <a:buNone/>
+            </a:pPr>
+            <a:r>
+              <a:rPr lang="zh-TW" altLang="en-US" sz="4800" b="1" dirty="0">
+                <a:solidFill>
+                  <a:srgbClr val="660033"/>
+                </a:solidFill>
+                <a:latin typeface="Microsoft JhengHei" panose="020B0604030504040204" pitchFamily="34" charset="-120"/>
+                <a:ea typeface="Microsoft JhengHei" panose="020B0604030504040204" pitchFamily="34" charset="-120"/>
+              </a:rPr>
+              <a:t>白白得來不能忘掉</a:t>
+            </a:r>
+            <a:endParaRPr lang="en-US" altLang="zh-TW" sz="4800" b="1" dirty="0">
+              <a:solidFill>
+                <a:srgbClr val="660033"/>
+              </a:solidFill>
+              <a:latin typeface="Microsoft JhengHei" panose="020B0604030504040204" pitchFamily="34" charset="-120"/>
+              <a:ea typeface="Microsoft JhengHei" panose="020B0604030504040204" pitchFamily="34" charset="-120"/>
+            </a:endParaRPr>
+          </a:p>
+          <a:p>
+            <a:pPr algn="ctr">
+              <a:buNone/>
+            </a:pPr>
+            <a:r>
+              <a:rPr lang="zh-TW" altLang="en-US" sz="4800" b="1" dirty="0">
+                <a:solidFill>
+                  <a:srgbClr val="660033"/>
+                </a:solidFill>
+                <a:latin typeface="Microsoft JhengHei" panose="020B0604030504040204" pitchFamily="34" charset="-120"/>
+                <a:ea typeface="Microsoft JhengHei" panose="020B0604030504040204" pitchFamily="34" charset="-120"/>
+              </a:rPr>
+              <a:t>感謝湧出如浪潮</a:t>
+            </a:r>
+          </a:p>
+        </p:txBody>
+      </p:sp>
+    </p:spTree>
+    <p:extLst>
+      <p:ext uri="{BB962C8B-B14F-4D97-AF65-F5344CB8AC3E}">
+        <p14:creationId xmlns:p14="http://schemas.microsoft.com/office/powerpoint/2010/main" val="2217436583"/>
+      </p:ext>
+    </p:extLst>
+  </p:cSld>
+  <p:clrMapOvr>
+    <a:masterClrMapping/>
+  </p:clrMapOvr>
+</p:sld>
+</file>
+
+<file path=ppt/slides/slide8.xml><?xml version="1.0" encoding="utf-8"?>
+<p:sld xmlns:a="http://schemas.openxmlformats.org/drawingml/2006/main" xmlns:r="http://schemas.openxmlformats.org/officeDocument/2006/relationships" xmlns:p="http://schemas.openxmlformats.org/presentationml/2006/main">
+  <p:cSld>
+    <p:spTree>
+      <p:nvGrpSpPr>
+        <p:cNvPr id="1" name=""/>
+        <p:cNvGrpSpPr/>
+        <p:nvPr/>
+      </p:nvGrpSpPr>
+      <p:grpSpPr>
+        <a:xfrm>
+          <a:off x="0" y="0"/>
+          <a:ext cx="0" cy="0"/>
+          <a:chOff x="0" y="0"/>
+          <a:chExt cx="0" cy="0"/>
+        </a:xfrm>
+      </p:grpSpPr>
+      <p:sp>
+        <p:nvSpPr>
+          <p:cNvPr id="5" name="內容版面配置區 4"/>
+          <p:cNvSpPr>
+            <a:spLocks noGrp="1"/>
+          </p:cNvSpPr>
+          <p:nvPr>
+            <p:ph idx="1"/>
+          </p:nvPr>
+        </p:nvSpPr>
+        <p:spPr>
+          <a:xfrm>
+            <a:off x="0" y="1563639"/>
+            <a:ext cx="9144000" cy="1803647"/>
+          </a:xfrm>
+        </p:spPr>
+        <p:txBody>
+          <a:bodyPr anchor="ctr">
+            <a:noAutofit/>
+          </a:bodyPr>
+          <a:lstStyle/>
+          <a:p>
+            <a:pPr algn="ctr">
+              <a:buNone/>
+            </a:pPr>
+            <a:r>
+              <a:rPr lang="zh-TW" altLang="en-US" sz="4800" b="1" dirty="0">
+                <a:solidFill>
+                  <a:srgbClr val="660033"/>
+                </a:solidFill>
+                <a:latin typeface="Microsoft JhengHei" panose="020B0604030504040204" pitchFamily="34" charset="-120"/>
+                <a:ea typeface="Microsoft JhengHei" panose="020B0604030504040204" pitchFamily="34" charset="-120"/>
               </a:rPr>
               <a:t>啦  啦  啦  啦  啦</a:t>
             </a:r>
             <a:r>
               <a:rPr lang="en-US" altLang="zh-TW" sz="4800" b="1" dirty="0">
                 <a:solidFill>
-                  <a:srgbClr val="000066"/>
+                  <a:srgbClr val="660033"/>
                 </a:solidFill>
-                <a:latin typeface="微軟正黑體" pitchFamily="34" charset="-120"/>
-                <a:ea typeface="微軟正黑體" pitchFamily="34" charset="-120"/>
+                <a:latin typeface="Microsoft JhengHei" panose="020B0604030504040204" pitchFamily="34" charset="-120"/>
+                <a:ea typeface="Microsoft JhengHei" panose="020B0604030504040204" pitchFamily="34" charset="-120"/>
               </a:rPr>
               <a:t>  </a:t>
             </a:r>
             <a:r>
               <a:rPr lang="zh-TW" altLang="en-US" sz="4800" b="1" dirty="0">
                 <a:solidFill>
-                  <a:srgbClr val="000066"/>
+                  <a:srgbClr val="660033"/>
                 </a:solidFill>
-                <a:latin typeface="微軟正黑體" pitchFamily="34" charset="-120"/>
-                <a:ea typeface="微軟正黑體" pitchFamily="34" charset="-120"/>
+                <a:latin typeface="Microsoft JhengHei" panose="020B0604030504040204" pitchFamily="34" charset="-120"/>
+                <a:ea typeface="Microsoft JhengHei" panose="020B0604030504040204" pitchFamily="34" charset="-120"/>
               </a:rPr>
               <a:t>我要讚美</a:t>
             </a:r>
             <a:endParaRPr lang="en-US" altLang="zh-TW" sz="4800" b="1" dirty="0">
               <a:solidFill>
-                <a:srgbClr val="000066"/>
+                <a:srgbClr val="660033"/>
               </a:solidFill>
-              <a:latin typeface="微軟正黑體" pitchFamily="34" charset="-120"/>
-              <a:ea typeface="微軟正黑體" pitchFamily="34" charset="-120"/>
+              <a:latin typeface="Microsoft JhengHei" panose="020B0604030504040204" pitchFamily="34" charset="-120"/>
+              <a:ea typeface="Microsoft JhengHei" panose="020B0604030504040204" pitchFamily="34" charset="-120"/>
             </a:endParaRPr>
           </a:p>
           <a:p>
@@ -3566,19 +3798,87 @@
             <a:r>
               <a:rPr lang="zh-TW" altLang="en-US" sz="4800" b="1" dirty="0">
                 <a:solidFill>
-                  <a:srgbClr val="000066"/>
+                  <a:srgbClr val="660033"/>
                 </a:solidFill>
-                <a:latin typeface="微軟正黑體" pitchFamily="34" charset="-120"/>
-                <a:ea typeface="微軟正黑體" pitchFamily="34" charset="-120"/>
+                <a:latin typeface="Microsoft JhengHei" panose="020B0604030504040204" pitchFamily="34" charset="-120"/>
+                <a:ea typeface="Microsoft JhengHei" panose="020B0604030504040204" pitchFamily="34" charset="-120"/>
               </a:rPr>
               <a:t>啦啦啦啦啦  我還要讚美</a:t>
             </a:r>
+          </a:p>
+        </p:txBody>
+      </p:sp>
+    </p:spTree>
+    <p:extLst>
+      <p:ext uri="{BB962C8B-B14F-4D97-AF65-F5344CB8AC3E}">
+        <p14:creationId xmlns:p14="http://schemas.microsoft.com/office/powerpoint/2010/main" val="1646189548"/>
+      </p:ext>
+    </p:extLst>
+  </p:cSld>
+  <p:clrMapOvr>
+    <a:masterClrMapping/>
+  </p:clrMapOvr>
+</p:sld>
+</file>
+
+<file path=ppt/slides/slide9.xml><?xml version="1.0" encoding="utf-8"?>
+<p:sld xmlns:a="http://schemas.openxmlformats.org/drawingml/2006/main" xmlns:r="http://schemas.openxmlformats.org/officeDocument/2006/relationships" xmlns:p="http://schemas.openxmlformats.org/presentationml/2006/main">
+  <p:cSld>
+    <p:spTree>
+      <p:nvGrpSpPr>
+        <p:cNvPr id="1" name=""/>
+        <p:cNvGrpSpPr/>
+        <p:nvPr/>
+      </p:nvGrpSpPr>
+      <p:grpSpPr>
+        <a:xfrm>
+          <a:off x="0" y="0"/>
+          <a:ext cx="0" cy="0"/>
+          <a:chOff x="0" y="0"/>
+          <a:chExt cx="0" cy="0"/>
+        </a:xfrm>
+      </p:grpSpPr>
+      <p:sp>
+        <p:nvSpPr>
+          <p:cNvPr id="5" name="內容版面配置區 4"/>
+          <p:cNvSpPr>
+            <a:spLocks noGrp="1"/>
+          </p:cNvSpPr>
+          <p:nvPr>
+            <p:ph idx="1"/>
+          </p:nvPr>
+        </p:nvSpPr>
+        <p:spPr>
+          <a:xfrm>
+            <a:off x="0" y="1563639"/>
+            <a:ext cx="9144000" cy="1803647"/>
+          </a:xfrm>
+        </p:spPr>
+        <p:txBody>
+          <a:bodyPr anchor="ctr">
+            <a:noAutofit/>
+          </a:bodyPr>
+          <a:lstStyle/>
+          <a:p>
+            <a:pPr algn="ctr">
+              <a:buNone/>
+            </a:pPr>
+            <a:r>
+              <a:rPr lang="zh-TW" altLang="en-US" sz="4800" b="1" dirty="0">
+                <a:solidFill>
+                  <a:srgbClr val="660033"/>
+                </a:solidFill>
+                <a:latin typeface="Microsoft JhengHei" panose="020B0604030504040204" pitchFamily="34" charset="-120"/>
+                <a:ea typeface="Microsoft JhengHei" panose="020B0604030504040204" pitchFamily="34" charset="-120"/>
+              </a:rPr>
+              <a:t>啦  啦  啦  啦  啦</a:t>
+            </a:r>
             <a:endParaRPr lang="en-US" altLang="zh-TW" sz="4800" b="1" dirty="0">
               <a:solidFill>
-                <a:srgbClr val="000066"/>
+                <a:srgbClr val="660033"/>
               </a:solidFill>
-              <a:latin typeface="微軟正黑體" pitchFamily="34" charset="-120"/>
-              <a:ea typeface="微軟正黑體" pitchFamily="34" charset="-120"/>
+              <a:latin typeface="Microsoft JhengHei" panose="020B0604030504040204" pitchFamily="34" charset="-120"/>
+              <a:ea typeface="Microsoft JhengHei" panose="020B0604030504040204" pitchFamily="34" charset="-120"/>
             </a:endParaRPr>
           </a:p>
           <a:p>
@@ -3588,46 +3888,22 @@
             <a:r>
               <a:rPr lang="zh-TW" altLang="en-US" sz="4800" b="1" dirty="0">
                 <a:solidFill>
-                  <a:srgbClr val="000066"/>
+                  <a:srgbClr val="660033"/>
                 </a:solidFill>
-                <a:latin typeface="微軟正黑體" pitchFamily="34" charset="-120"/>
-                <a:ea typeface="微軟正黑體" pitchFamily="34" charset="-120"/>
-              </a:rPr>
-              <a:t>啦  啦  啦  啦  啦</a:t>
-            </a:r>
-            <a:endParaRPr lang="en-US" altLang="zh-TW" sz="4800" b="1" dirty="0">
-              <a:solidFill>
-                <a:srgbClr val="000066"/>
-              </a:solidFill>
-              <a:latin typeface="微軟正黑體" pitchFamily="34" charset="-120"/>
-              <a:ea typeface="微軟正黑體" pitchFamily="34" charset="-120"/>
-            </a:endParaRPr>
-          </a:p>
-          <a:p>
-            <a:pPr algn="ctr">
-              <a:buNone/>
-            </a:pPr>
-            <a:r>
-              <a:rPr lang="zh-TW" altLang="en-US" sz="4800" b="1" dirty="0">
-                <a:solidFill>
-                  <a:srgbClr val="000066"/>
-                </a:solidFill>
-                <a:latin typeface="微軟正黑體" pitchFamily="34" charset="-120"/>
-                <a:ea typeface="微軟正黑體" pitchFamily="34" charset="-120"/>
+                <a:latin typeface="Microsoft JhengHei" panose="020B0604030504040204" pitchFamily="34" charset="-120"/>
+                <a:ea typeface="Microsoft JhengHei" panose="020B0604030504040204" pitchFamily="34" charset="-120"/>
               </a:rPr>
               <a:t>我一生讚美  一生要來讚美主</a:t>
             </a:r>
-            <a:endParaRPr lang="zh-TW" altLang="en-US" sz="4800" b="1" dirty="0">
-              <a:solidFill>
-                <a:srgbClr val="000066"/>
-              </a:solidFill>
-              <a:latin typeface="微軟正黑體" pitchFamily="34" charset="-120"/>
-              <a:ea typeface="微軟正黑體" pitchFamily="34" charset="-120"/>
-            </a:endParaRPr>
           </a:p>
         </p:txBody>
       </p:sp>
     </p:spTree>
+    <p:extLst>
+      <p:ext uri="{BB962C8B-B14F-4D97-AF65-F5344CB8AC3E}">
+        <p14:creationId xmlns:p14="http://schemas.microsoft.com/office/powerpoint/2010/main" val="512199407"/>
+      </p:ext>
+    </p:extLst>
   </p:cSld>
   <p:clrMapOvr>
     <a:masterClrMapping/>
@@ -3913,6 +4189,8 @@
       </a:bgFillStyleLst>
     </a:fmtScheme>
   </a:themeElements>
+  <a:objectDefaults/>
+  <a:extraClrSchemeLst/>
   <a:extLst>
     <a:ext uri="{05A4C25C-085E-4340-85A3-A5531E510DB2}">
       <thm15:themeFamily xmlns:thm15="http://schemas.microsoft.com/office/thememl/2012/main" name="Office Theme" id="{62F939B6-93AF-4DB8-9C6B-D6C7DFDC589F}" vid="{4A3C46E8-61CC-4603-A589-7422A47A8E4A}"/>

--- a/主恩典.pptx
+++ b/主恩典.pptx
@@ -5,9 +5,15 @@
     <p:sldMasterId id="2147483648" r:id="rId1"/>
   </p:sldMasterIdLst>
   <p:sldIdLst>
-    <p:sldId id="256" r:id="rId3"/>
-    <p:sldId id="257" r:id="rId4"/>
-    <p:sldId id="258" r:id="rId5"/>
+    <p:sldId id="259" r:id="rId2"/>
+    <p:sldId id="260" r:id="rId3"/>
+    <p:sldId id="261" r:id="rId4"/>
+    <p:sldId id="262" r:id="rId5"/>
+    <p:sldId id="263" r:id="rId6"/>
+    <p:sldId id="264" r:id="rId7"/>
+    <p:sldId id="265" r:id="rId8"/>
+    <p:sldId id="266" r:id="rId9"/>
+    <p:sldId id="267" r:id="rId10"/>
   </p:sldIdLst>
   <p:sldSz cx="9144000" cy="5143500" type="screen16x9"/>
   <p:notesSz cx="6858000" cy="9144000"/>
@@ -106,6 +112,22 @@
       </a:defRPr>
     </a:lvl9pPr>
   </p:defaultTextStyle>
+  <p:extLst>
+    <p:ext uri="{EFAFB233-063F-42B5-8137-9DF3F51BA10A}">
+      <p15:sldGuideLst xmlns:p15="http://schemas.microsoft.com/office/powerpoint/2012/main">
+        <p15:guide id="1" orient="horz" pos="1620">
+          <p15:clr>
+            <a:srgbClr val="A4A3A4"/>
+          </p15:clr>
+        </p15:guide>
+        <p15:guide id="2" pos="2880">
+          <p15:clr>
+            <a:srgbClr val="A4A3A4"/>
+          </p15:clr>
+        </p15:guide>
+      </p15:sldGuideLst>
+    </p:ext>
+  </p:extLst>
 </p:presentation>
 </file>
 
@@ -290,6 +312,7 @@
           <a:p>
             <a:fld id="{DE59D944-54CB-47B0-9464-FA766A8DDC46}" type="datetimeFigureOut">
               <a:rPr lang="zh-TW" altLang="en-US" smtClean="0"/>
+              <a:t>2020/12/26</a:t>
             </a:fld>
             <a:endParaRPr lang="zh-TW" altLang="en-US"/>
           </a:p>
@@ -331,6 +354,7 @@
           <a:p>
             <a:fld id="{66948218-C322-45BE-9FDC-C54B13FA0279}" type="slidenum">
               <a:rPr lang="zh-TW" altLang="en-US" smtClean="0"/>
+              <a:t>‹#›</a:t>
             </a:fld>
             <a:endParaRPr lang="zh-TW" altLang="en-US"/>
           </a:p>
@@ -404,7 +428,6 @@
               <a:rPr lang="zh-TW" altLang="en-US" smtClean="0"/>
               <a:t>按一下以編輯母片文字樣式</a:t>
             </a:r>
-            <a:endParaRPr lang="zh-TW" altLang="en-US" smtClean="0"/>
           </a:p>
           <a:p>
             <a:pPr lvl="1"/>
@@ -412,7 +435,6 @@
               <a:rPr lang="zh-TW" altLang="en-US" smtClean="0"/>
               <a:t>第二層</a:t>
             </a:r>
-            <a:endParaRPr lang="zh-TW" altLang="en-US" smtClean="0"/>
           </a:p>
           <a:p>
             <a:pPr lvl="2"/>
@@ -420,7 +442,6 @@
               <a:rPr lang="zh-TW" altLang="en-US" smtClean="0"/>
               <a:t>第三層</a:t>
             </a:r>
-            <a:endParaRPr lang="zh-TW" altLang="en-US" smtClean="0"/>
           </a:p>
           <a:p>
             <a:pPr lvl="3"/>
@@ -428,7 +449,6 @@
               <a:rPr lang="zh-TW" altLang="en-US" smtClean="0"/>
               <a:t>第四層</a:t>
             </a:r>
-            <a:endParaRPr lang="zh-TW" altLang="en-US" smtClean="0"/>
           </a:p>
           <a:p>
             <a:pPr lvl="4"/>
@@ -457,6 +477,7 @@
           <a:p>
             <a:fld id="{DE59D944-54CB-47B0-9464-FA766A8DDC46}" type="datetimeFigureOut">
               <a:rPr lang="zh-TW" altLang="en-US" smtClean="0"/>
+              <a:t>2020/12/26</a:t>
             </a:fld>
             <a:endParaRPr lang="zh-TW" altLang="en-US"/>
           </a:p>
@@ -498,6 +519,7 @@
           <a:p>
             <a:fld id="{66948218-C322-45BE-9FDC-C54B13FA0279}" type="slidenum">
               <a:rPr lang="zh-TW" altLang="en-US" smtClean="0"/>
+              <a:t>‹#›</a:t>
             </a:fld>
             <a:endParaRPr lang="zh-TW" altLang="en-US"/>
           </a:p>
@@ -581,7 +603,6 @@
               <a:rPr lang="zh-TW" altLang="en-US" smtClean="0"/>
               <a:t>按一下以編輯母片文字樣式</a:t>
             </a:r>
-            <a:endParaRPr lang="zh-TW" altLang="en-US" smtClean="0"/>
           </a:p>
           <a:p>
             <a:pPr lvl="1"/>
@@ -589,7 +610,6 @@
               <a:rPr lang="zh-TW" altLang="en-US" smtClean="0"/>
               <a:t>第二層</a:t>
             </a:r>
-            <a:endParaRPr lang="zh-TW" altLang="en-US" smtClean="0"/>
           </a:p>
           <a:p>
             <a:pPr lvl="2"/>
@@ -597,7 +617,6 @@
               <a:rPr lang="zh-TW" altLang="en-US" smtClean="0"/>
               <a:t>第三層</a:t>
             </a:r>
-            <a:endParaRPr lang="zh-TW" altLang="en-US" smtClean="0"/>
           </a:p>
           <a:p>
             <a:pPr lvl="3"/>
@@ -605,7 +624,6 @@
               <a:rPr lang="zh-TW" altLang="en-US" smtClean="0"/>
               <a:t>第四層</a:t>
             </a:r>
-            <a:endParaRPr lang="zh-TW" altLang="en-US" smtClean="0"/>
           </a:p>
           <a:p>
             <a:pPr lvl="4"/>
@@ -634,6 +652,7 @@
           <a:p>
             <a:fld id="{DE59D944-54CB-47B0-9464-FA766A8DDC46}" type="datetimeFigureOut">
               <a:rPr lang="zh-TW" altLang="en-US" smtClean="0"/>
+              <a:t>2020/12/26</a:t>
             </a:fld>
             <a:endParaRPr lang="zh-TW" altLang="en-US"/>
           </a:p>
@@ -675,6 +694,7 @@
           <a:p>
             <a:fld id="{66948218-C322-45BE-9FDC-C54B13FA0279}" type="slidenum">
               <a:rPr lang="zh-TW" altLang="en-US" smtClean="0"/>
+              <a:t>‹#›</a:t>
             </a:fld>
             <a:endParaRPr lang="zh-TW" altLang="en-US"/>
           </a:p>
@@ -748,7 +768,6 @@
               <a:rPr lang="zh-TW" altLang="en-US" smtClean="0"/>
               <a:t>按一下以編輯母片文字樣式</a:t>
             </a:r>
-            <a:endParaRPr lang="zh-TW" altLang="en-US" smtClean="0"/>
           </a:p>
           <a:p>
             <a:pPr lvl="1"/>
@@ -756,7 +775,6 @@
               <a:rPr lang="zh-TW" altLang="en-US" smtClean="0"/>
               <a:t>第二層</a:t>
             </a:r>
-            <a:endParaRPr lang="zh-TW" altLang="en-US" smtClean="0"/>
           </a:p>
           <a:p>
             <a:pPr lvl="2"/>
@@ -764,7 +782,6 @@
               <a:rPr lang="zh-TW" altLang="en-US" smtClean="0"/>
               <a:t>第三層</a:t>
             </a:r>
-            <a:endParaRPr lang="zh-TW" altLang="en-US" smtClean="0"/>
           </a:p>
           <a:p>
             <a:pPr lvl="3"/>
@@ -772,7 +789,6 @@
               <a:rPr lang="zh-TW" altLang="en-US" smtClean="0"/>
               <a:t>第四層</a:t>
             </a:r>
-            <a:endParaRPr lang="zh-TW" altLang="en-US" smtClean="0"/>
           </a:p>
           <a:p>
             <a:pPr lvl="4"/>
@@ -801,6 +817,7 @@
           <a:p>
             <a:fld id="{DE59D944-54CB-47B0-9464-FA766A8DDC46}" type="datetimeFigureOut">
               <a:rPr lang="zh-TW" altLang="en-US" smtClean="0"/>
+              <a:t>2020/12/26</a:t>
             </a:fld>
             <a:endParaRPr lang="zh-TW" altLang="en-US"/>
           </a:p>
@@ -842,6 +859,7 @@
           <a:p>
             <a:fld id="{66948218-C322-45BE-9FDC-C54B13FA0279}" type="slidenum">
               <a:rPr lang="zh-TW" altLang="en-US" smtClean="0"/>
+              <a:t>‹#›</a:t>
             </a:fld>
             <a:endParaRPr lang="zh-TW" altLang="en-US"/>
           </a:p>
@@ -1020,7 +1038,6 @@
               <a:rPr lang="zh-TW" altLang="en-US" smtClean="0"/>
               <a:t>按一下以編輯母片文字樣式</a:t>
             </a:r>
-            <a:endParaRPr lang="zh-TW" altLang="en-US" smtClean="0"/>
           </a:p>
         </p:txBody>
       </p:sp>
@@ -1041,6 +1058,7 @@
           <a:p>
             <a:fld id="{DE59D944-54CB-47B0-9464-FA766A8DDC46}" type="datetimeFigureOut">
               <a:rPr lang="zh-TW" altLang="en-US" smtClean="0"/>
+              <a:t>2020/12/26</a:t>
             </a:fld>
             <a:endParaRPr lang="zh-TW" altLang="en-US"/>
           </a:p>
@@ -1082,6 +1100,7 @@
           <a:p>
             <a:fld id="{66948218-C322-45BE-9FDC-C54B13FA0279}" type="slidenum">
               <a:rPr lang="zh-TW" altLang="en-US" smtClean="0"/>
+              <a:t>‹#›</a:t>
             </a:fld>
             <a:endParaRPr lang="zh-TW" altLang="en-US"/>
           </a:p>
@@ -1188,7 +1207,6 @@
               <a:rPr lang="zh-TW" altLang="en-US" smtClean="0"/>
               <a:t>按一下以編輯母片文字樣式</a:t>
             </a:r>
-            <a:endParaRPr lang="zh-TW" altLang="en-US" smtClean="0"/>
           </a:p>
           <a:p>
             <a:pPr lvl="1"/>
@@ -1196,7 +1214,6 @@
               <a:rPr lang="zh-TW" altLang="en-US" smtClean="0"/>
               <a:t>第二層</a:t>
             </a:r>
-            <a:endParaRPr lang="zh-TW" altLang="en-US" smtClean="0"/>
           </a:p>
           <a:p>
             <a:pPr lvl="2"/>
@@ -1204,7 +1221,6 @@
               <a:rPr lang="zh-TW" altLang="en-US" smtClean="0"/>
               <a:t>第三層</a:t>
             </a:r>
-            <a:endParaRPr lang="zh-TW" altLang="en-US" smtClean="0"/>
           </a:p>
           <a:p>
             <a:pPr lvl="3"/>
@@ -1212,7 +1228,6 @@
               <a:rPr lang="zh-TW" altLang="en-US" smtClean="0"/>
               <a:t>第四層</a:t>
             </a:r>
-            <a:endParaRPr lang="zh-TW" altLang="en-US" smtClean="0"/>
           </a:p>
           <a:p>
             <a:pPr lvl="4"/>
@@ -1277,7 +1292,6 @@
               <a:rPr lang="zh-TW" altLang="en-US" smtClean="0"/>
               <a:t>按一下以編輯母片文字樣式</a:t>
             </a:r>
-            <a:endParaRPr lang="zh-TW" altLang="en-US" smtClean="0"/>
           </a:p>
           <a:p>
             <a:pPr lvl="1"/>
@@ -1285,7 +1299,6 @@
               <a:rPr lang="zh-TW" altLang="en-US" smtClean="0"/>
               <a:t>第二層</a:t>
             </a:r>
-            <a:endParaRPr lang="zh-TW" altLang="en-US" smtClean="0"/>
           </a:p>
           <a:p>
             <a:pPr lvl="2"/>
@@ -1293,7 +1306,6 @@
               <a:rPr lang="zh-TW" altLang="en-US" smtClean="0"/>
               <a:t>第三層</a:t>
             </a:r>
-            <a:endParaRPr lang="zh-TW" altLang="en-US" smtClean="0"/>
           </a:p>
           <a:p>
             <a:pPr lvl="3"/>
@@ -1301,7 +1313,6 @@
               <a:rPr lang="zh-TW" altLang="en-US" smtClean="0"/>
               <a:t>第四層</a:t>
             </a:r>
-            <a:endParaRPr lang="zh-TW" altLang="en-US" smtClean="0"/>
           </a:p>
           <a:p>
             <a:pPr lvl="4"/>
@@ -1330,6 +1341,7 @@
           <a:p>
             <a:fld id="{DE59D944-54CB-47B0-9464-FA766A8DDC46}" type="datetimeFigureOut">
               <a:rPr lang="zh-TW" altLang="en-US" smtClean="0"/>
+              <a:t>2020/12/26</a:t>
             </a:fld>
             <a:endParaRPr lang="zh-TW" altLang="en-US"/>
           </a:p>
@@ -1371,6 +1383,7 @@
           <a:p>
             <a:fld id="{66948218-C322-45BE-9FDC-C54B13FA0279}" type="slidenum">
               <a:rPr lang="zh-TW" altLang="en-US" smtClean="0"/>
+              <a:t>‹#›</a:t>
             </a:fld>
             <a:endParaRPr lang="zh-TW" altLang="en-US"/>
           </a:p>
@@ -1490,7 +1503,6 @@
               <a:rPr lang="zh-TW" altLang="en-US" smtClean="0"/>
               <a:t>按一下以編輯母片文字樣式</a:t>
             </a:r>
-            <a:endParaRPr lang="zh-TW" altLang="en-US" smtClean="0"/>
           </a:p>
         </p:txBody>
       </p:sp>
@@ -1547,7 +1559,6 @@
               <a:rPr lang="zh-TW" altLang="en-US" smtClean="0"/>
               <a:t>按一下以編輯母片文字樣式</a:t>
             </a:r>
-            <a:endParaRPr lang="zh-TW" altLang="en-US" smtClean="0"/>
           </a:p>
           <a:p>
             <a:pPr lvl="1"/>
@@ -1555,7 +1566,6 @@
               <a:rPr lang="zh-TW" altLang="en-US" smtClean="0"/>
               <a:t>第二層</a:t>
             </a:r>
-            <a:endParaRPr lang="zh-TW" altLang="en-US" smtClean="0"/>
           </a:p>
           <a:p>
             <a:pPr lvl="2"/>
@@ -1563,7 +1573,6 @@
               <a:rPr lang="zh-TW" altLang="en-US" smtClean="0"/>
               <a:t>第三層</a:t>
             </a:r>
-            <a:endParaRPr lang="zh-TW" altLang="en-US" smtClean="0"/>
           </a:p>
           <a:p>
             <a:pPr lvl="3"/>
@@ -1571,7 +1580,6 @@
               <a:rPr lang="zh-TW" altLang="en-US" smtClean="0"/>
               <a:t>第四層</a:t>
             </a:r>
-            <a:endParaRPr lang="zh-TW" altLang="en-US" smtClean="0"/>
           </a:p>
           <a:p>
             <a:pPr lvl="4"/>
@@ -1645,7 +1653,6 @@
               <a:rPr lang="zh-TW" altLang="en-US" smtClean="0"/>
               <a:t>按一下以編輯母片文字樣式</a:t>
             </a:r>
-            <a:endParaRPr lang="zh-TW" altLang="en-US" smtClean="0"/>
           </a:p>
         </p:txBody>
       </p:sp>
@@ -1702,7 +1709,6 @@
               <a:rPr lang="zh-TW" altLang="en-US" smtClean="0"/>
               <a:t>按一下以編輯母片文字樣式</a:t>
             </a:r>
-            <a:endParaRPr lang="zh-TW" altLang="en-US" smtClean="0"/>
           </a:p>
           <a:p>
             <a:pPr lvl="1"/>
@@ -1710,7 +1716,6 @@
               <a:rPr lang="zh-TW" altLang="en-US" smtClean="0"/>
               <a:t>第二層</a:t>
             </a:r>
-            <a:endParaRPr lang="zh-TW" altLang="en-US" smtClean="0"/>
           </a:p>
           <a:p>
             <a:pPr lvl="2"/>
@@ -1718,7 +1723,6 @@
               <a:rPr lang="zh-TW" altLang="en-US" smtClean="0"/>
               <a:t>第三層</a:t>
             </a:r>
-            <a:endParaRPr lang="zh-TW" altLang="en-US" smtClean="0"/>
           </a:p>
           <a:p>
             <a:pPr lvl="3"/>
@@ -1726,7 +1730,6 @@
               <a:rPr lang="zh-TW" altLang="en-US" smtClean="0"/>
               <a:t>第四層</a:t>
             </a:r>
-            <a:endParaRPr lang="zh-TW" altLang="en-US" smtClean="0"/>
           </a:p>
           <a:p>
             <a:pPr lvl="4"/>
@@ -1755,6 +1758,7 @@
           <a:p>
             <a:fld id="{DE59D944-54CB-47B0-9464-FA766A8DDC46}" type="datetimeFigureOut">
               <a:rPr lang="zh-TW" altLang="en-US" smtClean="0"/>
+              <a:t>2020/12/26</a:t>
             </a:fld>
             <a:endParaRPr lang="zh-TW" altLang="en-US"/>
           </a:p>
@@ -1796,6 +1800,7 @@
           <a:p>
             <a:fld id="{66948218-C322-45BE-9FDC-C54B13FA0279}" type="slidenum">
               <a:rPr lang="zh-TW" altLang="en-US" smtClean="0"/>
+              <a:t>‹#›</a:t>
             </a:fld>
             <a:endParaRPr lang="zh-TW" altLang="en-US"/>
           </a:p>
@@ -1866,6 +1871,7 @@
           <a:p>
             <a:fld id="{DE59D944-54CB-47B0-9464-FA766A8DDC46}" type="datetimeFigureOut">
               <a:rPr lang="zh-TW" altLang="en-US" smtClean="0"/>
+              <a:t>2020/12/26</a:t>
             </a:fld>
             <a:endParaRPr lang="zh-TW" altLang="en-US"/>
           </a:p>
@@ -1907,6 +1913,7 @@
           <a:p>
             <a:fld id="{66948218-C322-45BE-9FDC-C54B13FA0279}" type="slidenum">
               <a:rPr lang="zh-TW" altLang="en-US" smtClean="0"/>
+              <a:t>‹#›</a:t>
             </a:fld>
             <a:endParaRPr lang="zh-TW" altLang="en-US"/>
           </a:p>
@@ -1954,6 +1961,7 @@
           <a:p>
             <a:fld id="{DE59D944-54CB-47B0-9464-FA766A8DDC46}" type="datetimeFigureOut">
               <a:rPr lang="zh-TW" altLang="en-US" smtClean="0"/>
+              <a:t>2020/12/26</a:t>
             </a:fld>
             <a:endParaRPr lang="zh-TW" altLang="en-US"/>
           </a:p>
@@ -1995,6 +2003,7 @@
           <a:p>
             <a:fld id="{66948218-C322-45BE-9FDC-C54B13FA0279}" type="slidenum">
               <a:rPr lang="zh-TW" altLang="en-US" smtClean="0"/>
+              <a:t>‹#›</a:t>
             </a:fld>
             <a:endParaRPr lang="zh-TW" altLang="en-US"/>
           </a:p>
@@ -2110,7 +2119,6 @@
               <a:rPr lang="zh-TW" altLang="en-US" smtClean="0"/>
               <a:t>按一下以編輯母片文字樣式</a:t>
             </a:r>
-            <a:endParaRPr lang="zh-TW" altLang="en-US" smtClean="0"/>
           </a:p>
           <a:p>
             <a:pPr lvl="1"/>
@@ -2118,7 +2126,6 @@
               <a:rPr lang="zh-TW" altLang="en-US" smtClean="0"/>
               <a:t>第二層</a:t>
             </a:r>
-            <a:endParaRPr lang="zh-TW" altLang="en-US" smtClean="0"/>
           </a:p>
           <a:p>
             <a:pPr lvl="2"/>
@@ -2126,7 +2133,6 @@
               <a:rPr lang="zh-TW" altLang="en-US" smtClean="0"/>
               <a:t>第三層</a:t>
             </a:r>
-            <a:endParaRPr lang="zh-TW" altLang="en-US" smtClean="0"/>
           </a:p>
           <a:p>
             <a:pPr lvl="3"/>
@@ -2134,7 +2140,6 @@
               <a:rPr lang="zh-TW" altLang="en-US" smtClean="0"/>
               <a:t>第四層</a:t>
             </a:r>
-            <a:endParaRPr lang="zh-TW" altLang="en-US" smtClean="0"/>
           </a:p>
           <a:p>
             <a:pPr lvl="4"/>
@@ -2208,7 +2213,6 @@
               <a:rPr lang="zh-TW" altLang="en-US" smtClean="0"/>
               <a:t>按一下以編輯母片文字樣式</a:t>
             </a:r>
-            <a:endParaRPr lang="zh-TW" altLang="en-US" smtClean="0"/>
           </a:p>
         </p:txBody>
       </p:sp>
@@ -2229,6 +2233,7 @@
           <a:p>
             <a:fld id="{DE59D944-54CB-47B0-9464-FA766A8DDC46}" type="datetimeFigureOut">
               <a:rPr lang="zh-TW" altLang="en-US" smtClean="0"/>
+              <a:t>2020/12/26</a:t>
             </a:fld>
             <a:endParaRPr lang="zh-TW" altLang="en-US"/>
           </a:p>
@@ -2270,6 +2275,7 @@
           <a:p>
             <a:fld id="{66948218-C322-45BE-9FDC-C54B13FA0279}" type="slidenum">
               <a:rPr lang="zh-TW" altLang="en-US" smtClean="0"/>
+              <a:t>‹#›</a:t>
             </a:fld>
             <a:endParaRPr lang="zh-TW" altLang="en-US"/>
           </a:p>
@@ -2459,7 +2465,6 @@
               <a:rPr lang="zh-TW" altLang="en-US" smtClean="0"/>
               <a:t>按一下以編輯母片文字樣式</a:t>
             </a:r>
-            <a:endParaRPr lang="zh-TW" altLang="en-US" smtClean="0"/>
           </a:p>
         </p:txBody>
       </p:sp>
@@ -2480,6 +2485,7 @@
           <a:p>
             <a:fld id="{DE59D944-54CB-47B0-9464-FA766A8DDC46}" type="datetimeFigureOut">
               <a:rPr lang="zh-TW" altLang="en-US" smtClean="0"/>
+              <a:t>2020/12/26</a:t>
             </a:fld>
             <a:endParaRPr lang="zh-TW" altLang="en-US"/>
           </a:p>
@@ -2521,6 +2527,7 @@
           <a:p>
             <a:fld id="{66948218-C322-45BE-9FDC-C54B13FA0279}" type="slidenum">
               <a:rPr lang="zh-TW" altLang="en-US" smtClean="0"/>
+              <a:t>‹#›</a:t>
             </a:fld>
             <a:endParaRPr lang="zh-TW" altLang="en-US"/>
           </a:p>
@@ -2540,7 +2547,7 @@
     <p:bg>
       <p:bgPr>
         <a:blipFill dpi="0" rotWithShape="1">
-          <a:blip r:embed="rId12"/>
+          <a:blip r:embed="rId13"/>
           <a:srcRect/>
           <a:tile tx="0" ty="0" sx="100000" sy="100000" flip="none" algn="tl"/>
         </a:blipFill>
@@ -2624,7 +2631,6 @@
               <a:rPr lang="zh-TW" altLang="en-US" smtClean="0"/>
               <a:t>按一下以編輯母片文字樣式</a:t>
             </a:r>
-            <a:endParaRPr lang="zh-TW" altLang="en-US" smtClean="0"/>
           </a:p>
           <a:p>
             <a:pPr lvl="1"/>
@@ -2632,7 +2638,6 @@
               <a:rPr lang="zh-TW" altLang="en-US" smtClean="0"/>
               <a:t>第二層</a:t>
             </a:r>
-            <a:endParaRPr lang="zh-TW" altLang="en-US" smtClean="0"/>
           </a:p>
           <a:p>
             <a:pPr lvl="2"/>
@@ -2640,7 +2645,6 @@
               <a:rPr lang="zh-TW" altLang="en-US" smtClean="0"/>
               <a:t>第三層</a:t>
             </a:r>
-            <a:endParaRPr lang="zh-TW" altLang="en-US" smtClean="0"/>
           </a:p>
           <a:p>
             <a:pPr lvl="3"/>
@@ -2648,7 +2652,6 @@
               <a:rPr lang="zh-TW" altLang="en-US" smtClean="0"/>
               <a:t>第四層</a:t>
             </a:r>
-            <a:endParaRPr lang="zh-TW" altLang="en-US" smtClean="0"/>
           </a:p>
           <a:p>
             <a:pPr lvl="4"/>
@@ -2695,6 +2698,7 @@
           <a:p>
             <a:fld id="{DE59D944-54CB-47B0-9464-FA766A8DDC46}" type="datetimeFigureOut">
               <a:rPr lang="zh-TW" altLang="en-US" smtClean="0"/>
+              <a:t>2020/12/26</a:t>
             </a:fld>
             <a:endParaRPr lang="zh-TW" altLang="en-US"/>
           </a:p>
@@ -2772,6 +2776,7 @@
           <a:p>
             <a:fld id="{66948218-C322-45BE-9FDC-C54B13FA0279}" type="slidenum">
               <a:rPr lang="zh-TW" altLang="en-US" smtClean="0"/>
+              <a:t>‹#›</a:t>
             </a:fld>
             <a:endParaRPr lang="zh-TW" altLang="en-US"/>
           </a:p>
@@ -3073,200 +3078,61 @@
             <p:ph type="title"/>
           </p:nvPr>
         </p:nvSpPr>
-        <p:spPr/>
-        <p:txBody>
-          <a:bodyPr>
-            <a:normAutofit/>
-          </a:bodyPr>
-          <a:lstStyle/>
-          <a:p>
-            <a:r>
-              <a:rPr lang="zh-TW" altLang="en-US" sz="4000" b="1" dirty="0" smtClean="0">
-                <a:solidFill>
-                  <a:srgbClr val="000066"/>
-                </a:solidFill>
-                <a:latin typeface="微軟正黑體" pitchFamily="34" charset="-120"/>
-                <a:ea typeface="微軟正黑體" pitchFamily="34" charset="-120"/>
-              </a:rPr>
-              <a:t>主恩典</a:t>
-            </a:r>
-            <a:endParaRPr lang="zh-TW" altLang="en-US" sz="4000" b="1" dirty="0">
-              <a:solidFill>
-                <a:srgbClr val="000066"/>
-              </a:solidFill>
-              <a:latin typeface="微軟正黑體" pitchFamily="34" charset="-120"/>
-              <a:ea typeface="微軟正黑體" pitchFamily="34" charset="-120"/>
-            </a:endParaRPr>
-          </a:p>
-        </p:txBody>
-      </p:sp>
-      <p:sp>
-        <p:nvSpPr>
-          <p:cNvPr id="5" name="內容版面配置區 4"/>
-          <p:cNvSpPr>
-            <a:spLocks noGrp="1"/>
-          </p:cNvSpPr>
-          <p:nvPr>
-            <p:ph idx="1"/>
-          </p:nvPr>
-        </p:nvSpPr>
-        <p:spPr/>
+        <p:spPr>
+          <a:xfrm>
+            <a:off x="0" y="2143135"/>
+            <a:ext cx="9144000" cy="857250"/>
+          </a:xfrm>
+        </p:spPr>
         <p:txBody>
           <a:bodyPr>
             <a:noAutofit/>
           </a:bodyPr>
           <a:lstStyle/>
           <a:p>
-            <a:pPr algn="ctr">
-              <a:buNone/>
-            </a:pPr>
-            <a:r>
-              <a:rPr lang="zh-TW" altLang="en-US" sz="4800" b="1" dirty="0">
-                <a:solidFill>
-                  <a:srgbClr val="000066"/>
-                </a:solidFill>
-                <a:latin typeface="微軟正黑體" pitchFamily="34" charset="-120"/>
-                <a:ea typeface="微軟正黑體" pitchFamily="34" charset="-120"/>
-              </a:rPr>
-              <a:t>主恩典何等</a:t>
-            </a:r>
-            <a:r>
-              <a:rPr lang="zh-TW" altLang="en-US" sz="4800" b="1" dirty="0" smtClean="0">
-                <a:solidFill>
-                  <a:srgbClr val="000066"/>
-                </a:solidFill>
-                <a:latin typeface="微軟正黑體" pitchFamily="34" charset="-120"/>
-                <a:ea typeface="微軟正黑體" pitchFamily="34" charset="-120"/>
-              </a:rPr>
-              <a:t>美好</a:t>
-            </a:r>
-            <a:endParaRPr lang="en-US" altLang="zh-TW" sz="4800" b="1" dirty="0" smtClean="0">
-              <a:solidFill>
-                <a:srgbClr val="000066"/>
-              </a:solidFill>
-              <a:latin typeface="微軟正黑體" pitchFamily="34" charset="-120"/>
-              <a:ea typeface="微軟正黑體" pitchFamily="34" charset="-120"/>
-            </a:endParaRPr>
-          </a:p>
-          <a:p>
-            <a:pPr algn="ctr">
-              <a:buNone/>
-            </a:pPr>
-            <a:r>
-              <a:rPr lang="zh-TW" altLang="en-US" sz="4800" b="1" dirty="0" smtClean="0">
-                <a:solidFill>
-                  <a:srgbClr val="000066"/>
-                </a:solidFill>
-                <a:latin typeface="微軟正黑體" pitchFamily="34" charset="-120"/>
-                <a:ea typeface="微軟正黑體" pitchFamily="34" charset="-120"/>
-              </a:rPr>
-              <a:t>比</a:t>
-            </a:r>
-            <a:r>
-              <a:rPr lang="zh-TW" altLang="en-US" sz="4800" b="1" dirty="0">
-                <a:solidFill>
-                  <a:srgbClr val="000066"/>
-                </a:solidFill>
-                <a:latin typeface="微軟正黑體" pitchFamily="34" charset="-120"/>
-                <a:ea typeface="微軟正黑體" pitchFamily="34" charset="-120"/>
-              </a:rPr>
-              <a:t>海深也比山</a:t>
-            </a:r>
-            <a:r>
-              <a:rPr lang="zh-TW" altLang="en-US" sz="4800" b="1" dirty="0" smtClean="0">
-                <a:solidFill>
-                  <a:srgbClr val="000066"/>
-                </a:solidFill>
-                <a:latin typeface="微軟正黑體" pitchFamily="34" charset="-120"/>
-                <a:ea typeface="微軟正黑體" pitchFamily="34" charset="-120"/>
-              </a:rPr>
-              <a:t>高</a:t>
-            </a:r>
-            <a:endParaRPr lang="en-US" altLang="zh-TW" sz="4800" b="1" dirty="0">
-              <a:solidFill>
-                <a:srgbClr val="000066"/>
-              </a:solidFill>
-              <a:latin typeface="微軟正黑體" pitchFamily="34" charset="-120"/>
-              <a:ea typeface="微軟正黑體" pitchFamily="34" charset="-120"/>
-            </a:endParaRPr>
-          </a:p>
-          <a:p>
-            <a:pPr algn="ctr">
-              <a:buNone/>
-            </a:pPr>
-            <a:r>
-              <a:rPr lang="zh-TW" altLang="en-US" sz="4800" b="1" dirty="0" smtClean="0">
-                <a:solidFill>
-                  <a:srgbClr val="000066"/>
-                </a:solidFill>
-                <a:latin typeface="微軟正黑體" pitchFamily="34" charset="-120"/>
-                <a:ea typeface="微軟正黑體" pitchFamily="34" charset="-120"/>
-              </a:rPr>
-              <a:t>過去</a:t>
-            </a:r>
-            <a:r>
-              <a:rPr lang="zh-TW" altLang="en-US" sz="4800" b="1" dirty="0">
-                <a:solidFill>
-                  <a:srgbClr val="000066"/>
-                </a:solidFill>
-                <a:latin typeface="微軟正黑體" pitchFamily="34" charset="-120"/>
-                <a:ea typeface="微軟正黑體" pitchFamily="34" charset="-120"/>
-              </a:rPr>
-              <a:t>現在和</a:t>
-            </a:r>
-            <a:r>
-              <a:rPr lang="zh-TW" altLang="en-US" sz="4800" b="1" dirty="0" smtClean="0">
-                <a:solidFill>
-                  <a:srgbClr val="000066"/>
-                </a:solidFill>
-                <a:latin typeface="微軟正黑體" pitchFamily="34" charset="-120"/>
-                <a:ea typeface="微軟正黑體" pitchFamily="34" charset="-120"/>
-              </a:rPr>
-              <a:t>未來</a:t>
-            </a:r>
-            <a:endParaRPr lang="en-US" altLang="zh-TW" sz="4800" b="1" dirty="0" smtClean="0">
-              <a:solidFill>
-                <a:srgbClr val="000066"/>
-              </a:solidFill>
-              <a:latin typeface="微軟正黑體" pitchFamily="34" charset="-120"/>
-              <a:ea typeface="微軟正黑體" pitchFamily="34" charset="-120"/>
-            </a:endParaRPr>
-          </a:p>
-          <a:p>
-            <a:pPr algn="ctr">
-              <a:buNone/>
-            </a:pPr>
-            <a:r>
-              <a:rPr lang="zh-TW" altLang="en-US" sz="4800" b="1" dirty="0" smtClean="0">
-                <a:solidFill>
-                  <a:srgbClr val="000066"/>
-                </a:solidFill>
+            <a:r>
+              <a:rPr lang="zh-TW" altLang="en-US" sz="5400" b="1" i="1" dirty="0" smtClean="0">
+                <a:solidFill>
+                  <a:srgbClr val="660033"/>
+                </a:solidFill>
+                <a:effectLst>
+                  <a:outerShdw blurRad="38100" dist="38100" dir="2700000" algn="tl">
+                    <a:srgbClr val="000000">
+                      <a:alpha val="43137"/>
+                    </a:srgbClr>
+                  </a:outerShdw>
+                </a:effectLst>
                 <a:latin typeface="微軟正黑體" pitchFamily="34" charset="-120"/>
                 <a:ea typeface="微軟正黑體" pitchFamily="34" charset="-120"/>
               </a:rPr>
               <a:t>主</a:t>
             </a:r>
             <a:r>
-              <a:rPr lang="zh-TW" altLang="en-US" sz="4800" b="1" dirty="0">
-                <a:solidFill>
-                  <a:srgbClr val="000066"/>
-                </a:solidFill>
+              <a:rPr lang="zh-TW" altLang="en-US" sz="5400" b="1" i="1" dirty="0">
+                <a:solidFill>
+                  <a:srgbClr val="660033"/>
+                </a:solidFill>
+                <a:effectLst>
+                  <a:outerShdw blurRad="38100" dist="38100" dir="2700000" algn="tl">
+                    <a:srgbClr val="000000">
+                      <a:alpha val="43137"/>
+                    </a:srgbClr>
+                  </a:outerShdw>
+                </a:effectLst>
                 <a:latin typeface="微軟正黑體" pitchFamily="34" charset="-120"/>
                 <a:ea typeface="微軟正黑體" pitchFamily="34" charset="-120"/>
               </a:rPr>
-              <a:t>恩豐富奇妙</a:t>
-            </a:r>
-            <a:endParaRPr lang="zh-TW" altLang="en-US" sz="4800" b="1" dirty="0">
-              <a:solidFill>
-                <a:srgbClr val="000066"/>
-              </a:solidFill>
-              <a:latin typeface="微軟正黑體" pitchFamily="34" charset="-120"/>
-              <a:ea typeface="微軟正黑體" pitchFamily="34" charset="-120"/>
-            </a:endParaRPr>
+              <a:t>恩典</a:t>
+            </a:r>
           </a:p>
         </p:txBody>
       </p:sp>
     </p:spTree>
+    <p:extLst>
+      <p:ext uri="{BB962C8B-B14F-4D97-AF65-F5344CB8AC3E}">
+        <p14:creationId xmlns:p14="http://schemas.microsoft.com/office/powerpoint/2010/main" val="1152240438"/>
+      </p:ext>
+    </p:extLst>
   </p:cSld>
   <p:clrMapOvr>
     <a:masterClrMapping/>
@@ -3293,148 +3159,107 @@
       </p:grpSpPr>
       <p:sp>
         <p:nvSpPr>
-          <p:cNvPr id="4" name="標題 3"/>
-          <p:cNvSpPr>
-            <a:spLocks noGrp="1"/>
-          </p:cNvSpPr>
-          <p:nvPr>
-            <p:ph type="title"/>
-          </p:nvPr>
-        </p:nvSpPr>
-        <p:spPr/>
-        <p:txBody>
-          <a:bodyPr>
+          <p:cNvPr id="5" name="內容版面配置區 4"/>
+          <p:cNvSpPr>
+            <a:spLocks noGrp="1"/>
+          </p:cNvSpPr>
+          <p:nvPr>
+            <p:ph idx="1"/>
+          </p:nvPr>
+        </p:nvSpPr>
+        <p:spPr>
+          <a:xfrm>
+            <a:off x="0" y="1563638"/>
+            <a:ext cx="9144000" cy="1803647"/>
+          </a:xfrm>
+        </p:spPr>
+        <p:txBody>
+          <a:bodyPr anchor="ctr">
             <a:normAutofit/>
           </a:bodyPr>
           <a:lstStyle/>
           <a:p>
-            <a:r>
-              <a:rPr lang="zh-TW" altLang="en-US" sz="4000" b="1" dirty="0">
-                <a:solidFill>
-                  <a:srgbClr val="000066"/>
+            <a:pPr algn="ctr">
+              <a:buNone/>
+            </a:pPr>
+            <a:r>
+              <a:rPr lang="zh-TW" altLang="en-US" sz="4800" b="1" dirty="0">
+                <a:solidFill>
+                  <a:srgbClr val="660033"/>
                 </a:solidFill>
                 <a:latin typeface="微軟正黑體" pitchFamily="34" charset="-120"/>
                 <a:ea typeface="微軟正黑體" pitchFamily="34" charset="-120"/>
               </a:rPr>
-              <a:t>主恩典</a:t>
-            </a:r>
-            <a:endParaRPr lang="zh-TW" altLang="en-US" sz="4000" b="1" dirty="0">
+              <a:t>主恩典何等美</a:t>
+            </a:r>
+            <a:r>
+              <a:rPr lang="zh-TW" altLang="en-US" sz="4800" b="1" dirty="0" smtClean="0">
+                <a:solidFill>
+                  <a:srgbClr val="660033"/>
+                </a:solidFill>
+                <a:latin typeface="微軟正黑體" pitchFamily="34" charset="-120"/>
+                <a:ea typeface="微軟正黑體" pitchFamily="34" charset="-120"/>
+              </a:rPr>
+              <a:t>好</a:t>
+            </a:r>
+            <a:endParaRPr lang="en-US" altLang="zh-TW" sz="4800" b="1" dirty="0">
               <a:solidFill>
-                <a:srgbClr val="000066"/>
+                <a:srgbClr val="660033"/>
               </a:solidFill>
               <a:latin typeface="微軟正黑體" pitchFamily="34" charset="-120"/>
               <a:ea typeface="微軟正黑體" pitchFamily="34" charset="-120"/>
             </a:endParaRPr>
           </a:p>
-        </p:txBody>
-      </p:sp>
-      <p:sp>
-        <p:nvSpPr>
-          <p:cNvPr id="5" name="內容版面配置區 4"/>
-          <p:cNvSpPr>
-            <a:spLocks noGrp="1"/>
-          </p:cNvSpPr>
-          <p:nvPr>
-            <p:ph idx="1"/>
-          </p:nvPr>
-        </p:nvSpPr>
-        <p:spPr/>
-        <p:txBody>
-          <a:bodyPr>
-            <a:noAutofit/>
-          </a:bodyPr>
-          <a:lstStyle/>
           <a:p>
             <a:pPr algn="ctr">
               <a:buNone/>
             </a:pPr>
             <a:r>
-              <a:rPr lang="zh-TW" altLang="en-US" sz="4800" b="1" dirty="0">
-                <a:solidFill>
-                  <a:srgbClr val="000066"/>
+              <a:rPr lang="zh-TW" altLang="en-US" sz="4800" b="1" dirty="0" smtClean="0">
+                <a:solidFill>
+                  <a:srgbClr val="660033"/>
                 </a:solidFill>
                 <a:latin typeface="微軟正黑體" pitchFamily="34" charset="-120"/>
                 <a:ea typeface="微軟正黑體" pitchFamily="34" charset="-120"/>
               </a:rPr>
-              <a:t>主的恩典大大小小</a:t>
+              <a:t>比</a:t>
+            </a:r>
+            <a:r>
+              <a:rPr lang="zh-TW" altLang="en-US" sz="4800" b="1" dirty="0">
+                <a:solidFill>
+                  <a:srgbClr val="660033"/>
+                </a:solidFill>
+                <a:latin typeface="微軟正黑體" pitchFamily="34" charset="-120"/>
+                <a:ea typeface="微軟正黑體" pitchFamily="34" charset="-120"/>
+              </a:rPr>
+              <a:t>海深也比山</a:t>
+            </a:r>
+            <a:r>
+              <a:rPr lang="zh-TW" altLang="en-US" sz="4800" b="1" dirty="0" smtClean="0">
+                <a:solidFill>
+                  <a:srgbClr val="660033"/>
+                </a:solidFill>
+                <a:latin typeface="微軟正黑體" pitchFamily="34" charset="-120"/>
+                <a:ea typeface="微軟正黑體" pitchFamily="34" charset="-120"/>
+              </a:rPr>
+              <a:t>高</a:t>
             </a:r>
             <a:endParaRPr lang="en-US" altLang="zh-TW" sz="4800" b="1" dirty="0">
               <a:solidFill>
-                <a:srgbClr val="000066"/>
+                <a:srgbClr val="660033"/>
               </a:solidFill>
               <a:latin typeface="微軟正黑體" pitchFamily="34" charset="-120"/>
               <a:ea typeface="微軟正黑體" pitchFamily="34" charset="-120"/>
             </a:endParaRPr>
           </a:p>
-          <a:p>
-            <a:pPr algn="ctr">
-              <a:buNone/>
-            </a:pPr>
-            <a:r>
-              <a:rPr lang="zh-TW" altLang="en-US" sz="4800" b="1" dirty="0">
-                <a:solidFill>
-                  <a:srgbClr val="000066"/>
-                </a:solidFill>
-                <a:latin typeface="微軟正黑體" pitchFamily="34" charset="-120"/>
-                <a:ea typeface="微軟正黑體" pitchFamily="34" charset="-120"/>
-              </a:rPr>
-              <a:t>主的恩典從頭到腳</a:t>
-            </a:r>
-            <a:endParaRPr lang="en-US" altLang="zh-TW" sz="4800" b="1" dirty="0">
-              <a:solidFill>
-                <a:srgbClr val="000066"/>
-              </a:solidFill>
-              <a:latin typeface="微軟正黑體" pitchFamily="34" charset="-120"/>
-              <a:ea typeface="微軟正黑體" pitchFamily="34" charset="-120"/>
-            </a:endParaRPr>
-          </a:p>
-          <a:p>
-            <a:pPr algn="ctr">
-              <a:buNone/>
-            </a:pPr>
-            <a:r>
-              <a:rPr lang="zh-TW" altLang="en-US" sz="4800" b="1" dirty="0">
-                <a:solidFill>
-                  <a:srgbClr val="000066"/>
-                </a:solidFill>
-                <a:latin typeface="微軟正黑體" pitchFamily="34" charset="-120"/>
-                <a:ea typeface="微軟正黑體" pitchFamily="34" charset="-120"/>
-              </a:rPr>
-              <a:t>白白得來不能忘掉</a:t>
-            </a:r>
-            <a:endParaRPr lang="en-US" altLang="zh-TW" sz="4800" b="1" dirty="0">
-              <a:solidFill>
-                <a:srgbClr val="000066"/>
-              </a:solidFill>
-              <a:latin typeface="微軟正黑體" pitchFamily="34" charset="-120"/>
-              <a:ea typeface="微軟正黑體" pitchFamily="34" charset="-120"/>
-            </a:endParaRPr>
-          </a:p>
-          <a:p>
-            <a:pPr algn="ctr">
-              <a:buNone/>
-            </a:pPr>
-            <a:r>
-              <a:rPr lang="zh-TW" altLang="en-US" sz="4800" b="1" dirty="0">
-                <a:solidFill>
-                  <a:srgbClr val="000066"/>
-                </a:solidFill>
-                <a:latin typeface="微軟正黑體" pitchFamily="34" charset="-120"/>
-                <a:ea typeface="微軟正黑體" pitchFamily="34" charset="-120"/>
-              </a:rPr>
-              <a:t>感謝湧出如浪潮</a:t>
-            </a:r>
-            <a:endParaRPr lang="zh-TW" altLang="en-US" sz="4800" b="1" dirty="0">
-              <a:solidFill>
-                <a:srgbClr val="000066"/>
-              </a:solidFill>
-              <a:latin typeface="微軟正黑體" pitchFamily="34" charset="-120"/>
-              <a:ea typeface="微軟正黑體" pitchFamily="34" charset="-120"/>
-            </a:endParaRPr>
-          </a:p>
         </p:txBody>
       </p:sp>
     </p:spTree>
+    <p:extLst>
+      <p:ext uri="{BB962C8B-B14F-4D97-AF65-F5344CB8AC3E}">
+        <p14:creationId xmlns:p14="http://schemas.microsoft.com/office/powerpoint/2010/main" val="3627886975"/>
+      </p:ext>
+    </p:extLst>
   </p:cSld>
   <p:clrMapOvr>
     <a:masterClrMapping/>
@@ -3461,41 +3286,101 @@
       </p:grpSpPr>
       <p:sp>
         <p:nvSpPr>
-          <p:cNvPr id="4" name="標題 3"/>
-          <p:cNvSpPr>
-            <a:spLocks noGrp="1"/>
-          </p:cNvSpPr>
-          <p:nvPr>
-            <p:ph type="title"/>
-          </p:nvPr>
-        </p:nvSpPr>
-        <p:spPr/>
-        <p:txBody>
-          <a:bodyPr>
+          <p:cNvPr id="5" name="內容版面配置區 4"/>
+          <p:cNvSpPr>
+            <a:spLocks noGrp="1"/>
+          </p:cNvSpPr>
+          <p:nvPr>
+            <p:ph idx="1"/>
+          </p:nvPr>
+        </p:nvSpPr>
+        <p:spPr>
+          <a:xfrm>
+            <a:off x="0" y="1563638"/>
+            <a:ext cx="9144000" cy="1803647"/>
+          </a:xfrm>
+        </p:spPr>
+        <p:txBody>
+          <a:bodyPr anchor="ctr">
             <a:normAutofit/>
           </a:bodyPr>
           <a:lstStyle/>
           <a:p>
-            <a:r>
-              <a:rPr lang="zh-TW" altLang="en-US" sz="4000" b="1" dirty="0">
-                <a:solidFill>
-                  <a:srgbClr val="000066"/>
+            <a:pPr algn="ctr">
+              <a:buNone/>
+            </a:pPr>
+            <a:r>
+              <a:rPr lang="zh-TW" altLang="en-US" sz="4800" b="1" dirty="0">
+                <a:solidFill>
+                  <a:srgbClr val="660033"/>
                 </a:solidFill>
                 <a:latin typeface="微軟正黑體" pitchFamily="34" charset="-120"/>
                 <a:ea typeface="微軟正黑體" pitchFamily="34" charset="-120"/>
               </a:rPr>
-              <a:t>主恩典</a:t>
-            </a:r>
-            <a:endParaRPr lang="zh-TW" altLang="en-US" sz="4000" b="1" dirty="0">
+              <a:t>過去現在和未來</a:t>
+            </a:r>
+            <a:endParaRPr lang="en-US" altLang="zh-TW" sz="4800" b="1" dirty="0">
               <a:solidFill>
-                <a:srgbClr val="000066"/>
+                <a:srgbClr val="660033"/>
               </a:solidFill>
               <a:latin typeface="微軟正黑體" pitchFamily="34" charset="-120"/>
               <a:ea typeface="微軟正黑體" pitchFamily="34" charset="-120"/>
             </a:endParaRPr>
           </a:p>
-        </p:txBody>
-      </p:sp>
+          <a:p>
+            <a:pPr algn="ctr">
+              <a:buNone/>
+            </a:pPr>
+            <a:r>
+              <a:rPr lang="zh-TW" altLang="en-US" sz="4800" b="1" dirty="0">
+                <a:solidFill>
+                  <a:srgbClr val="660033"/>
+                </a:solidFill>
+                <a:latin typeface="微軟正黑體" pitchFamily="34" charset="-120"/>
+                <a:ea typeface="微軟正黑體" pitchFamily="34" charset="-120"/>
+              </a:rPr>
+              <a:t>主恩豐富奇妙</a:t>
+            </a:r>
+            <a:endParaRPr lang="zh-TW" altLang="en-US" sz="4800" b="1" dirty="0">
+              <a:solidFill>
+                <a:srgbClr val="660033"/>
+              </a:solidFill>
+              <a:latin typeface="微軟正黑體" pitchFamily="34" charset="-120"/>
+              <a:ea typeface="微軟正黑體" pitchFamily="34" charset="-120"/>
+            </a:endParaRPr>
+          </a:p>
+        </p:txBody>
+      </p:sp>
+    </p:spTree>
+    <p:extLst>
+      <p:ext uri="{BB962C8B-B14F-4D97-AF65-F5344CB8AC3E}">
+        <p14:creationId xmlns:p14="http://schemas.microsoft.com/office/powerpoint/2010/main" val="3868485313"/>
+      </p:ext>
+    </p:extLst>
+  </p:cSld>
+  <p:clrMapOvr>
+    <a:masterClrMapping/>
+  </p:clrMapOvr>
+</p:sld>
+</file>
+
+<file path=ppt/slides/slide4.xml><?xml version="1.0" encoding="utf-8"?>
+<p:sld xmlns:a="http://schemas.openxmlformats.org/drawingml/2006/main" xmlns:r="http://schemas.openxmlformats.org/officeDocument/2006/relationships" xmlns:p="http://schemas.openxmlformats.org/presentationml/2006/main">
+  <p:cSld>
+    <p:spTree>
+      <p:nvGrpSpPr>
+        <p:cNvPr id="1" name=""/>
+        <p:cNvGrpSpPr/>
+        <p:nvPr/>
+      </p:nvGrpSpPr>
+      <p:grpSpPr>
+        <a:xfrm>
+          <a:off x="0" y="0"/>
+          <a:ext cx="0" cy="0"/>
+          <a:chOff x="0" y="0"/>
+          <a:chExt cx="0" cy="0"/>
+        </a:xfrm>
+      </p:grpSpPr>
       <p:sp>
         <p:nvSpPr>
           <p:cNvPr id="5" name="內容版面配置區 4"/>
@@ -3508,12 +3393,12 @@
         </p:nvSpPr>
         <p:spPr>
           <a:xfrm>
-            <a:off x="0" y="1200150"/>
-            <a:ext cx="9144000" cy="3943350"/>
+            <a:off x="0" y="1563638"/>
+            <a:ext cx="9144000" cy="1803647"/>
           </a:xfrm>
         </p:spPr>
         <p:txBody>
-          <a:bodyPr>
+          <a:bodyPr anchor="ctr">
             <a:normAutofit/>
           </a:bodyPr>
           <a:lstStyle/>
@@ -3524,7 +3409,395 @@
             <a:r>
               <a:rPr lang="zh-TW" altLang="en-US" sz="4800" b="1" dirty="0">
                 <a:solidFill>
-                  <a:srgbClr val="000066"/>
+                  <a:srgbClr val="660033"/>
+                </a:solidFill>
+                <a:latin typeface="微軟正黑體" pitchFamily="34" charset="-120"/>
+                <a:ea typeface="微軟正黑體" pitchFamily="34" charset="-120"/>
+              </a:rPr>
+              <a:t>主的恩典大大小小</a:t>
+            </a:r>
+            <a:endParaRPr lang="en-US" altLang="zh-TW" sz="4800" b="1" dirty="0">
+              <a:solidFill>
+                <a:srgbClr val="660033"/>
+              </a:solidFill>
+              <a:latin typeface="微軟正黑體" pitchFamily="34" charset="-120"/>
+              <a:ea typeface="微軟正黑體" pitchFamily="34" charset="-120"/>
+            </a:endParaRPr>
+          </a:p>
+          <a:p>
+            <a:pPr algn="ctr">
+              <a:buNone/>
+            </a:pPr>
+            <a:r>
+              <a:rPr lang="zh-TW" altLang="en-US" sz="4800" b="1" dirty="0">
+                <a:solidFill>
+                  <a:srgbClr val="660033"/>
+                </a:solidFill>
+                <a:latin typeface="微軟正黑體" pitchFamily="34" charset="-120"/>
+                <a:ea typeface="微軟正黑體" pitchFamily="34" charset="-120"/>
+              </a:rPr>
+              <a:t>主的恩典從頭到腳</a:t>
+            </a:r>
+            <a:endParaRPr lang="en-US" altLang="zh-TW" sz="4800" b="1" dirty="0">
+              <a:solidFill>
+                <a:srgbClr val="660033"/>
+              </a:solidFill>
+              <a:latin typeface="微軟正黑體" pitchFamily="34" charset="-120"/>
+              <a:ea typeface="微軟正黑體" pitchFamily="34" charset="-120"/>
+            </a:endParaRPr>
+          </a:p>
+        </p:txBody>
+      </p:sp>
+    </p:spTree>
+    <p:extLst>
+      <p:ext uri="{BB962C8B-B14F-4D97-AF65-F5344CB8AC3E}">
+        <p14:creationId xmlns:p14="http://schemas.microsoft.com/office/powerpoint/2010/main" val="3589311196"/>
+      </p:ext>
+    </p:extLst>
+  </p:cSld>
+  <p:clrMapOvr>
+    <a:masterClrMapping/>
+  </p:clrMapOvr>
+</p:sld>
+</file>
+
+<file path=ppt/slides/slide5.xml><?xml version="1.0" encoding="utf-8"?>
+<p:sld xmlns:a="http://schemas.openxmlformats.org/drawingml/2006/main" xmlns:r="http://schemas.openxmlformats.org/officeDocument/2006/relationships" xmlns:p="http://schemas.openxmlformats.org/presentationml/2006/main">
+  <p:cSld>
+    <p:spTree>
+      <p:nvGrpSpPr>
+        <p:cNvPr id="1" name=""/>
+        <p:cNvGrpSpPr/>
+        <p:nvPr/>
+      </p:nvGrpSpPr>
+      <p:grpSpPr>
+        <a:xfrm>
+          <a:off x="0" y="0"/>
+          <a:ext cx="0" cy="0"/>
+          <a:chOff x="0" y="0"/>
+          <a:chExt cx="0" cy="0"/>
+        </a:xfrm>
+      </p:grpSpPr>
+      <p:sp>
+        <p:nvSpPr>
+          <p:cNvPr id="5" name="內容版面配置區 4"/>
+          <p:cNvSpPr>
+            <a:spLocks noGrp="1"/>
+          </p:cNvSpPr>
+          <p:nvPr>
+            <p:ph idx="1"/>
+          </p:nvPr>
+        </p:nvSpPr>
+        <p:spPr>
+          <a:xfrm>
+            <a:off x="0" y="1563638"/>
+            <a:ext cx="9144000" cy="1803647"/>
+          </a:xfrm>
+        </p:spPr>
+        <p:txBody>
+          <a:bodyPr anchor="ctr">
+            <a:normAutofit/>
+          </a:bodyPr>
+          <a:lstStyle/>
+          <a:p>
+            <a:pPr algn="ctr">
+              <a:buNone/>
+            </a:pPr>
+            <a:r>
+              <a:rPr lang="zh-TW" altLang="en-US" sz="4800" b="1" dirty="0">
+                <a:solidFill>
+                  <a:srgbClr val="660033"/>
+                </a:solidFill>
+                <a:latin typeface="微軟正黑體" pitchFamily="34" charset="-120"/>
+                <a:ea typeface="微軟正黑體" pitchFamily="34" charset="-120"/>
+              </a:rPr>
+              <a:t>白白得來不能忘掉</a:t>
+            </a:r>
+            <a:endParaRPr lang="en-US" altLang="zh-TW" sz="4800" b="1" dirty="0">
+              <a:solidFill>
+                <a:srgbClr val="660033"/>
+              </a:solidFill>
+              <a:latin typeface="微軟正黑體" pitchFamily="34" charset="-120"/>
+              <a:ea typeface="微軟正黑體" pitchFamily="34" charset="-120"/>
+            </a:endParaRPr>
+          </a:p>
+          <a:p>
+            <a:pPr algn="ctr">
+              <a:buNone/>
+            </a:pPr>
+            <a:r>
+              <a:rPr lang="zh-TW" altLang="en-US" sz="4800" b="1" dirty="0">
+                <a:solidFill>
+                  <a:srgbClr val="660033"/>
+                </a:solidFill>
+                <a:latin typeface="微軟正黑體" pitchFamily="34" charset="-120"/>
+                <a:ea typeface="微軟正黑體" pitchFamily="34" charset="-120"/>
+              </a:rPr>
+              <a:t>感謝湧出如浪潮</a:t>
+            </a:r>
+            <a:endParaRPr lang="zh-TW" altLang="en-US" sz="4800" b="1" dirty="0">
+              <a:solidFill>
+                <a:srgbClr val="660033"/>
+              </a:solidFill>
+              <a:latin typeface="微軟正黑體" pitchFamily="34" charset="-120"/>
+              <a:ea typeface="微軟正黑體" pitchFamily="34" charset="-120"/>
+            </a:endParaRPr>
+          </a:p>
+        </p:txBody>
+      </p:sp>
+    </p:spTree>
+    <p:extLst>
+      <p:ext uri="{BB962C8B-B14F-4D97-AF65-F5344CB8AC3E}">
+        <p14:creationId xmlns:p14="http://schemas.microsoft.com/office/powerpoint/2010/main" val="1171544053"/>
+      </p:ext>
+    </p:extLst>
+  </p:cSld>
+  <p:clrMapOvr>
+    <a:masterClrMapping/>
+  </p:clrMapOvr>
+</p:sld>
+</file>
+
+<file path=ppt/slides/slide6.xml><?xml version="1.0" encoding="utf-8"?>
+<p:sld xmlns:a="http://schemas.openxmlformats.org/drawingml/2006/main" xmlns:r="http://schemas.openxmlformats.org/officeDocument/2006/relationships" xmlns:p="http://schemas.openxmlformats.org/presentationml/2006/main">
+  <p:cSld>
+    <p:spTree>
+      <p:nvGrpSpPr>
+        <p:cNvPr id="1" name=""/>
+        <p:cNvGrpSpPr/>
+        <p:nvPr/>
+      </p:nvGrpSpPr>
+      <p:grpSpPr>
+        <a:xfrm>
+          <a:off x="0" y="0"/>
+          <a:ext cx="0" cy="0"/>
+          <a:chOff x="0" y="0"/>
+          <a:chExt cx="0" cy="0"/>
+        </a:xfrm>
+      </p:grpSpPr>
+      <p:sp>
+        <p:nvSpPr>
+          <p:cNvPr id="5" name="內容版面配置區 4"/>
+          <p:cNvSpPr>
+            <a:spLocks noGrp="1"/>
+          </p:cNvSpPr>
+          <p:nvPr>
+            <p:ph idx="1"/>
+          </p:nvPr>
+        </p:nvSpPr>
+        <p:spPr>
+          <a:xfrm>
+            <a:off x="0" y="1563638"/>
+            <a:ext cx="9144000" cy="1803647"/>
+          </a:xfrm>
+        </p:spPr>
+        <p:txBody>
+          <a:bodyPr anchor="ctr">
+            <a:normAutofit/>
+          </a:bodyPr>
+          <a:lstStyle/>
+          <a:p>
+            <a:pPr algn="ctr">
+              <a:buNone/>
+            </a:pPr>
+            <a:r>
+              <a:rPr lang="zh-TW" altLang="en-US" sz="4800" b="1" dirty="0">
+                <a:solidFill>
+                  <a:srgbClr val="660033"/>
+                </a:solidFill>
+                <a:latin typeface="微軟正黑體" pitchFamily="34" charset="-120"/>
+                <a:ea typeface="微軟正黑體" pitchFamily="34" charset="-120"/>
+              </a:rPr>
+              <a:t>主的恩典大大小小</a:t>
+            </a:r>
+            <a:endParaRPr lang="en-US" altLang="zh-TW" sz="4800" b="1" dirty="0">
+              <a:solidFill>
+                <a:srgbClr val="660033"/>
+              </a:solidFill>
+              <a:latin typeface="微軟正黑體" pitchFamily="34" charset="-120"/>
+              <a:ea typeface="微軟正黑體" pitchFamily="34" charset="-120"/>
+            </a:endParaRPr>
+          </a:p>
+          <a:p>
+            <a:pPr algn="ctr">
+              <a:buNone/>
+            </a:pPr>
+            <a:r>
+              <a:rPr lang="zh-TW" altLang="en-US" sz="4800" b="1" dirty="0">
+                <a:solidFill>
+                  <a:srgbClr val="660033"/>
+                </a:solidFill>
+                <a:latin typeface="微軟正黑體" pitchFamily="34" charset="-120"/>
+                <a:ea typeface="微軟正黑體" pitchFamily="34" charset="-120"/>
+              </a:rPr>
+              <a:t>主的恩典從頭到腳</a:t>
+            </a:r>
+            <a:endParaRPr lang="en-US" altLang="zh-TW" sz="4800" b="1" dirty="0">
+              <a:solidFill>
+                <a:srgbClr val="660033"/>
+              </a:solidFill>
+              <a:latin typeface="微軟正黑體" pitchFamily="34" charset="-120"/>
+              <a:ea typeface="微軟正黑體" pitchFamily="34" charset="-120"/>
+            </a:endParaRPr>
+          </a:p>
+        </p:txBody>
+      </p:sp>
+    </p:spTree>
+    <p:extLst>
+      <p:ext uri="{BB962C8B-B14F-4D97-AF65-F5344CB8AC3E}">
+        <p14:creationId xmlns:p14="http://schemas.microsoft.com/office/powerpoint/2010/main" val="726562735"/>
+      </p:ext>
+    </p:extLst>
+  </p:cSld>
+  <p:clrMapOvr>
+    <a:masterClrMapping/>
+  </p:clrMapOvr>
+</p:sld>
+</file>
+
+<file path=ppt/slides/slide7.xml><?xml version="1.0" encoding="utf-8"?>
+<p:sld xmlns:a="http://schemas.openxmlformats.org/drawingml/2006/main" xmlns:r="http://schemas.openxmlformats.org/officeDocument/2006/relationships" xmlns:p="http://schemas.openxmlformats.org/presentationml/2006/main">
+  <p:cSld>
+    <p:spTree>
+      <p:nvGrpSpPr>
+        <p:cNvPr id="1" name=""/>
+        <p:cNvGrpSpPr/>
+        <p:nvPr/>
+      </p:nvGrpSpPr>
+      <p:grpSpPr>
+        <a:xfrm>
+          <a:off x="0" y="0"/>
+          <a:ext cx="0" cy="0"/>
+          <a:chOff x="0" y="0"/>
+          <a:chExt cx="0" cy="0"/>
+        </a:xfrm>
+      </p:grpSpPr>
+      <p:sp>
+        <p:nvSpPr>
+          <p:cNvPr id="5" name="內容版面配置區 4"/>
+          <p:cNvSpPr>
+            <a:spLocks noGrp="1"/>
+          </p:cNvSpPr>
+          <p:nvPr>
+            <p:ph idx="1"/>
+          </p:nvPr>
+        </p:nvSpPr>
+        <p:spPr>
+          <a:xfrm>
+            <a:off x="0" y="1563638"/>
+            <a:ext cx="9144000" cy="1803647"/>
+          </a:xfrm>
+        </p:spPr>
+        <p:txBody>
+          <a:bodyPr anchor="ctr">
+            <a:normAutofit/>
+          </a:bodyPr>
+          <a:lstStyle/>
+          <a:p>
+            <a:pPr algn="ctr">
+              <a:buNone/>
+            </a:pPr>
+            <a:r>
+              <a:rPr lang="zh-TW" altLang="en-US" sz="4800" b="1" dirty="0">
+                <a:solidFill>
+                  <a:srgbClr val="660033"/>
+                </a:solidFill>
+                <a:latin typeface="微軟正黑體" pitchFamily="34" charset="-120"/>
+                <a:ea typeface="微軟正黑體" pitchFamily="34" charset="-120"/>
+              </a:rPr>
+              <a:t>白白得來不能忘掉</a:t>
+            </a:r>
+            <a:endParaRPr lang="en-US" altLang="zh-TW" sz="4800" b="1" dirty="0">
+              <a:solidFill>
+                <a:srgbClr val="660033"/>
+              </a:solidFill>
+              <a:latin typeface="微軟正黑體" pitchFamily="34" charset="-120"/>
+              <a:ea typeface="微軟正黑體" pitchFamily="34" charset="-120"/>
+            </a:endParaRPr>
+          </a:p>
+          <a:p>
+            <a:pPr algn="ctr">
+              <a:buNone/>
+            </a:pPr>
+            <a:r>
+              <a:rPr lang="zh-TW" altLang="en-US" sz="4800" b="1" dirty="0">
+                <a:solidFill>
+                  <a:srgbClr val="660033"/>
+                </a:solidFill>
+                <a:latin typeface="微軟正黑體" pitchFamily="34" charset="-120"/>
+                <a:ea typeface="微軟正黑體" pitchFamily="34" charset="-120"/>
+              </a:rPr>
+              <a:t>感謝湧出如浪潮</a:t>
+            </a:r>
+            <a:endParaRPr lang="zh-TW" altLang="en-US" sz="4800" b="1" dirty="0">
+              <a:solidFill>
+                <a:srgbClr val="660033"/>
+              </a:solidFill>
+              <a:latin typeface="微軟正黑體" pitchFamily="34" charset="-120"/>
+              <a:ea typeface="微軟正黑體" pitchFamily="34" charset="-120"/>
+            </a:endParaRPr>
+          </a:p>
+        </p:txBody>
+      </p:sp>
+    </p:spTree>
+    <p:extLst>
+      <p:ext uri="{BB962C8B-B14F-4D97-AF65-F5344CB8AC3E}">
+        <p14:creationId xmlns:p14="http://schemas.microsoft.com/office/powerpoint/2010/main" val="1558317402"/>
+      </p:ext>
+    </p:extLst>
+  </p:cSld>
+  <p:clrMapOvr>
+    <a:masterClrMapping/>
+  </p:clrMapOvr>
+</p:sld>
+</file>
+
+<file path=ppt/slides/slide8.xml><?xml version="1.0" encoding="utf-8"?>
+<p:sld xmlns:a="http://schemas.openxmlformats.org/drawingml/2006/main" xmlns:r="http://schemas.openxmlformats.org/officeDocument/2006/relationships" xmlns:p="http://schemas.openxmlformats.org/presentationml/2006/main">
+  <p:cSld>
+    <p:spTree>
+      <p:nvGrpSpPr>
+        <p:cNvPr id="1" name=""/>
+        <p:cNvGrpSpPr/>
+        <p:nvPr/>
+      </p:nvGrpSpPr>
+      <p:grpSpPr>
+        <a:xfrm>
+          <a:off x="0" y="0"/>
+          <a:ext cx="0" cy="0"/>
+          <a:chOff x="0" y="0"/>
+          <a:chExt cx="0" cy="0"/>
+        </a:xfrm>
+      </p:grpSpPr>
+      <p:sp>
+        <p:nvSpPr>
+          <p:cNvPr id="5" name="內容版面配置區 4"/>
+          <p:cNvSpPr>
+            <a:spLocks noGrp="1"/>
+          </p:cNvSpPr>
+          <p:nvPr>
+            <p:ph idx="1"/>
+          </p:nvPr>
+        </p:nvSpPr>
+        <p:spPr>
+          <a:xfrm>
+            <a:off x="0" y="1563638"/>
+            <a:ext cx="9144000" cy="1803647"/>
+          </a:xfrm>
+        </p:spPr>
+        <p:txBody>
+          <a:bodyPr anchor="ctr">
+            <a:normAutofit/>
+          </a:bodyPr>
+          <a:lstStyle/>
+          <a:p>
+            <a:pPr algn="ctr">
+              <a:buNone/>
+            </a:pPr>
+            <a:r>
+              <a:rPr lang="zh-TW" altLang="en-US" sz="4800" b="1" dirty="0">
+                <a:solidFill>
+                  <a:srgbClr val="660033"/>
                 </a:solidFill>
                 <a:latin typeface="微軟正黑體" pitchFamily="34" charset="-120"/>
                 <a:ea typeface="微軟正黑體" pitchFamily="34" charset="-120"/>
@@ -3534,7 +3807,7 @@
             <a:r>
               <a:rPr lang="en-US" altLang="zh-TW" sz="4800" b="1" dirty="0">
                 <a:solidFill>
-                  <a:srgbClr val="000066"/>
+                  <a:srgbClr val="660033"/>
                 </a:solidFill>
                 <a:latin typeface="微軟正黑體" pitchFamily="34" charset="-120"/>
                 <a:ea typeface="微軟正黑體" pitchFamily="34" charset="-120"/>
@@ -3544,7 +3817,7 @@
             <a:r>
               <a:rPr lang="zh-TW" altLang="en-US" sz="4800" b="1" dirty="0">
                 <a:solidFill>
-                  <a:srgbClr val="000066"/>
+                  <a:srgbClr val="660033"/>
                 </a:solidFill>
                 <a:latin typeface="微軟正黑體" pitchFamily="34" charset="-120"/>
                 <a:ea typeface="微軟正黑體" pitchFamily="34" charset="-120"/>
@@ -3553,7 +3826,7 @@
             </a:r>
             <a:endParaRPr lang="en-US" altLang="zh-TW" sz="4800" b="1" dirty="0">
               <a:solidFill>
-                <a:srgbClr val="000066"/>
+                <a:srgbClr val="660033"/>
               </a:solidFill>
               <a:latin typeface="微軟正黑體" pitchFamily="34" charset="-120"/>
               <a:ea typeface="微軟正黑體" pitchFamily="34" charset="-120"/>
@@ -3566,7 +3839,7 @@
             <a:r>
               <a:rPr lang="zh-TW" altLang="en-US" sz="4800" b="1" dirty="0">
                 <a:solidFill>
-                  <a:srgbClr val="000066"/>
+                  <a:srgbClr val="660033"/>
                 </a:solidFill>
                 <a:latin typeface="微軟正黑體" pitchFamily="34" charset="-120"/>
                 <a:ea typeface="微軟正黑體" pitchFamily="34" charset="-120"/>
@@ -3575,12 +3848,65 @@
             </a:r>
             <a:endParaRPr lang="en-US" altLang="zh-TW" sz="4800" b="1" dirty="0">
               <a:solidFill>
-                <a:srgbClr val="000066"/>
+                <a:srgbClr val="660033"/>
               </a:solidFill>
               <a:latin typeface="微軟正黑體" pitchFamily="34" charset="-120"/>
               <a:ea typeface="微軟正黑體" pitchFamily="34" charset="-120"/>
             </a:endParaRPr>
           </a:p>
+        </p:txBody>
+      </p:sp>
+    </p:spTree>
+    <p:extLst>
+      <p:ext uri="{BB962C8B-B14F-4D97-AF65-F5344CB8AC3E}">
+        <p14:creationId xmlns:p14="http://schemas.microsoft.com/office/powerpoint/2010/main" val="1105965851"/>
+      </p:ext>
+    </p:extLst>
+  </p:cSld>
+  <p:clrMapOvr>
+    <a:masterClrMapping/>
+  </p:clrMapOvr>
+</p:sld>
+</file>
+
+<file path=ppt/slides/slide9.xml><?xml version="1.0" encoding="utf-8"?>
+<p:sld xmlns:a="http://schemas.openxmlformats.org/drawingml/2006/main" xmlns:r="http://schemas.openxmlformats.org/officeDocument/2006/relationships" xmlns:p="http://schemas.openxmlformats.org/presentationml/2006/main">
+  <p:cSld>
+    <p:spTree>
+      <p:nvGrpSpPr>
+        <p:cNvPr id="1" name=""/>
+        <p:cNvGrpSpPr/>
+        <p:nvPr/>
+      </p:nvGrpSpPr>
+      <p:grpSpPr>
+        <a:xfrm>
+          <a:off x="0" y="0"/>
+          <a:ext cx="0" cy="0"/>
+          <a:chOff x="0" y="0"/>
+          <a:chExt cx="0" cy="0"/>
+        </a:xfrm>
+      </p:grpSpPr>
+      <p:sp>
+        <p:nvSpPr>
+          <p:cNvPr id="5" name="內容版面配置區 4"/>
+          <p:cNvSpPr>
+            <a:spLocks noGrp="1"/>
+          </p:cNvSpPr>
+          <p:nvPr>
+            <p:ph idx="1"/>
+          </p:nvPr>
+        </p:nvSpPr>
+        <p:spPr>
+          <a:xfrm>
+            <a:off x="0" y="1563638"/>
+            <a:ext cx="9144000" cy="1803647"/>
+          </a:xfrm>
+        </p:spPr>
+        <p:txBody>
+          <a:bodyPr anchor="ctr">
+            <a:normAutofit/>
+          </a:bodyPr>
+          <a:lstStyle/>
           <a:p>
             <a:pPr algn="ctr">
               <a:buNone/>
@@ -3588,7 +3914,7 @@
             <a:r>
               <a:rPr lang="zh-TW" altLang="en-US" sz="4800" b="1" dirty="0">
                 <a:solidFill>
-                  <a:srgbClr val="000066"/>
+                  <a:srgbClr val="660033"/>
                 </a:solidFill>
                 <a:latin typeface="微軟正黑體" pitchFamily="34" charset="-120"/>
                 <a:ea typeface="微軟正黑體" pitchFamily="34" charset="-120"/>
@@ -3597,7 +3923,7 @@
             </a:r>
             <a:endParaRPr lang="en-US" altLang="zh-TW" sz="4800" b="1" dirty="0">
               <a:solidFill>
-                <a:srgbClr val="000066"/>
+                <a:srgbClr val="660033"/>
               </a:solidFill>
               <a:latin typeface="微軟正黑體" pitchFamily="34" charset="-120"/>
               <a:ea typeface="微軟正黑體" pitchFamily="34" charset="-120"/>
@@ -3610,7 +3936,7 @@
             <a:r>
               <a:rPr lang="zh-TW" altLang="en-US" sz="4800" b="1" dirty="0">
                 <a:solidFill>
-                  <a:srgbClr val="000066"/>
+                  <a:srgbClr val="660033"/>
                 </a:solidFill>
                 <a:latin typeface="微軟正黑體" pitchFamily="34" charset="-120"/>
                 <a:ea typeface="微軟正黑體" pitchFamily="34" charset="-120"/>
@@ -3619,7 +3945,7 @@
             </a:r>
             <a:endParaRPr lang="zh-TW" altLang="en-US" sz="4800" b="1" dirty="0">
               <a:solidFill>
-                <a:srgbClr val="000066"/>
+                <a:srgbClr val="660033"/>
               </a:solidFill>
               <a:latin typeface="微軟正黑體" pitchFamily="34" charset="-120"/>
               <a:ea typeface="微軟正黑體" pitchFamily="34" charset="-120"/>
@@ -3628,6 +3954,11 @@
         </p:txBody>
       </p:sp>
     </p:spTree>
+    <p:extLst>
+      <p:ext uri="{BB962C8B-B14F-4D97-AF65-F5344CB8AC3E}">
+        <p14:creationId xmlns:p14="http://schemas.microsoft.com/office/powerpoint/2010/main" val="3933587212"/>
+      </p:ext>
+    </p:extLst>
   </p:cSld>
   <p:clrMapOvr>
     <a:masterClrMapping/>
@@ -3913,6 +4244,8 @@
       </a:bgFillStyleLst>
     </a:fmtScheme>
   </a:themeElements>
+  <a:objectDefaults/>
+  <a:extraClrSchemeLst/>
   <a:extLst>
     <a:ext uri="{05A4C25C-085E-4340-85A3-A5531E510DB2}">
       <thm15:themeFamily xmlns:thm15="http://schemas.microsoft.com/office/thememl/2012/main" name="Office Theme" id="{62F939B6-93AF-4DB8-9C6B-D6C7DFDC589F}" vid="{4A3C46E8-61CC-4603-A589-7422A47A8E4A}"/>

--- a/主恩典.pptx
+++ b/主恩典.pptx
@@ -312,7 +312,7 @@
           <a:p>
             <a:fld id="{DE59D944-54CB-47B0-9464-FA766A8DDC46}" type="datetimeFigureOut">
               <a:rPr lang="zh-TW" altLang="en-US" smtClean="0"/>
-              <a:t>2020/12/26</a:t>
+              <a:t>2022/7/8</a:t>
             </a:fld>
             <a:endParaRPr lang="zh-TW" altLang="en-US"/>
           </a:p>
@@ -477,7 +477,7 @@
           <a:p>
             <a:fld id="{DE59D944-54CB-47B0-9464-FA766A8DDC46}" type="datetimeFigureOut">
               <a:rPr lang="zh-TW" altLang="en-US" smtClean="0"/>
-              <a:t>2020/12/26</a:t>
+              <a:t>2022/7/8</a:t>
             </a:fld>
             <a:endParaRPr lang="zh-TW" altLang="en-US"/>
           </a:p>
@@ -652,7 +652,7 @@
           <a:p>
             <a:fld id="{DE59D944-54CB-47B0-9464-FA766A8DDC46}" type="datetimeFigureOut">
               <a:rPr lang="zh-TW" altLang="en-US" smtClean="0"/>
-              <a:t>2020/12/26</a:t>
+              <a:t>2022/7/8</a:t>
             </a:fld>
             <a:endParaRPr lang="zh-TW" altLang="en-US"/>
           </a:p>
@@ -817,7 +817,7 @@
           <a:p>
             <a:fld id="{DE59D944-54CB-47B0-9464-FA766A8DDC46}" type="datetimeFigureOut">
               <a:rPr lang="zh-TW" altLang="en-US" smtClean="0"/>
-              <a:t>2020/12/26</a:t>
+              <a:t>2022/7/8</a:t>
             </a:fld>
             <a:endParaRPr lang="zh-TW" altLang="en-US"/>
           </a:p>
@@ -1058,7 +1058,7 @@
           <a:p>
             <a:fld id="{DE59D944-54CB-47B0-9464-FA766A8DDC46}" type="datetimeFigureOut">
               <a:rPr lang="zh-TW" altLang="en-US" smtClean="0"/>
-              <a:t>2020/12/26</a:t>
+              <a:t>2022/7/8</a:t>
             </a:fld>
             <a:endParaRPr lang="zh-TW" altLang="en-US"/>
           </a:p>
@@ -1341,7 +1341,7 @@
           <a:p>
             <a:fld id="{DE59D944-54CB-47B0-9464-FA766A8DDC46}" type="datetimeFigureOut">
               <a:rPr lang="zh-TW" altLang="en-US" smtClean="0"/>
-              <a:t>2020/12/26</a:t>
+              <a:t>2022/7/8</a:t>
             </a:fld>
             <a:endParaRPr lang="zh-TW" altLang="en-US"/>
           </a:p>
@@ -1758,7 +1758,7 @@
           <a:p>
             <a:fld id="{DE59D944-54CB-47B0-9464-FA766A8DDC46}" type="datetimeFigureOut">
               <a:rPr lang="zh-TW" altLang="en-US" smtClean="0"/>
-              <a:t>2020/12/26</a:t>
+              <a:t>2022/7/8</a:t>
             </a:fld>
             <a:endParaRPr lang="zh-TW" altLang="en-US"/>
           </a:p>
@@ -1871,7 +1871,7 @@
           <a:p>
             <a:fld id="{DE59D944-54CB-47B0-9464-FA766A8DDC46}" type="datetimeFigureOut">
               <a:rPr lang="zh-TW" altLang="en-US" smtClean="0"/>
-              <a:t>2020/12/26</a:t>
+              <a:t>2022/7/8</a:t>
             </a:fld>
             <a:endParaRPr lang="zh-TW" altLang="en-US"/>
           </a:p>
@@ -1961,7 +1961,7 @@
           <a:p>
             <a:fld id="{DE59D944-54CB-47B0-9464-FA766A8DDC46}" type="datetimeFigureOut">
               <a:rPr lang="zh-TW" altLang="en-US" smtClean="0"/>
-              <a:t>2020/12/26</a:t>
+              <a:t>2022/7/8</a:t>
             </a:fld>
             <a:endParaRPr lang="zh-TW" altLang="en-US"/>
           </a:p>
@@ -2233,7 +2233,7 @@
           <a:p>
             <a:fld id="{DE59D944-54CB-47B0-9464-FA766A8DDC46}" type="datetimeFigureOut">
               <a:rPr lang="zh-TW" altLang="en-US" smtClean="0"/>
-              <a:t>2020/12/26</a:t>
+              <a:t>2022/7/8</a:t>
             </a:fld>
             <a:endParaRPr lang="zh-TW" altLang="en-US"/>
           </a:p>
@@ -2485,7 +2485,7 @@
           <a:p>
             <a:fld id="{DE59D944-54CB-47B0-9464-FA766A8DDC46}" type="datetimeFigureOut">
               <a:rPr lang="zh-TW" altLang="en-US" smtClean="0"/>
-              <a:t>2020/12/26</a:t>
+              <a:t>2022/7/8</a:t>
             </a:fld>
             <a:endParaRPr lang="zh-TW" altLang="en-US"/>
           </a:p>
@@ -2698,7 +2698,7 @@
           <a:p>
             <a:fld id="{DE59D944-54CB-47B0-9464-FA766A8DDC46}" type="datetimeFigureOut">
               <a:rPr lang="zh-TW" altLang="en-US" smtClean="0"/>
-              <a:t>2020/12/26</a:t>
+              <a:t>2022/7/8</a:t>
             </a:fld>
             <a:endParaRPr lang="zh-TW" altLang="en-US"/>
           </a:p>
@@ -3254,6 +3254,68 @@
           </a:p>
         </p:txBody>
       </p:sp>
+      <p:sp>
+        <p:nvSpPr>
+          <p:cNvPr id="3" name="TextBox 2"/>
+          <p:cNvSpPr txBox="1"/>
+          <p:nvPr/>
+        </p:nvSpPr>
+        <p:spPr>
+          <a:xfrm>
+            <a:off x="0" y="3867894"/>
+            <a:ext cx="9144000" cy="584775"/>
+          </a:xfrm>
+          <a:prstGeom prst="rect">
+            <a:avLst/>
+          </a:prstGeom>
+          <a:noFill/>
+        </p:spPr>
+        <p:txBody>
+          <a:bodyPr wrap="square" rtlCol="0">
+            <a:spAutoFit/>
+          </a:bodyPr>
+          <a:lstStyle/>
+          <a:p>
+            <a:pPr algn="ctr"/>
+            <a:r>
+              <a:rPr lang="en-US" sz="3200" b="1" dirty="0" smtClean="0">
+                <a:solidFill>
+                  <a:srgbClr val="660033"/>
+                </a:solidFill>
+                <a:latin typeface="Microsoft JhengHei" panose="020B0604030504040204" pitchFamily="34" charset="-120"/>
+                <a:ea typeface="Microsoft JhengHei" panose="020B0604030504040204" pitchFamily="34" charset="-120"/>
+              </a:rPr>
+              <a:t>( </a:t>
+            </a:r>
+            <a:r>
+              <a:rPr lang="zh-CN" altLang="en-US" sz="3200" b="1" dirty="0" smtClean="0">
+                <a:solidFill>
+                  <a:srgbClr val="660033"/>
+                </a:solidFill>
+                <a:latin typeface="Microsoft JhengHei" panose="020B0604030504040204" pitchFamily="34" charset="-120"/>
+                <a:ea typeface="Microsoft JhengHei" panose="020B0604030504040204" pitchFamily="34" charset="-120"/>
+              </a:rPr>
+              <a:t>正</a:t>
+            </a:r>
+            <a:r>
+              <a:rPr lang="en-US" sz="3200" b="1" dirty="0" smtClean="0">
+                <a:solidFill>
+                  <a:srgbClr val="660033"/>
+                </a:solidFill>
+                <a:latin typeface="Microsoft JhengHei" panose="020B0604030504040204" pitchFamily="34" charset="-120"/>
+                <a:ea typeface="Microsoft JhengHei" panose="020B0604030504040204" pitchFamily="34" charset="-120"/>
+              </a:rPr>
+              <a:t> )</a:t>
+            </a:r>
+            <a:endParaRPr lang="vi-VN" sz="3200" b="1" dirty="0">
+              <a:solidFill>
+                <a:srgbClr val="660033"/>
+              </a:solidFill>
+              <a:ea typeface="Microsoft JhengHei" panose="020B0604030504040204" pitchFamily="34" charset="-120"/>
+            </a:endParaRPr>
+          </a:p>
+        </p:txBody>
+      </p:sp>
     </p:spTree>
     <p:extLst>
       <p:ext uri="{BB962C8B-B14F-4D97-AF65-F5344CB8AC3E}">
@@ -3341,12 +3403,67 @@
               </a:rPr>
               <a:t>主恩豐富奇妙</a:t>
             </a:r>
-            <a:endParaRPr lang="zh-TW" altLang="en-US" sz="4800" b="1" dirty="0">
+          </a:p>
+        </p:txBody>
+      </p:sp>
+      <p:sp>
+        <p:nvSpPr>
+          <p:cNvPr id="3" name="TextBox 2"/>
+          <p:cNvSpPr txBox="1"/>
+          <p:nvPr/>
+        </p:nvSpPr>
+        <p:spPr>
+          <a:xfrm>
+            <a:off x="0" y="3867894"/>
+            <a:ext cx="9144000" cy="584775"/>
+          </a:xfrm>
+          <a:prstGeom prst="rect">
+            <a:avLst/>
+          </a:prstGeom>
+          <a:noFill/>
+        </p:spPr>
+        <p:txBody>
+          <a:bodyPr wrap="square" rtlCol="0">
+            <a:spAutoFit/>
+          </a:bodyPr>
+          <a:lstStyle/>
+          <a:p>
+            <a:pPr algn="ctr"/>
+            <a:r>
+              <a:rPr lang="en-US" sz="3200" b="1" dirty="0" smtClean="0">
+                <a:solidFill>
+                  <a:srgbClr val="660033"/>
+                </a:solidFill>
+                <a:latin typeface="Microsoft JhengHei" panose="020B0604030504040204" pitchFamily="34" charset="-120"/>
+                <a:ea typeface="Microsoft JhengHei" panose="020B0604030504040204" pitchFamily="34" charset="-120"/>
+              </a:rPr>
+              <a:t>( </a:t>
+            </a:r>
+            <a:r>
+              <a:rPr lang="zh-CN" altLang="en-US" sz="3200" b="1" dirty="0" smtClean="0">
+                <a:solidFill>
+                  <a:srgbClr val="660033"/>
+                </a:solidFill>
+                <a:latin typeface="Microsoft JhengHei" panose="020B0604030504040204" pitchFamily="34" charset="-120"/>
+                <a:ea typeface="Microsoft JhengHei" panose="020B0604030504040204" pitchFamily="34" charset="-120"/>
+              </a:rPr>
+              <a:t>正</a:t>
+            </a:r>
+            <a:r>
+              <a:rPr lang="en-US" sz="3200" b="1" dirty="0" smtClean="0">
+                <a:solidFill>
+                  <a:srgbClr val="660033"/>
+                </a:solidFill>
+                <a:latin typeface="Microsoft JhengHei" panose="020B0604030504040204" pitchFamily="34" charset="-120"/>
+                <a:ea typeface="Microsoft JhengHei" panose="020B0604030504040204" pitchFamily="34" charset="-120"/>
+              </a:rPr>
+              <a:t> )</a:t>
+            </a:r>
+            <a:endParaRPr lang="vi-VN" sz="3200" b="1" dirty="0">
               <a:solidFill>
                 <a:srgbClr val="660033"/>
               </a:solidFill>
-              <a:latin typeface="微軟正黑體" pitchFamily="34" charset="-120"/>
-              <a:ea typeface="微軟正黑體" pitchFamily="34" charset="-120"/>
+              <a:ea typeface="Microsoft JhengHei" panose="020B0604030504040204" pitchFamily="34" charset="-120"/>
             </a:endParaRPr>
           </a:p>
         </p:txBody>
@@ -3448,6 +3565,78 @@
           </a:p>
         </p:txBody>
       </p:sp>
+      <p:sp>
+        <p:nvSpPr>
+          <p:cNvPr id="3" name="TextBox 2"/>
+          <p:cNvSpPr txBox="1"/>
+          <p:nvPr/>
+        </p:nvSpPr>
+        <p:spPr>
+          <a:xfrm>
+            <a:off x="0" y="3867894"/>
+            <a:ext cx="9144000" cy="584775"/>
+          </a:xfrm>
+          <a:prstGeom prst="rect">
+            <a:avLst/>
+          </a:prstGeom>
+          <a:noFill/>
+        </p:spPr>
+        <p:txBody>
+          <a:bodyPr wrap="square" rtlCol="0">
+            <a:spAutoFit/>
+          </a:bodyPr>
+          <a:lstStyle/>
+          <a:p>
+            <a:pPr algn="ctr"/>
+            <a:r>
+              <a:rPr lang="en-US" sz="3200" b="1" dirty="0" smtClean="0">
+                <a:solidFill>
+                  <a:srgbClr val="660033"/>
+                </a:solidFill>
+                <a:latin typeface="Microsoft JhengHei" panose="020B0604030504040204" pitchFamily="34" charset="-120"/>
+                <a:ea typeface="Microsoft JhengHei" panose="020B0604030504040204" pitchFamily="34" charset="-120"/>
+              </a:rPr>
+              <a:t>( </a:t>
+            </a:r>
+            <a:r>
+              <a:rPr lang="zh-CN" altLang="en-US" sz="3200" b="1" dirty="0" smtClean="0">
+                <a:solidFill>
+                  <a:srgbClr val="660033"/>
+                </a:solidFill>
+                <a:latin typeface="Microsoft JhengHei" panose="020B0604030504040204" pitchFamily="34" charset="-120"/>
+                <a:ea typeface="Microsoft JhengHei" panose="020B0604030504040204" pitchFamily="34" charset="-120"/>
+              </a:rPr>
+              <a:t>副</a:t>
+            </a:r>
+            <a:r>
+              <a:rPr lang="en-US" sz="3200" b="1" dirty="0" smtClean="0">
+                <a:solidFill>
+                  <a:srgbClr val="660033"/>
+                </a:solidFill>
+                <a:latin typeface="Microsoft JhengHei" panose="020B0604030504040204" pitchFamily="34" charset="-120"/>
+                <a:ea typeface="Microsoft JhengHei" panose="020B0604030504040204" pitchFamily="34" charset="-120"/>
+              </a:rPr>
+              <a:t> </a:t>
+            </a:r>
+            <a:r>
+              <a:rPr lang="en-US" sz="3200" b="1" dirty="0" smtClean="0">
+                <a:solidFill>
+                  <a:srgbClr val="660033"/>
+                </a:solidFill>
+                <a:latin typeface="Microsoft JhengHei" panose="020B0604030504040204" pitchFamily="34" charset="-120"/>
+                <a:ea typeface="Microsoft JhengHei" panose="020B0604030504040204" pitchFamily="34" charset="-120"/>
+              </a:rPr>
+              <a:t>)</a:t>
+            </a:r>
+            <a:endParaRPr lang="vi-VN" sz="3200" b="1" dirty="0">
+              <a:solidFill>
+                <a:srgbClr val="660033"/>
+              </a:solidFill>
+              <a:ea typeface="Microsoft JhengHei" panose="020B0604030504040204" pitchFamily="34" charset="-120"/>
+            </a:endParaRPr>
+          </a:p>
+        </p:txBody>
+      </p:sp>
     </p:spTree>
     <p:extLst>
       <p:ext uri="{BB962C8B-B14F-4D97-AF65-F5344CB8AC3E}">
@@ -3535,12 +3724,77 @@
               </a:rPr>
               <a:t>感謝湧出如浪潮</a:t>
             </a:r>
-            <a:endParaRPr lang="zh-TW" altLang="en-US" sz="4800" b="1" dirty="0">
+          </a:p>
+        </p:txBody>
+      </p:sp>
+      <p:sp>
+        <p:nvSpPr>
+          <p:cNvPr id="3" name="TextBox 2"/>
+          <p:cNvSpPr txBox="1"/>
+          <p:nvPr/>
+        </p:nvSpPr>
+        <p:spPr>
+          <a:xfrm>
+            <a:off x="0" y="3867894"/>
+            <a:ext cx="9144000" cy="584775"/>
+          </a:xfrm>
+          <a:prstGeom prst="rect">
+            <a:avLst/>
+          </a:prstGeom>
+          <a:noFill/>
+        </p:spPr>
+        <p:txBody>
+          <a:bodyPr wrap="square" rtlCol="0">
+            <a:spAutoFit/>
+          </a:bodyPr>
+          <a:lstStyle/>
+          <a:p>
+            <a:pPr algn="ctr"/>
+            <a:r>
+              <a:rPr lang="en-US" sz="3200" b="1" dirty="0" smtClean="0">
+                <a:solidFill>
+                  <a:srgbClr val="660033"/>
+                </a:solidFill>
+                <a:latin typeface="Microsoft JhengHei" panose="020B0604030504040204" pitchFamily="34" charset="-120"/>
+                <a:ea typeface="Microsoft JhengHei" panose="020B0604030504040204" pitchFamily="34" charset="-120"/>
+              </a:rPr>
+              <a:t>( </a:t>
+            </a:r>
+            <a:r>
+              <a:rPr lang="zh-CN" altLang="en-US" sz="3200" b="1" dirty="0" smtClean="0">
+                <a:solidFill>
+                  <a:srgbClr val="660033"/>
+                </a:solidFill>
+                <a:latin typeface="Microsoft JhengHei" panose="020B0604030504040204" pitchFamily="34" charset="-120"/>
+                <a:ea typeface="Microsoft JhengHei" panose="020B0604030504040204" pitchFamily="34" charset="-120"/>
+              </a:rPr>
+              <a:t>副</a:t>
+            </a:r>
+            <a:r>
+              <a:rPr lang="en-US" sz="3200" b="1" dirty="0" smtClean="0">
+                <a:solidFill>
+                  <a:srgbClr val="660033"/>
+                </a:solidFill>
+                <a:latin typeface="Microsoft JhengHei" panose="020B0604030504040204" pitchFamily="34" charset="-120"/>
+                <a:ea typeface="Microsoft JhengHei" panose="020B0604030504040204" pitchFamily="34" charset="-120"/>
+              </a:rPr>
+              <a:t> </a:t>
+            </a:r>
+            <a:r>
+              <a:rPr lang="en-US" sz="3200" b="1" dirty="0" smtClean="0">
+                <a:solidFill>
+                  <a:srgbClr val="660033"/>
+                </a:solidFill>
+                <a:latin typeface="Microsoft JhengHei" panose="020B0604030504040204" pitchFamily="34" charset="-120"/>
+                <a:ea typeface="Microsoft JhengHei" panose="020B0604030504040204" pitchFamily="34" charset="-120"/>
+              </a:rPr>
+              <a:t>)</a:t>
+            </a:r>
+            <a:endParaRPr lang="vi-VN" sz="3200" b="1" dirty="0">
               <a:solidFill>
                 <a:srgbClr val="660033"/>
               </a:solidFill>
-              <a:latin typeface="微軟正黑體" pitchFamily="34" charset="-120"/>
-              <a:ea typeface="微軟正黑體" pitchFamily="34" charset="-120"/>
+              <a:ea typeface="Microsoft JhengHei" panose="020B0604030504040204" pitchFamily="34" charset="-120"/>
             </a:endParaRPr>
           </a:p>
         </p:txBody>
@@ -3642,6 +3896,78 @@
           </a:p>
         </p:txBody>
       </p:sp>
+      <p:sp>
+        <p:nvSpPr>
+          <p:cNvPr id="3" name="TextBox 2"/>
+          <p:cNvSpPr txBox="1"/>
+          <p:nvPr/>
+        </p:nvSpPr>
+        <p:spPr>
+          <a:xfrm>
+            <a:off x="0" y="3867894"/>
+            <a:ext cx="9144000" cy="584775"/>
+          </a:xfrm>
+          <a:prstGeom prst="rect">
+            <a:avLst/>
+          </a:prstGeom>
+          <a:noFill/>
+        </p:spPr>
+        <p:txBody>
+          <a:bodyPr wrap="square" rtlCol="0">
+            <a:spAutoFit/>
+          </a:bodyPr>
+          <a:lstStyle/>
+          <a:p>
+            <a:pPr algn="ctr"/>
+            <a:r>
+              <a:rPr lang="en-US" sz="3200" b="1" dirty="0" smtClean="0">
+                <a:solidFill>
+                  <a:srgbClr val="660033"/>
+                </a:solidFill>
+                <a:latin typeface="Microsoft JhengHei" panose="020B0604030504040204" pitchFamily="34" charset="-120"/>
+                <a:ea typeface="Microsoft JhengHei" panose="020B0604030504040204" pitchFamily="34" charset="-120"/>
+              </a:rPr>
+              <a:t>( </a:t>
+            </a:r>
+            <a:r>
+              <a:rPr lang="zh-CN" altLang="en-US" sz="3200" b="1" dirty="0" smtClean="0">
+                <a:solidFill>
+                  <a:srgbClr val="660033"/>
+                </a:solidFill>
+                <a:latin typeface="Microsoft JhengHei" panose="020B0604030504040204" pitchFamily="34" charset="-120"/>
+                <a:ea typeface="Microsoft JhengHei" panose="020B0604030504040204" pitchFamily="34" charset="-120"/>
+              </a:rPr>
+              <a:t>副</a:t>
+            </a:r>
+            <a:r>
+              <a:rPr lang="en-US" sz="3200" b="1" dirty="0" smtClean="0">
+                <a:solidFill>
+                  <a:srgbClr val="660033"/>
+                </a:solidFill>
+                <a:latin typeface="Microsoft JhengHei" panose="020B0604030504040204" pitchFamily="34" charset="-120"/>
+                <a:ea typeface="Microsoft JhengHei" panose="020B0604030504040204" pitchFamily="34" charset="-120"/>
+              </a:rPr>
+              <a:t> </a:t>
+            </a:r>
+            <a:r>
+              <a:rPr lang="en-US" sz="3200" b="1" dirty="0" smtClean="0">
+                <a:solidFill>
+                  <a:srgbClr val="660033"/>
+                </a:solidFill>
+                <a:latin typeface="Microsoft JhengHei" panose="020B0604030504040204" pitchFamily="34" charset="-120"/>
+                <a:ea typeface="Microsoft JhengHei" panose="020B0604030504040204" pitchFamily="34" charset="-120"/>
+              </a:rPr>
+              <a:t>)</a:t>
+            </a:r>
+            <a:endParaRPr lang="vi-VN" sz="3200" b="1" dirty="0">
+              <a:solidFill>
+                <a:srgbClr val="660033"/>
+              </a:solidFill>
+              <a:ea typeface="Microsoft JhengHei" panose="020B0604030504040204" pitchFamily="34" charset="-120"/>
+            </a:endParaRPr>
+          </a:p>
+        </p:txBody>
+      </p:sp>
     </p:spTree>
     <p:extLst>
       <p:ext uri="{BB962C8B-B14F-4D97-AF65-F5344CB8AC3E}">
@@ -3729,12 +4055,77 @@
               </a:rPr>
               <a:t>感謝湧出如浪潮</a:t>
             </a:r>
-            <a:endParaRPr lang="zh-TW" altLang="en-US" sz="4800" b="1" dirty="0">
+          </a:p>
+        </p:txBody>
+      </p:sp>
+      <p:sp>
+        <p:nvSpPr>
+          <p:cNvPr id="3" name="TextBox 2"/>
+          <p:cNvSpPr txBox="1"/>
+          <p:nvPr/>
+        </p:nvSpPr>
+        <p:spPr>
+          <a:xfrm>
+            <a:off x="0" y="3867894"/>
+            <a:ext cx="9144000" cy="584775"/>
+          </a:xfrm>
+          <a:prstGeom prst="rect">
+            <a:avLst/>
+          </a:prstGeom>
+          <a:noFill/>
+        </p:spPr>
+        <p:txBody>
+          <a:bodyPr wrap="square" rtlCol="0">
+            <a:spAutoFit/>
+          </a:bodyPr>
+          <a:lstStyle/>
+          <a:p>
+            <a:pPr algn="ctr"/>
+            <a:r>
+              <a:rPr lang="en-US" sz="3200" b="1" dirty="0" smtClean="0">
+                <a:solidFill>
+                  <a:srgbClr val="660033"/>
+                </a:solidFill>
+                <a:latin typeface="Microsoft JhengHei" panose="020B0604030504040204" pitchFamily="34" charset="-120"/>
+                <a:ea typeface="Microsoft JhengHei" panose="020B0604030504040204" pitchFamily="34" charset="-120"/>
+              </a:rPr>
+              <a:t>( </a:t>
+            </a:r>
+            <a:r>
+              <a:rPr lang="zh-CN" altLang="en-US" sz="3200" b="1" dirty="0" smtClean="0">
+                <a:solidFill>
+                  <a:srgbClr val="660033"/>
+                </a:solidFill>
+                <a:latin typeface="Microsoft JhengHei" panose="020B0604030504040204" pitchFamily="34" charset="-120"/>
+                <a:ea typeface="Microsoft JhengHei" panose="020B0604030504040204" pitchFamily="34" charset="-120"/>
+              </a:rPr>
+              <a:t>副</a:t>
+            </a:r>
+            <a:r>
+              <a:rPr lang="en-US" sz="3200" b="1" dirty="0" smtClean="0">
+                <a:solidFill>
+                  <a:srgbClr val="660033"/>
+                </a:solidFill>
+                <a:latin typeface="Microsoft JhengHei" panose="020B0604030504040204" pitchFamily="34" charset="-120"/>
+                <a:ea typeface="Microsoft JhengHei" panose="020B0604030504040204" pitchFamily="34" charset="-120"/>
+              </a:rPr>
+              <a:t> </a:t>
+            </a:r>
+            <a:r>
+              <a:rPr lang="en-US" sz="3200" b="1" dirty="0" smtClean="0">
+                <a:solidFill>
+                  <a:srgbClr val="660033"/>
+                </a:solidFill>
+                <a:latin typeface="Microsoft JhengHei" panose="020B0604030504040204" pitchFamily="34" charset="-120"/>
+                <a:ea typeface="Microsoft JhengHei" panose="020B0604030504040204" pitchFamily="34" charset="-120"/>
+              </a:rPr>
+              <a:t>)</a:t>
+            </a:r>
+            <a:endParaRPr lang="vi-VN" sz="3200" b="1" dirty="0">
               <a:solidFill>
                 <a:srgbClr val="660033"/>
               </a:solidFill>
-              <a:latin typeface="微軟正黑體" pitchFamily="34" charset="-120"/>
-              <a:ea typeface="微軟正黑體" pitchFamily="34" charset="-120"/>
+              <a:ea typeface="Microsoft JhengHei" panose="020B0604030504040204" pitchFamily="34" charset="-120"/>
             </a:endParaRPr>
           </a:p>
         </p:txBody>
@@ -3856,6 +4247,78 @@
           </a:p>
         </p:txBody>
       </p:sp>
+      <p:sp>
+        <p:nvSpPr>
+          <p:cNvPr id="3" name="TextBox 2"/>
+          <p:cNvSpPr txBox="1"/>
+          <p:nvPr/>
+        </p:nvSpPr>
+        <p:spPr>
+          <a:xfrm>
+            <a:off x="0" y="3867894"/>
+            <a:ext cx="9144000" cy="584775"/>
+          </a:xfrm>
+          <a:prstGeom prst="rect">
+            <a:avLst/>
+          </a:prstGeom>
+          <a:noFill/>
+        </p:spPr>
+        <p:txBody>
+          <a:bodyPr wrap="square" rtlCol="0">
+            <a:spAutoFit/>
+          </a:bodyPr>
+          <a:lstStyle/>
+          <a:p>
+            <a:pPr algn="ctr"/>
+            <a:r>
+              <a:rPr lang="en-US" sz="3200" b="1" dirty="0" smtClean="0">
+                <a:solidFill>
+                  <a:srgbClr val="660033"/>
+                </a:solidFill>
+                <a:latin typeface="Microsoft JhengHei" panose="020B0604030504040204" pitchFamily="34" charset="-120"/>
+                <a:ea typeface="Microsoft JhengHei" panose="020B0604030504040204" pitchFamily="34" charset="-120"/>
+              </a:rPr>
+              <a:t>( </a:t>
+            </a:r>
+            <a:r>
+              <a:rPr lang="zh-CN" altLang="en-US" sz="3200" b="1" dirty="0" smtClean="0">
+                <a:solidFill>
+                  <a:srgbClr val="660033"/>
+                </a:solidFill>
+                <a:latin typeface="Microsoft JhengHei" panose="020B0604030504040204" pitchFamily="34" charset="-120"/>
+                <a:ea typeface="Microsoft JhengHei" panose="020B0604030504040204" pitchFamily="34" charset="-120"/>
+              </a:rPr>
+              <a:t>副</a:t>
+            </a:r>
+            <a:r>
+              <a:rPr lang="en-US" sz="3200" b="1" dirty="0" smtClean="0">
+                <a:solidFill>
+                  <a:srgbClr val="660033"/>
+                </a:solidFill>
+                <a:latin typeface="Microsoft JhengHei" panose="020B0604030504040204" pitchFamily="34" charset="-120"/>
+                <a:ea typeface="Microsoft JhengHei" panose="020B0604030504040204" pitchFamily="34" charset="-120"/>
+              </a:rPr>
+              <a:t> </a:t>
+            </a:r>
+            <a:r>
+              <a:rPr lang="en-US" sz="3200" b="1" dirty="0" smtClean="0">
+                <a:solidFill>
+                  <a:srgbClr val="660033"/>
+                </a:solidFill>
+                <a:latin typeface="Microsoft JhengHei" panose="020B0604030504040204" pitchFamily="34" charset="-120"/>
+                <a:ea typeface="Microsoft JhengHei" panose="020B0604030504040204" pitchFamily="34" charset="-120"/>
+              </a:rPr>
+              <a:t>)</a:t>
+            </a:r>
+            <a:endParaRPr lang="vi-VN" sz="3200" b="1" dirty="0">
+              <a:solidFill>
+                <a:srgbClr val="660033"/>
+              </a:solidFill>
+              <a:ea typeface="Microsoft JhengHei" panose="020B0604030504040204" pitchFamily="34" charset="-120"/>
+            </a:endParaRPr>
+          </a:p>
+        </p:txBody>
+      </p:sp>
     </p:spTree>
     <p:extLst>
       <p:ext uri="{BB962C8B-B14F-4D97-AF65-F5344CB8AC3E}">
@@ -3943,12 +4406,77 @@
               </a:rPr>
               <a:t>我一生讚美  一生要來讚美主</a:t>
             </a:r>
-            <a:endParaRPr lang="zh-TW" altLang="en-US" sz="4800" b="1" dirty="0">
+          </a:p>
+        </p:txBody>
+      </p:sp>
+      <p:sp>
+        <p:nvSpPr>
+          <p:cNvPr id="3" name="TextBox 2"/>
+          <p:cNvSpPr txBox="1"/>
+          <p:nvPr/>
+        </p:nvSpPr>
+        <p:spPr>
+          <a:xfrm>
+            <a:off x="0" y="3867894"/>
+            <a:ext cx="9144000" cy="584775"/>
+          </a:xfrm>
+          <a:prstGeom prst="rect">
+            <a:avLst/>
+          </a:prstGeom>
+          <a:noFill/>
+        </p:spPr>
+        <p:txBody>
+          <a:bodyPr wrap="square" rtlCol="0">
+            <a:spAutoFit/>
+          </a:bodyPr>
+          <a:lstStyle/>
+          <a:p>
+            <a:pPr algn="ctr"/>
+            <a:r>
+              <a:rPr lang="en-US" sz="3200" b="1" dirty="0" smtClean="0">
+                <a:solidFill>
+                  <a:srgbClr val="660033"/>
+                </a:solidFill>
+                <a:latin typeface="Microsoft JhengHei" panose="020B0604030504040204" pitchFamily="34" charset="-120"/>
+                <a:ea typeface="Microsoft JhengHei" panose="020B0604030504040204" pitchFamily="34" charset="-120"/>
+              </a:rPr>
+              <a:t>( </a:t>
+            </a:r>
+            <a:r>
+              <a:rPr lang="zh-CN" altLang="en-US" sz="3200" b="1" dirty="0" smtClean="0">
+                <a:solidFill>
+                  <a:srgbClr val="660033"/>
+                </a:solidFill>
+                <a:latin typeface="Microsoft JhengHei" panose="020B0604030504040204" pitchFamily="34" charset="-120"/>
+                <a:ea typeface="Microsoft JhengHei" panose="020B0604030504040204" pitchFamily="34" charset="-120"/>
+              </a:rPr>
+              <a:t>副</a:t>
+            </a:r>
+            <a:r>
+              <a:rPr lang="en-US" sz="3200" b="1" dirty="0" smtClean="0">
+                <a:solidFill>
+                  <a:srgbClr val="660033"/>
+                </a:solidFill>
+                <a:latin typeface="Microsoft JhengHei" panose="020B0604030504040204" pitchFamily="34" charset="-120"/>
+                <a:ea typeface="Microsoft JhengHei" panose="020B0604030504040204" pitchFamily="34" charset="-120"/>
+              </a:rPr>
+              <a:t> </a:t>
+            </a:r>
+            <a:r>
+              <a:rPr lang="en-US" sz="3200" b="1" dirty="0" smtClean="0">
+                <a:solidFill>
+                  <a:srgbClr val="660033"/>
+                </a:solidFill>
+                <a:latin typeface="Microsoft JhengHei" panose="020B0604030504040204" pitchFamily="34" charset="-120"/>
+                <a:ea typeface="Microsoft JhengHei" panose="020B0604030504040204" pitchFamily="34" charset="-120"/>
+              </a:rPr>
+              <a:t>)</a:t>
+            </a:r>
+            <a:endParaRPr lang="vi-VN" sz="3200" b="1" dirty="0">
               <a:solidFill>
                 <a:srgbClr val="660033"/>
               </a:solidFill>
-              <a:latin typeface="微軟正黑體" pitchFamily="34" charset="-120"/>
-              <a:ea typeface="微軟正黑體" pitchFamily="34" charset="-120"/>
+              <a:ea typeface="Microsoft JhengHei" panose="020B0604030504040204" pitchFamily="34" charset="-120"/>
             </a:endParaRPr>
           </a:p>
         </p:txBody>

--- a/主恩典.pptx
+++ b/主恩典.pptx
@@ -312,7 +312,7 @@
           <a:p>
             <a:fld id="{DE59D944-54CB-47B0-9464-FA766A8DDC46}" type="datetimeFigureOut">
               <a:rPr lang="zh-TW" altLang="en-US" smtClean="0"/>
-              <a:t>2022/7/8</a:t>
+              <a:t>2023/7/7</a:t>
             </a:fld>
             <a:endParaRPr lang="zh-TW" altLang="en-US"/>
           </a:p>
@@ -477,7 +477,7 @@
           <a:p>
             <a:fld id="{DE59D944-54CB-47B0-9464-FA766A8DDC46}" type="datetimeFigureOut">
               <a:rPr lang="zh-TW" altLang="en-US" smtClean="0"/>
-              <a:t>2022/7/8</a:t>
+              <a:t>2023/7/7</a:t>
             </a:fld>
             <a:endParaRPr lang="zh-TW" altLang="en-US"/>
           </a:p>
@@ -652,7 +652,7 @@
           <a:p>
             <a:fld id="{DE59D944-54CB-47B0-9464-FA766A8DDC46}" type="datetimeFigureOut">
               <a:rPr lang="zh-TW" altLang="en-US" smtClean="0"/>
-              <a:t>2022/7/8</a:t>
+              <a:t>2023/7/7</a:t>
             </a:fld>
             <a:endParaRPr lang="zh-TW" altLang="en-US"/>
           </a:p>
@@ -817,7 +817,7 @@
           <a:p>
             <a:fld id="{DE59D944-54CB-47B0-9464-FA766A8DDC46}" type="datetimeFigureOut">
               <a:rPr lang="zh-TW" altLang="en-US" smtClean="0"/>
-              <a:t>2022/7/8</a:t>
+              <a:t>2023/7/7</a:t>
             </a:fld>
             <a:endParaRPr lang="zh-TW" altLang="en-US"/>
           </a:p>
@@ -1058,7 +1058,7 @@
           <a:p>
             <a:fld id="{DE59D944-54CB-47B0-9464-FA766A8DDC46}" type="datetimeFigureOut">
               <a:rPr lang="zh-TW" altLang="en-US" smtClean="0"/>
-              <a:t>2022/7/8</a:t>
+              <a:t>2023/7/7</a:t>
             </a:fld>
             <a:endParaRPr lang="zh-TW" altLang="en-US"/>
           </a:p>
@@ -1341,7 +1341,7 @@
           <a:p>
             <a:fld id="{DE59D944-54CB-47B0-9464-FA766A8DDC46}" type="datetimeFigureOut">
               <a:rPr lang="zh-TW" altLang="en-US" smtClean="0"/>
-              <a:t>2022/7/8</a:t>
+              <a:t>2023/7/7</a:t>
             </a:fld>
             <a:endParaRPr lang="zh-TW" altLang="en-US"/>
           </a:p>
@@ -1758,7 +1758,7 @@
           <a:p>
             <a:fld id="{DE59D944-54CB-47B0-9464-FA766A8DDC46}" type="datetimeFigureOut">
               <a:rPr lang="zh-TW" altLang="en-US" smtClean="0"/>
-              <a:t>2022/7/8</a:t>
+              <a:t>2023/7/7</a:t>
             </a:fld>
             <a:endParaRPr lang="zh-TW" altLang="en-US"/>
           </a:p>
@@ -1871,7 +1871,7 @@
           <a:p>
             <a:fld id="{DE59D944-54CB-47B0-9464-FA766A8DDC46}" type="datetimeFigureOut">
               <a:rPr lang="zh-TW" altLang="en-US" smtClean="0"/>
-              <a:t>2022/7/8</a:t>
+              <a:t>2023/7/7</a:t>
             </a:fld>
             <a:endParaRPr lang="zh-TW" altLang="en-US"/>
           </a:p>
@@ -1961,7 +1961,7 @@
           <a:p>
             <a:fld id="{DE59D944-54CB-47B0-9464-FA766A8DDC46}" type="datetimeFigureOut">
               <a:rPr lang="zh-TW" altLang="en-US" smtClean="0"/>
-              <a:t>2022/7/8</a:t>
+              <a:t>2023/7/7</a:t>
             </a:fld>
             <a:endParaRPr lang="zh-TW" altLang="en-US"/>
           </a:p>
@@ -2233,7 +2233,7 @@
           <a:p>
             <a:fld id="{DE59D944-54CB-47B0-9464-FA766A8DDC46}" type="datetimeFigureOut">
               <a:rPr lang="zh-TW" altLang="en-US" smtClean="0"/>
-              <a:t>2022/7/8</a:t>
+              <a:t>2023/7/7</a:t>
             </a:fld>
             <a:endParaRPr lang="zh-TW" altLang="en-US"/>
           </a:p>
@@ -2485,7 +2485,7 @@
           <a:p>
             <a:fld id="{DE59D944-54CB-47B0-9464-FA766A8DDC46}" type="datetimeFigureOut">
               <a:rPr lang="zh-TW" altLang="en-US" smtClean="0"/>
-              <a:t>2022/7/8</a:t>
+              <a:t>2023/7/7</a:t>
             </a:fld>
             <a:endParaRPr lang="zh-TW" altLang="en-US"/>
           </a:p>
@@ -2698,7 +2698,7 @@
           <a:p>
             <a:fld id="{DE59D944-54CB-47B0-9464-FA766A8DDC46}" type="datetimeFigureOut">
               <a:rPr lang="zh-TW" altLang="en-US" smtClean="0"/>
-              <a:t>2022/7/8</a:t>
+              <a:t>2023/7/7</a:t>
             </a:fld>
             <a:endParaRPr lang="zh-TW" altLang="en-US"/>
           </a:p>
@@ -3080,7 +3080,7 @@
         </p:nvSpPr>
         <p:spPr>
           <a:xfrm>
-            <a:off x="0" y="2143135"/>
+            <a:off x="-36512" y="1995686"/>
             <a:ext cx="9144000" cy="857250"/>
           </a:xfrm>
         </p:spPr>
@@ -3263,7 +3263,7 @@
         <p:spPr>
           <a:xfrm>
             <a:off x="0" y="3867894"/>
-            <a:ext cx="9144000" cy="584775"/>
+            <a:ext cx="9144000" cy="523220"/>
           </a:xfrm>
           <a:prstGeom prst="rect">
             <a:avLst/>
@@ -3278,7 +3278,7 @@
           <a:p>
             <a:pPr algn="ctr"/>
             <a:r>
-              <a:rPr lang="en-US" sz="3200" b="1" dirty="0" smtClean="0">
+              <a:rPr lang="en-US" sz="2800" b="1" dirty="0" smtClean="0">
                 <a:solidFill>
                   <a:srgbClr val="660033"/>
                 </a:solidFill>
@@ -3288,7 +3288,7 @@
               <a:t>( </a:t>
             </a:r>
             <a:r>
-              <a:rPr lang="zh-CN" altLang="en-US" sz="3200" b="1" dirty="0" smtClean="0">
+              <a:rPr lang="zh-CN" altLang="en-US" sz="2800" b="1" dirty="0" smtClean="0">
                 <a:solidFill>
                   <a:srgbClr val="660033"/>
                 </a:solidFill>
@@ -3298,7 +3298,7 @@
               <a:t>正</a:t>
             </a:r>
             <a:r>
-              <a:rPr lang="en-US" sz="3200" b="1" dirty="0" smtClean="0">
+              <a:rPr lang="en-US" sz="2800" b="1" dirty="0" smtClean="0">
                 <a:solidFill>
                   <a:srgbClr val="660033"/>
                 </a:solidFill>
@@ -3307,7 +3307,7 @@
               </a:rPr>
               <a:t> )</a:t>
             </a:r>
-            <a:endParaRPr lang="vi-VN" sz="3200" b="1" dirty="0">
+            <a:endParaRPr lang="vi-VN" sz="2800" b="1" dirty="0">
               <a:solidFill>
                 <a:srgbClr val="660033"/>
               </a:solidFill>
@@ -3415,7 +3415,7 @@
         <p:spPr>
           <a:xfrm>
             <a:off x="0" y="3867894"/>
-            <a:ext cx="9144000" cy="584775"/>
+            <a:ext cx="9144000" cy="523220"/>
           </a:xfrm>
           <a:prstGeom prst="rect">
             <a:avLst/>
@@ -3430,7 +3430,7 @@
           <a:p>
             <a:pPr algn="ctr"/>
             <a:r>
-              <a:rPr lang="en-US" sz="3200" b="1" dirty="0" smtClean="0">
+              <a:rPr lang="en-US" sz="2800" b="1" dirty="0">
                 <a:solidFill>
                   <a:srgbClr val="660033"/>
                 </a:solidFill>
@@ -3440,7 +3440,7 @@
               <a:t>( </a:t>
             </a:r>
             <a:r>
-              <a:rPr lang="zh-CN" altLang="en-US" sz="3200" b="1" dirty="0" smtClean="0">
+              <a:rPr lang="zh-CN" altLang="en-US" sz="2800" b="1" dirty="0">
                 <a:solidFill>
                   <a:srgbClr val="660033"/>
                 </a:solidFill>
@@ -3450,7 +3450,7 @@
               <a:t>正</a:t>
             </a:r>
             <a:r>
-              <a:rPr lang="en-US" sz="3200" b="1" dirty="0" smtClean="0">
+              <a:rPr lang="en-US" sz="2800" b="1" dirty="0">
                 <a:solidFill>
                   <a:srgbClr val="660033"/>
                 </a:solidFill>
@@ -3459,10 +3459,11 @@
               </a:rPr>
               <a:t> )</a:t>
             </a:r>
-            <a:endParaRPr lang="vi-VN" sz="3200" b="1" dirty="0">
+            <a:endParaRPr lang="vi-VN" sz="2800" b="1" dirty="0">
               <a:solidFill>
                 <a:srgbClr val="660033"/>
               </a:solidFill>
+              <a:latin typeface="Microsoft JhengHei" panose="020B0604030504040204" pitchFamily="34" charset="-120"/>
               <a:ea typeface="Microsoft JhengHei" panose="020B0604030504040204" pitchFamily="34" charset="-120"/>
             </a:endParaRPr>
           </a:p>
@@ -3574,7 +3575,7 @@
         <p:spPr>
           <a:xfrm>
             <a:off x="0" y="3867894"/>
-            <a:ext cx="9144000" cy="584775"/>
+            <a:ext cx="9144000" cy="523220"/>
           </a:xfrm>
           <a:prstGeom prst="rect">
             <a:avLst/>
@@ -3589,7 +3590,7 @@
           <a:p>
             <a:pPr algn="ctr"/>
             <a:r>
-              <a:rPr lang="en-US" sz="3200" b="1" dirty="0" smtClean="0">
+              <a:rPr lang="en-US" sz="2800" b="1" dirty="0">
                 <a:solidFill>
                   <a:srgbClr val="660033"/>
                 </a:solidFill>
@@ -3599,7 +3600,7 @@
               <a:t>( </a:t>
             </a:r>
             <a:r>
-              <a:rPr lang="zh-CN" altLang="en-US" sz="3200" b="1" dirty="0" smtClean="0">
+              <a:rPr lang="zh-CN" altLang="en-US" sz="2800" b="1" dirty="0">
                 <a:solidFill>
                   <a:srgbClr val="660033"/>
                 </a:solidFill>
@@ -3609,29 +3610,20 @@
               <a:t>副</a:t>
             </a:r>
             <a:r>
-              <a:rPr lang="en-US" sz="3200" b="1" dirty="0" smtClean="0">
+              <a:rPr lang="en-US" sz="2800" b="1" dirty="0">
                 <a:solidFill>
                   <a:srgbClr val="660033"/>
                 </a:solidFill>
                 <a:latin typeface="Microsoft JhengHei" panose="020B0604030504040204" pitchFamily="34" charset="-120"/>
                 <a:ea typeface="Microsoft JhengHei" panose="020B0604030504040204" pitchFamily="34" charset="-120"/>
               </a:rPr>
-              <a:t> </a:t>
-            </a:r>
-            <a:r>
-              <a:rPr lang="en-US" sz="3200" b="1" dirty="0" smtClean="0">
-                <a:solidFill>
-                  <a:srgbClr val="660033"/>
-                </a:solidFill>
-                <a:latin typeface="Microsoft JhengHei" panose="020B0604030504040204" pitchFamily="34" charset="-120"/>
-                <a:ea typeface="Microsoft JhengHei" panose="020B0604030504040204" pitchFamily="34" charset="-120"/>
-              </a:rPr>
-              <a:t>)</a:t>
-            </a:r>
-            <a:endParaRPr lang="vi-VN" sz="3200" b="1" dirty="0">
+              <a:t> )</a:t>
+            </a:r>
+            <a:endParaRPr lang="vi-VN" sz="2800" b="1" dirty="0">
               <a:solidFill>
                 <a:srgbClr val="660033"/>
               </a:solidFill>
+              <a:latin typeface="Microsoft JhengHei" panose="020B0604030504040204" pitchFamily="34" charset="-120"/>
               <a:ea typeface="Microsoft JhengHei" panose="020B0604030504040204" pitchFamily="34" charset="-120"/>
             </a:endParaRPr>
           </a:p>
@@ -3736,7 +3728,7 @@
         <p:spPr>
           <a:xfrm>
             <a:off x="0" y="3867894"/>
-            <a:ext cx="9144000" cy="584775"/>
+            <a:ext cx="9144000" cy="523220"/>
           </a:xfrm>
           <a:prstGeom prst="rect">
             <a:avLst/>
@@ -3751,7 +3743,7 @@
           <a:p>
             <a:pPr algn="ctr"/>
             <a:r>
-              <a:rPr lang="en-US" sz="3200" b="1" dirty="0" smtClean="0">
+              <a:rPr lang="en-US" sz="2800" b="1" dirty="0">
                 <a:solidFill>
                   <a:srgbClr val="660033"/>
                 </a:solidFill>
@@ -3761,7 +3753,7 @@
               <a:t>( </a:t>
             </a:r>
             <a:r>
-              <a:rPr lang="zh-CN" altLang="en-US" sz="3200" b="1" dirty="0" smtClean="0">
+              <a:rPr lang="zh-CN" altLang="en-US" sz="2800" b="1" dirty="0">
                 <a:solidFill>
                   <a:srgbClr val="660033"/>
                 </a:solidFill>
@@ -3771,29 +3763,20 @@
               <a:t>副</a:t>
             </a:r>
             <a:r>
-              <a:rPr lang="en-US" sz="3200" b="1" dirty="0" smtClean="0">
+              <a:rPr lang="en-US" sz="2800" b="1" dirty="0">
                 <a:solidFill>
                   <a:srgbClr val="660033"/>
                 </a:solidFill>
                 <a:latin typeface="Microsoft JhengHei" panose="020B0604030504040204" pitchFamily="34" charset="-120"/>
                 <a:ea typeface="Microsoft JhengHei" panose="020B0604030504040204" pitchFamily="34" charset="-120"/>
               </a:rPr>
-              <a:t> </a:t>
-            </a:r>
-            <a:r>
-              <a:rPr lang="en-US" sz="3200" b="1" dirty="0" smtClean="0">
-                <a:solidFill>
-                  <a:srgbClr val="660033"/>
-                </a:solidFill>
-                <a:latin typeface="Microsoft JhengHei" panose="020B0604030504040204" pitchFamily="34" charset="-120"/>
-                <a:ea typeface="Microsoft JhengHei" panose="020B0604030504040204" pitchFamily="34" charset="-120"/>
-              </a:rPr>
-              <a:t>)</a:t>
-            </a:r>
-            <a:endParaRPr lang="vi-VN" sz="3200" b="1" dirty="0">
+              <a:t> )</a:t>
+            </a:r>
+            <a:endParaRPr lang="vi-VN" sz="2800" b="1" dirty="0">
               <a:solidFill>
                 <a:srgbClr val="660033"/>
               </a:solidFill>
+              <a:latin typeface="Microsoft JhengHei" panose="020B0604030504040204" pitchFamily="34" charset="-120"/>
               <a:ea typeface="Microsoft JhengHei" panose="020B0604030504040204" pitchFamily="34" charset="-120"/>
             </a:endParaRPr>
           </a:p>
@@ -3905,7 +3888,7 @@
         <p:spPr>
           <a:xfrm>
             <a:off x="0" y="3867894"/>
-            <a:ext cx="9144000" cy="584775"/>
+            <a:ext cx="9144000" cy="523220"/>
           </a:xfrm>
           <a:prstGeom prst="rect">
             <a:avLst/>
@@ -3920,7 +3903,7 @@
           <a:p>
             <a:pPr algn="ctr"/>
             <a:r>
-              <a:rPr lang="en-US" sz="3200" b="1" dirty="0" smtClean="0">
+              <a:rPr lang="en-US" sz="2800" b="1" dirty="0">
                 <a:solidFill>
                   <a:srgbClr val="660033"/>
                 </a:solidFill>
@@ -3930,7 +3913,7 @@
               <a:t>( </a:t>
             </a:r>
             <a:r>
-              <a:rPr lang="zh-CN" altLang="en-US" sz="3200" b="1" dirty="0" smtClean="0">
+              <a:rPr lang="zh-CN" altLang="en-US" sz="2800" b="1" dirty="0">
                 <a:solidFill>
                   <a:srgbClr val="660033"/>
                 </a:solidFill>
@@ -3940,29 +3923,20 @@
               <a:t>副</a:t>
             </a:r>
             <a:r>
-              <a:rPr lang="en-US" sz="3200" b="1" dirty="0" smtClean="0">
+              <a:rPr lang="en-US" sz="2800" b="1" dirty="0">
                 <a:solidFill>
                   <a:srgbClr val="660033"/>
                 </a:solidFill>
                 <a:latin typeface="Microsoft JhengHei" panose="020B0604030504040204" pitchFamily="34" charset="-120"/>
                 <a:ea typeface="Microsoft JhengHei" panose="020B0604030504040204" pitchFamily="34" charset="-120"/>
               </a:rPr>
-              <a:t> </a:t>
-            </a:r>
-            <a:r>
-              <a:rPr lang="en-US" sz="3200" b="1" dirty="0" smtClean="0">
-                <a:solidFill>
-                  <a:srgbClr val="660033"/>
-                </a:solidFill>
-                <a:latin typeface="Microsoft JhengHei" panose="020B0604030504040204" pitchFamily="34" charset="-120"/>
-                <a:ea typeface="Microsoft JhengHei" panose="020B0604030504040204" pitchFamily="34" charset="-120"/>
-              </a:rPr>
-              <a:t>)</a:t>
-            </a:r>
-            <a:endParaRPr lang="vi-VN" sz="3200" b="1" dirty="0">
+              <a:t> )</a:t>
+            </a:r>
+            <a:endParaRPr lang="vi-VN" sz="2800" b="1" dirty="0">
               <a:solidFill>
                 <a:srgbClr val="660033"/>
               </a:solidFill>
+              <a:latin typeface="Microsoft JhengHei" panose="020B0604030504040204" pitchFamily="34" charset="-120"/>
               <a:ea typeface="Microsoft JhengHei" panose="020B0604030504040204" pitchFamily="34" charset="-120"/>
             </a:endParaRPr>
           </a:p>
@@ -4067,7 +4041,7 @@
         <p:spPr>
           <a:xfrm>
             <a:off x="0" y="3867894"/>
-            <a:ext cx="9144000" cy="584775"/>
+            <a:ext cx="9144000" cy="523220"/>
           </a:xfrm>
           <a:prstGeom prst="rect">
             <a:avLst/>
@@ -4082,7 +4056,7 @@
           <a:p>
             <a:pPr algn="ctr"/>
             <a:r>
-              <a:rPr lang="en-US" sz="3200" b="1" dirty="0" smtClean="0">
+              <a:rPr lang="en-US" sz="2800" b="1" dirty="0">
                 <a:solidFill>
                   <a:srgbClr val="660033"/>
                 </a:solidFill>
@@ -4092,7 +4066,7 @@
               <a:t>( </a:t>
             </a:r>
             <a:r>
-              <a:rPr lang="zh-CN" altLang="en-US" sz="3200" b="1" dirty="0" smtClean="0">
+              <a:rPr lang="zh-CN" altLang="en-US" sz="2800" b="1" dirty="0">
                 <a:solidFill>
                   <a:srgbClr val="660033"/>
                 </a:solidFill>
@@ -4102,29 +4076,20 @@
               <a:t>副</a:t>
             </a:r>
             <a:r>
-              <a:rPr lang="en-US" sz="3200" b="1" dirty="0" smtClean="0">
+              <a:rPr lang="en-US" sz="2800" b="1" dirty="0">
                 <a:solidFill>
                   <a:srgbClr val="660033"/>
                 </a:solidFill>
                 <a:latin typeface="Microsoft JhengHei" panose="020B0604030504040204" pitchFamily="34" charset="-120"/>
                 <a:ea typeface="Microsoft JhengHei" panose="020B0604030504040204" pitchFamily="34" charset="-120"/>
               </a:rPr>
-              <a:t> </a:t>
-            </a:r>
-            <a:r>
-              <a:rPr lang="en-US" sz="3200" b="1" dirty="0" smtClean="0">
-                <a:solidFill>
-                  <a:srgbClr val="660033"/>
-                </a:solidFill>
-                <a:latin typeface="Microsoft JhengHei" panose="020B0604030504040204" pitchFamily="34" charset="-120"/>
-                <a:ea typeface="Microsoft JhengHei" panose="020B0604030504040204" pitchFamily="34" charset="-120"/>
-              </a:rPr>
-              <a:t>)</a:t>
-            </a:r>
-            <a:endParaRPr lang="vi-VN" sz="3200" b="1" dirty="0">
+              <a:t> )</a:t>
+            </a:r>
+            <a:endParaRPr lang="vi-VN" sz="2800" b="1" dirty="0">
               <a:solidFill>
                 <a:srgbClr val="660033"/>
               </a:solidFill>
+              <a:latin typeface="Microsoft JhengHei" panose="020B0604030504040204" pitchFamily="34" charset="-120"/>
               <a:ea typeface="Microsoft JhengHei" panose="020B0604030504040204" pitchFamily="34" charset="-120"/>
             </a:endParaRPr>
           </a:p>
@@ -4256,7 +4221,7 @@
         <p:spPr>
           <a:xfrm>
             <a:off x="0" y="3867894"/>
-            <a:ext cx="9144000" cy="584775"/>
+            <a:ext cx="9144000" cy="523220"/>
           </a:xfrm>
           <a:prstGeom prst="rect">
             <a:avLst/>
@@ -4271,7 +4236,7 @@
           <a:p>
             <a:pPr algn="ctr"/>
             <a:r>
-              <a:rPr lang="en-US" sz="3200" b="1" dirty="0" smtClean="0">
+              <a:rPr lang="en-US" sz="2800" b="1" dirty="0">
                 <a:solidFill>
                   <a:srgbClr val="660033"/>
                 </a:solidFill>
@@ -4281,7 +4246,7 @@
               <a:t>( </a:t>
             </a:r>
             <a:r>
-              <a:rPr lang="zh-CN" altLang="en-US" sz="3200" b="1" dirty="0" smtClean="0">
+              <a:rPr lang="zh-CN" altLang="en-US" sz="2800" b="1" dirty="0">
                 <a:solidFill>
                   <a:srgbClr val="660033"/>
                 </a:solidFill>
@@ -4291,29 +4256,20 @@
               <a:t>副</a:t>
             </a:r>
             <a:r>
-              <a:rPr lang="en-US" sz="3200" b="1" dirty="0" smtClean="0">
+              <a:rPr lang="en-US" sz="2800" b="1" dirty="0">
                 <a:solidFill>
                   <a:srgbClr val="660033"/>
                 </a:solidFill>
                 <a:latin typeface="Microsoft JhengHei" panose="020B0604030504040204" pitchFamily="34" charset="-120"/>
                 <a:ea typeface="Microsoft JhengHei" panose="020B0604030504040204" pitchFamily="34" charset="-120"/>
               </a:rPr>
-              <a:t> </a:t>
-            </a:r>
-            <a:r>
-              <a:rPr lang="en-US" sz="3200" b="1" dirty="0" smtClean="0">
-                <a:solidFill>
-                  <a:srgbClr val="660033"/>
-                </a:solidFill>
-                <a:latin typeface="Microsoft JhengHei" panose="020B0604030504040204" pitchFamily="34" charset="-120"/>
-                <a:ea typeface="Microsoft JhengHei" panose="020B0604030504040204" pitchFamily="34" charset="-120"/>
-              </a:rPr>
-              <a:t>)</a:t>
-            </a:r>
-            <a:endParaRPr lang="vi-VN" sz="3200" b="1" dirty="0">
+              <a:t> )</a:t>
+            </a:r>
+            <a:endParaRPr lang="vi-VN" sz="2800" b="1" dirty="0">
               <a:solidFill>
                 <a:srgbClr val="660033"/>
               </a:solidFill>
+              <a:latin typeface="Microsoft JhengHei" panose="020B0604030504040204" pitchFamily="34" charset="-120"/>
               <a:ea typeface="Microsoft JhengHei" panose="020B0604030504040204" pitchFamily="34" charset="-120"/>
             </a:endParaRPr>
           </a:p>
@@ -4418,7 +4374,7 @@
         <p:spPr>
           <a:xfrm>
             <a:off x="0" y="3867894"/>
-            <a:ext cx="9144000" cy="584775"/>
+            <a:ext cx="9144000" cy="523220"/>
           </a:xfrm>
           <a:prstGeom prst="rect">
             <a:avLst/>
@@ -4433,7 +4389,7 @@
           <a:p>
             <a:pPr algn="ctr"/>
             <a:r>
-              <a:rPr lang="en-US" sz="3200" b="1" dirty="0" smtClean="0">
+              <a:rPr lang="en-US" sz="2800" b="1" dirty="0">
                 <a:solidFill>
                   <a:srgbClr val="660033"/>
                 </a:solidFill>
@@ -4443,7 +4399,7 @@
               <a:t>( </a:t>
             </a:r>
             <a:r>
-              <a:rPr lang="zh-CN" altLang="en-US" sz="3200" b="1" dirty="0" smtClean="0">
+              <a:rPr lang="zh-CN" altLang="en-US" sz="2800" b="1" dirty="0">
                 <a:solidFill>
                   <a:srgbClr val="660033"/>
                 </a:solidFill>
@@ -4453,29 +4409,20 @@
               <a:t>副</a:t>
             </a:r>
             <a:r>
-              <a:rPr lang="en-US" sz="3200" b="1" dirty="0" smtClean="0">
+              <a:rPr lang="en-US" sz="2800" b="1" dirty="0">
                 <a:solidFill>
                   <a:srgbClr val="660033"/>
                 </a:solidFill>
                 <a:latin typeface="Microsoft JhengHei" panose="020B0604030504040204" pitchFamily="34" charset="-120"/>
                 <a:ea typeface="Microsoft JhengHei" panose="020B0604030504040204" pitchFamily="34" charset="-120"/>
               </a:rPr>
-              <a:t> </a:t>
-            </a:r>
-            <a:r>
-              <a:rPr lang="en-US" sz="3200" b="1" dirty="0" smtClean="0">
-                <a:solidFill>
-                  <a:srgbClr val="660033"/>
-                </a:solidFill>
-                <a:latin typeface="Microsoft JhengHei" panose="020B0604030504040204" pitchFamily="34" charset="-120"/>
-                <a:ea typeface="Microsoft JhengHei" panose="020B0604030504040204" pitchFamily="34" charset="-120"/>
-              </a:rPr>
-              <a:t>)</a:t>
-            </a:r>
-            <a:endParaRPr lang="vi-VN" sz="3200" b="1" dirty="0">
+              <a:t> )</a:t>
+            </a:r>
+            <a:endParaRPr lang="vi-VN" sz="2800" b="1" dirty="0">
               <a:solidFill>
                 <a:srgbClr val="660033"/>
               </a:solidFill>
+              <a:latin typeface="Microsoft JhengHei" panose="020B0604030504040204" pitchFamily="34" charset="-120"/>
               <a:ea typeface="Microsoft JhengHei" panose="020B0604030504040204" pitchFamily="34" charset="-120"/>
             </a:endParaRPr>
           </a:p>
